--- a/help/data-sheets/assets/DMeEnterpriseSupportDatasheet_2022 (1).pptx
+++ b/help/data-sheets/assets/DMeEnterpriseSupportDatasheet_2022 (1).pptx
@@ -441,42 +441,6 @@
 </pc:chgInfo>
 </file>
 
-<file path=ppt/comments/modernComment_105_3E964E31.xml><?xml version="1.0" encoding="utf-8"?>
-<p188:cmLst xmlns:a="http://schemas.openxmlformats.org/drawingml/2006/main" xmlns:r="http://schemas.openxmlformats.org/officeDocument/2006/relationships" xmlns:p188="http://schemas.microsoft.com/office/powerpoint/2018/8/main">
-  <p188:cm id="{01C3F3F0-2814-4D6E-911E-1AA58F4E2B59}" authorId="{DB1A11B9-3973-06DC-DBC2-EFEFEF087FED}" created="2022-02-09T19:17:48.735">
-    <pc:sldMkLst xmlns:pc="http://schemas.microsoft.com/office/powerpoint/2013/main/command">
-      <pc:docMk/>
-      <pc:sldMk cId="1050037809" sldId="261"/>
-    </pc:sldMkLst>
-    <p188:replyLst>
-      <p188:reply id="{43FD53F6-3E2B-4FC3-8555-4F3083F01AB8}" authorId="{D376325D-2BBD-24A3-9FEE-692465B927D5}" created="2022-02-10T15:55:29.062">
-        <p188:txBody>
-          <a:bodyPr/>
-          <a:lstStyle/>
-          <a:p>
-            <a:r>
-              <a:rPr lang="en-US"/>
-              <a:t>Updated.</a:t>
-            </a:r>
-          </a:p>
-        </p188:txBody>
-      </p188:reply>
-    </p188:replyLst>
-    <p188:txBody>
-      <a:bodyPr/>
-      <a:lstStyle/>
-      <a:p>
-        <a:r>
-          <a:rPr lang="en-US"/>
-          <a:t>Change from Experience League to Enterprise Learn &amp; Support - https://helpx.adobe.com/enterprise.html
-[@Jaclyn Zalesky] </a:t>
-        </a:r>
-      </a:p>
-    </p188:txBody>
-  </p188:cm>
-</p188:cmLst>
-</file>
-
 <file path=ppt/notesMasters/notesMaster1.xml><?xml version="1.0" encoding="utf-8"?>
 <p:notesMaster xmlns:a="http://schemas.openxmlformats.org/drawingml/2006/main" xmlns:r="http://schemas.openxmlformats.org/officeDocument/2006/relationships" xmlns:p="http://schemas.openxmlformats.org/presentationml/2006/main">
   <p:cSld>
@@ -559,7 +523,7 @@
           <a:p>
             <a:fld id="{CCB2A597-803A-C244-97E2-A01066125D19}" type="datetimeFigureOut">
               <a:rPr lang="en-US" smtClean="0"/>
-              <a:t>3/3/2022</a:t>
+              <a:t>3/24/2022</a:t>
             </a:fld>
             <a:endParaRPr lang="en-US"/>
           </a:p>
@@ -1256,7 +1220,7 @@
           <a:p>
             <a:fld id="{1D8BD707-D9CF-40AE-B4C6-C98DA3205C09}" type="datetimeFigureOut">
               <a:rPr lang="en-US"/>
-              <a:t>3/3/2022</a:t>
+              <a:t>3/24/2022</a:t>
             </a:fld>
             <a:endParaRPr lang="en-US"/>
           </a:p>
@@ -1496,7 +1460,7 @@
           <a:p>
             <a:fld id="{1D8BD707-D9CF-40AE-B4C6-C98DA3205C09}" type="datetimeFigureOut">
               <a:rPr lang="en-US"/>
-              <a:t>3/3/2022</a:t>
+              <a:t>3/24/2022</a:t>
             </a:fld>
             <a:endParaRPr lang="en-US"/>
           </a:p>
@@ -1749,7 +1713,7 @@
           <a:p>
             <a:fld id="{1D8BD707-D9CF-40AE-B4C6-C98DA3205C09}" type="datetimeFigureOut">
               <a:rPr lang="en-US"/>
-              <a:t>3/3/2022</a:t>
+              <a:t>3/24/2022</a:t>
             </a:fld>
             <a:endParaRPr lang="en-US"/>
           </a:p>
@@ -1936,7 +1900,7 @@
           <a:p>
             <a:fld id="{1D8BD707-D9CF-40AE-B4C6-C98DA3205C09}" type="datetimeFigureOut">
               <a:rPr lang="en-US"/>
-              <a:t>3/3/2022</a:t>
+              <a:t>3/24/2022</a:t>
             </a:fld>
             <a:endParaRPr lang="en-US"/>
           </a:p>
@@ -2094,7 +2058,7 @@
           <a:p>
             <a:fld id="{1D8BD707-D9CF-40AE-B4C6-C98DA3205C09}" type="datetimeFigureOut">
               <a:rPr lang="en-US"/>
-              <a:t>3/3/2022</a:t>
+              <a:t>3/24/2022</a:t>
             </a:fld>
             <a:endParaRPr lang="en-US"/>
           </a:p>
@@ -2352,7 +2316,7 @@
           <a:p>
             <a:fld id="{1D8BD707-D9CF-40AE-B4C6-C98DA3205C09}" type="datetimeFigureOut">
               <a:rPr lang="en-US"/>
-              <a:t>3/3/2022</a:t>
+              <a:t>3/24/2022</a:t>
             </a:fld>
             <a:endParaRPr lang="en-US"/>
           </a:p>
@@ -2605,32 +2569,12 @@
               </a:spcBef>
             </a:pPr>
             <a:r>
-              <a:rPr sz="2300" dirty="0">
-                <a:latin typeface="Adobe Clean" panose="020B0503020404020204" pitchFamily="34" charset="0"/>
+              <a:rPr lang="ja-JP" sz="2300" dirty="0">
+                <a:latin typeface="Adobe Clean Han Regular" panose="020B0500000000000000" pitchFamily="34" charset="-128"/>
+                <a:ea typeface="Adobe Clean Han Regular" panose="020B0500000000000000" pitchFamily="34" charset="-128"/>
               </a:rPr>
-              <a:t>ADOBE</a:t>
+              <a:t>アドビサポートのプラン</a:t>
             </a:r>
-            <a:r>
-              <a:rPr lang="en-US" sz="2300" dirty="0">
-                <a:latin typeface="Adobe Clean" panose="020B0503020404020204" pitchFamily="34" charset="0"/>
-              </a:rPr>
-              <a:t> </a:t>
-            </a:r>
-            <a:r>
-              <a:rPr sz="2300" dirty="0">
-                <a:latin typeface="Adobe Clean" panose="020B0503020404020204" pitchFamily="34" charset="0"/>
-              </a:rPr>
-              <a:t>SUPPORT</a:t>
-            </a:r>
-            <a:r>
-              <a:rPr lang="en-US" sz="2300" dirty="0">
-                <a:latin typeface="Adobe Clean" panose="020B0503020404020204" pitchFamily="34" charset="0"/>
-              </a:rPr>
-              <a:t> PLANS</a:t>
-            </a:r>
-            <a:endParaRPr sz="2300" dirty="0">
-              <a:latin typeface="Adobe Clean" panose="020B0503020404020204" pitchFamily="34" charset="0"/>
-            </a:endParaRPr>
           </a:p>
         </p:txBody>
       </p:sp>
@@ -2643,7 +2587,7 @@
         <p:spPr>
           <a:xfrm>
             <a:off x="121146" y="7134585"/>
-            <a:ext cx="2785110" cy="228268"/>
+            <a:ext cx="4057662" cy="228268"/>
           </a:xfrm>
           <a:prstGeom prst="rect">
             <a:avLst/>
@@ -2664,7 +2608,7 @@
               </a:spcBef>
             </a:pPr>
             <a:r>
-              <a:rPr sz="1400" b="1" u="sng" spc="15" dirty="0">
+              <a:rPr lang="ja-JP" sz="1400" b="1" u="sng" dirty="0">
                 <a:solidFill>
                   <a:srgbClr val="020302"/>
                 </a:solidFill>
@@ -2673,480 +2617,12 @@
                     <a:srgbClr val="020302"/>
                   </a:solidFill>
                 </a:uFill>
-                <a:latin typeface="Adobe Clean"/>
+                <a:latin typeface="Adobe Clean Han Regular" panose="020B0500000000000000" pitchFamily="34" charset="-128"/>
+                <a:ea typeface="Adobe Clean Han Regular" panose="020B0500000000000000" pitchFamily="34" charset="-128"/>
                 <a:cs typeface="Adobe Clean"/>
               </a:rPr>
-              <a:t>S</a:t>
+              <a:t>サービスレベルターゲット：初期対応</a:t>
             </a:r>
-            <a:r>
-              <a:rPr sz="1400" b="1" u="sng" spc="5" dirty="0">
-                <a:solidFill>
-                  <a:srgbClr val="020302"/>
-                </a:solidFill>
-                <a:uFill>
-                  <a:solidFill>
-                    <a:srgbClr val="020302"/>
-                  </a:solidFill>
-                </a:uFill>
-                <a:latin typeface="Adobe Clean"/>
-                <a:cs typeface="Adobe Clean"/>
-              </a:rPr>
-              <a:t>er</a:t>
-            </a:r>
-            <a:r>
-              <a:rPr sz="1400" b="1" u="sng" spc="10" dirty="0">
-                <a:solidFill>
-                  <a:srgbClr val="020302"/>
-                </a:solidFill>
-                <a:uFill>
-                  <a:solidFill>
-                    <a:srgbClr val="020302"/>
-                  </a:solidFill>
-                </a:uFill>
-                <a:latin typeface="Adobe Clean"/>
-                <a:cs typeface="Adobe Clean"/>
-              </a:rPr>
-              <a:t>vi</a:t>
-            </a:r>
-            <a:r>
-              <a:rPr sz="1400" b="1" u="sng" spc="5" dirty="0">
-                <a:solidFill>
-                  <a:srgbClr val="020302"/>
-                </a:solidFill>
-                <a:uFill>
-                  <a:solidFill>
-                    <a:srgbClr val="020302"/>
-                  </a:solidFill>
-                </a:uFill>
-                <a:latin typeface="Adobe Clean"/>
-                <a:cs typeface="Adobe Clean"/>
-              </a:rPr>
-              <a:t>c</a:t>
-            </a:r>
-            <a:r>
-              <a:rPr sz="1400" b="1" u="sng" dirty="0">
-                <a:solidFill>
-                  <a:srgbClr val="020302"/>
-                </a:solidFill>
-                <a:uFill>
-                  <a:solidFill>
-                    <a:srgbClr val="020302"/>
-                  </a:solidFill>
-                </a:uFill>
-                <a:latin typeface="Adobe Clean"/>
-                <a:cs typeface="Adobe Clean"/>
-              </a:rPr>
-              <a:t>e</a:t>
-            </a:r>
-            <a:r>
-              <a:rPr sz="1400" b="1" u="sng" spc="20" dirty="0">
-                <a:solidFill>
-                  <a:srgbClr val="020302"/>
-                </a:solidFill>
-                <a:uFill>
-                  <a:solidFill>
-                    <a:srgbClr val="020302"/>
-                  </a:solidFill>
-                </a:uFill>
-                <a:latin typeface="Adobe Clean"/>
-                <a:cs typeface="Adobe Clean"/>
-              </a:rPr>
-              <a:t> </a:t>
-            </a:r>
-            <a:r>
-              <a:rPr sz="1400" b="1" u="sng" spc="-15" dirty="0">
-                <a:solidFill>
-                  <a:srgbClr val="020302"/>
-                </a:solidFill>
-                <a:uFill>
-                  <a:solidFill>
-                    <a:srgbClr val="020302"/>
-                  </a:solidFill>
-                </a:uFill>
-                <a:latin typeface="Adobe Clean"/>
-                <a:cs typeface="Adobe Clean"/>
-              </a:rPr>
-              <a:t>Le</a:t>
-            </a:r>
-            <a:r>
-              <a:rPr sz="1400" b="1" u="sng" spc="-10" dirty="0">
-                <a:solidFill>
-                  <a:srgbClr val="020302"/>
-                </a:solidFill>
-                <a:uFill>
-                  <a:solidFill>
-                    <a:srgbClr val="020302"/>
-                  </a:solidFill>
-                </a:uFill>
-                <a:latin typeface="Adobe Clean"/>
-                <a:cs typeface="Adobe Clean"/>
-              </a:rPr>
-              <a:t>v</a:t>
-            </a:r>
-            <a:r>
-              <a:rPr sz="1400" b="1" u="sng" spc="-15" dirty="0">
-                <a:solidFill>
-                  <a:srgbClr val="020302"/>
-                </a:solidFill>
-                <a:uFill>
-                  <a:solidFill>
-                    <a:srgbClr val="020302"/>
-                  </a:solidFill>
-                </a:uFill>
-                <a:latin typeface="Adobe Clean"/>
-                <a:cs typeface="Adobe Clean"/>
-              </a:rPr>
-              <a:t>e</a:t>
-            </a:r>
-            <a:r>
-              <a:rPr sz="1400" b="1" u="sng" dirty="0">
-                <a:solidFill>
-                  <a:srgbClr val="020302"/>
-                </a:solidFill>
-                <a:uFill>
-                  <a:solidFill>
-                    <a:srgbClr val="020302"/>
-                  </a:solidFill>
-                </a:uFill>
-                <a:latin typeface="Adobe Clean"/>
-                <a:cs typeface="Adobe Clean"/>
-              </a:rPr>
-              <a:t>l</a:t>
-            </a:r>
-            <a:r>
-              <a:rPr sz="1400" b="1" u="sng" spc="-15" dirty="0">
-                <a:solidFill>
-                  <a:srgbClr val="020302"/>
-                </a:solidFill>
-                <a:uFill>
-                  <a:solidFill>
-                    <a:srgbClr val="020302"/>
-                  </a:solidFill>
-                </a:uFill>
-                <a:latin typeface="Adobe Clean"/>
-                <a:cs typeface="Adobe Clean"/>
-              </a:rPr>
-              <a:t> </a:t>
-            </a:r>
-            <a:r>
-              <a:rPr sz="1400" b="1" u="sng" spc="-55" dirty="0">
-                <a:solidFill>
-                  <a:srgbClr val="020302"/>
-                </a:solidFill>
-                <a:uFill>
-                  <a:solidFill>
-                    <a:srgbClr val="020302"/>
-                  </a:solidFill>
-                </a:uFill>
-                <a:latin typeface="Adobe Clean"/>
-                <a:cs typeface="Adobe Clean"/>
-              </a:rPr>
-              <a:t>T</a:t>
-            </a:r>
-            <a:r>
-              <a:rPr sz="1400" b="1" u="sng" spc="-40" dirty="0">
-                <a:solidFill>
-                  <a:srgbClr val="020302"/>
-                </a:solidFill>
-                <a:uFill>
-                  <a:solidFill>
-                    <a:srgbClr val="020302"/>
-                  </a:solidFill>
-                </a:uFill>
-                <a:latin typeface="Adobe Clean"/>
-                <a:cs typeface="Adobe Clean"/>
-              </a:rPr>
-              <a:t>a</a:t>
-            </a:r>
-            <a:r>
-              <a:rPr sz="1400" b="1" u="sng" spc="-45" dirty="0">
-                <a:solidFill>
-                  <a:srgbClr val="020302"/>
-                </a:solidFill>
-                <a:uFill>
-                  <a:solidFill>
-                    <a:srgbClr val="020302"/>
-                  </a:solidFill>
-                </a:uFill>
-                <a:latin typeface="Adobe Clean"/>
-                <a:cs typeface="Adobe Clean"/>
-              </a:rPr>
-              <a:t>r</a:t>
-            </a:r>
-            <a:r>
-              <a:rPr sz="1400" b="1" u="sng" spc="-40" dirty="0">
-                <a:solidFill>
-                  <a:srgbClr val="020302"/>
-                </a:solidFill>
-                <a:uFill>
-                  <a:solidFill>
-                    <a:srgbClr val="020302"/>
-                  </a:solidFill>
-                </a:uFill>
-                <a:latin typeface="Adobe Clean"/>
-                <a:cs typeface="Adobe Clean"/>
-              </a:rPr>
-              <a:t>g</a:t>
-            </a:r>
-            <a:r>
-              <a:rPr sz="1400" b="1" u="sng" spc="-50" dirty="0">
-                <a:solidFill>
-                  <a:srgbClr val="020302"/>
-                </a:solidFill>
-                <a:uFill>
-                  <a:solidFill>
-                    <a:srgbClr val="020302"/>
-                  </a:solidFill>
-                </a:uFill>
-                <a:latin typeface="Adobe Clean"/>
-                <a:cs typeface="Adobe Clean"/>
-              </a:rPr>
-              <a:t>et</a:t>
-            </a:r>
-            <a:r>
-              <a:rPr sz="1400" b="1" u="sng" spc="-45" dirty="0">
-                <a:solidFill>
-                  <a:srgbClr val="020302"/>
-                </a:solidFill>
-                <a:uFill>
-                  <a:solidFill>
-                    <a:srgbClr val="020302"/>
-                  </a:solidFill>
-                </a:uFill>
-                <a:latin typeface="Adobe Clean"/>
-                <a:cs typeface="Adobe Clean"/>
-              </a:rPr>
-              <a:t>s</a:t>
-            </a:r>
-            <a:r>
-              <a:rPr sz="1400" b="1" u="sng" dirty="0">
-                <a:solidFill>
-                  <a:srgbClr val="020302"/>
-                </a:solidFill>
-                <a:uFill>
-                  <a:solidFill>
-                    <a:srgbClr val="020302"/>
-                  </a:solidFill>
-                </a:uFill>
-                <a:latin typeface="Adobe Clean"/>
-                <a:cs typeface="Adobe Clean"/>
-              </a:rPr>
-              <a:t>:</a:t>
-            </a:r>
-            <a:r>
-              <a:rPr sz="1400" b="1" u="sng" spc="-85" dirty="0">
-                <a:solidFill>
-                  <a:srgbClr val="020302"/>
-                </a:solidFill>
-                <a:uFill>
-                  <a:solidFill>
-                    <a:srgbClr val="020302"/>
-                  </a:solidFill>
-                </a:uFill>
-                <a:latin typeface="Adobe Clean"/>
-                <a:cs typeface="Adobe Clean"/>
-              </a:rPr>
-              <a:t> </a:t>
-            </a:r>
-            <a:r>
-              <a:rPr sz="1400" b="1" u="sng" spc="-15" dirty="0">
-                <a:solidFill>
-                  <a:srgbClr val="020302"/>
-                </a:solidFill>
-                <a:uFill>
-                  <a:solidFill>
-                    <a:srgbClr val="020302"/>
-                  </a:solidFill>
-                </a:uFill>
-                <a:latin typeface="Adobe Clean"/>
-                <a:cs typeface="Adobe Clean"/>
-              </a:rPr>
-              <a:t>I</a:t>
-            </a:r>
-            <a:r>
-              <a:rPr sz="1400" b="1" u="sng" spc="-10" dirty="0">
-                <a:solidFill>
-                  <a:srgbClr val="020302"/>
-                </a:solidFill>
-                <a:uFill>
-                  <a:solidFill>
-                    <a:srgbClr val="020302"/>
-                  </a:solidFill>
-                </a:uFill>
-                <a:latin typeface="Adobe Clean"/>
-                <a:cs typeface="Adobe Clean"/>
-              </a:rPr>
-              <a:t>ni</a:t>
-            </a:r>
-            <a:r>
-              <a:rPr sz="1400" b="1" u="sng" spc="-15" dirty="0">
-                <a:solidFill>
-                  <a:srgbClr val="020302"/>
-                </a:solidFill>
-                <a:uFill>
-                  <a:solidFill>
-                    <a:srgbClr val="020302"/>
-                  </a:solidFill>
-                </a:uFill>
-                <a:latin typeface="Adobe Clean"/>
-                <a:cs typeface="Adobe Clean"/>
-              </a:rPr>
-              <a:t>t</a:t>
-            </a:r>
-            <a:r>
-              <a:rPr sz="1400" b="1" u="sng" spc="-10" dirty="0">
-                <a:solidFill>
-                  <a:srgbClr val="020302"/>
-                </a:solidFill>
-                <a:uFill>
-                  <a:solidFill>
-                    <a:srgbClr val="020302"/>
-                  </a:solidFill>
-                </a:uFill>
-                <a:latin typeface="Adobe Clean"/>
-                <a:cs typeface="Adobe Clean"/>
-              </a:rPr>
-              <a:t>i</a:t>
-            </a:r>
-            <a:r>
-              <a:rPr sz="1400" b="1" u="sng" spc="-5" dirty="0">
-                <a:solidFill>
-                  <a:srgbClr val="020302"/>
-                </a:solidFill>
-                <a:uFill>
-                  <a:solidFill>
-                    <a:srgbClr val="020302"/>
-                  </a:solidFill>
-                </a:uFill>
-                <a:latin typeface="Adobe Clean"/>
-                <a:cs typeface="Adobe Clean"/>
-              </a:rPr>
-              <a:t>a</a:t>
-            </a:r>
-            <a:r>
-              <a:rPr sz="1400" b="1" u="sng" dirty="0">
-                <a:solidFill>
-                  <a:srgbClr val="020302"/>
-                </a:solidFill>
-                <a:uFill>
-                  <a:solidFill>
-                    <a:srgbClr val="020302"/>
-                  </a:solidFill>
-                </a:uFill>
-                <a:latin typeface="Adobe Clean"/>
-                <a:cs typeface="Adobe Clean"/>
-              </a:rPr>
-              <a:t>l</a:t>
-            </a:r>
-            <a:r>
-              <a:rPr sz="1400" b="1" u="sng" spc="-145" dirty="0">
-                <a:solidFill>
-                  <a:srgbClr val="020302"/>
-                </a:solidFill>
-                <a:uFill>
-                  <a:solidFill>
-                    <a:srgbClr val="020302"/>
-                  </a:solidFill>
-                </a:uFill>
-                <a:latin typeface="Adobe Clean"/>
-                <a:cs typeface="Adobe Clean"/>
-              </a:rPr>
-              <a:t> </a:t>
-            </a:r>
-            <a:r>
-              <a:rPr sz="1400" b="1" u="sng" spc="-15" dirty="0">
-                <a:solidFill>
-                  <a:srgbClr val="020302"/>
-                </a:solidFill>
-                <a:uFill>
-                  <a:solidFill>
-                    <a:srgbClr val="020302"/>
-                  </a:solidFill>
-                </a:uFill>
-                <a:latin typeface="Adobe Clean"/>
-                <a:cs typeface="Adobe Clean"/>
-              </a:rPr>
-              <a:t>R</a:t>
-            </a:r>
-            <a:r>
-              <a:rPr sz="1400" b="1" u="sng" spc="-20" dirty="0">
-                <a:solidFill>
-                  <a:srgbClr val="020302"/>
-                </a:solidFill>
-                <a:uFill>
-                  <a:solidFill>
-                    <a:srgbClr val="020302"/>
-                  </a:solidFill>
-                </a:uFill>
-                <a:latin typeface="Adobe Clean"/>
-                <a:cs typeface="Adobe Clean"/>
-              </a:rPr>
-              <a:t>e</a:t>
-            </a:r>
-            <a:r>
-              <a:rPr sz="1400" b="1" u="sng" spc="-15" dirty="0">
-                <a:solidFill>
-                  <a:srgbClr val="020302"/>
-                </a:solidFill>
-                <a:uFill>
-                  <a:solidFill>
-                    <a:srgbClr val="020302"/>
-                  </a:solidFill>
-                </a:uFill>
-                <a:latin typeface="Adobe Clean"/>
-                <a:cs typeface="Adobe Clean"/>
-              </a:rPr>
-              <a:t>s</a:t>
-            </a:r>
-            <a:r>
-              <a:rPr sz="1400" b="1" u="sng" spc="-20" dirty="0">
-                <a:solidFill>
-                  <a:srgbClr val="020302"/>
-                </a:solidFill>
-                <a:uFill>
-                  <a:solidFill>
-                    <a:srgbClr val="020302"/>
-                  </a:solidFill>
-                </a:uFill>
-                <a:latin typeface="Adobe Clean"/>
-                <a:cs typeface="Adobe Clean"/>
-              </a:rPr>
-              <a:t>p</a:t>
-            </a:r>
-            <a:r>
-              <a:rPr sz="1400" b="1" u="sng" spc="-15" dirty="0">
-                <a:solidFill>
-                  <a:srgbClr val="020302"/>
-                </a:solidFill>
-                <a:uFill>
-                  <a:solidFill>
-                    <a:srgbClr val="020302"/>
-                  </a:solidFill>
-                </a:uFill>
-                <a:latin typeface="Adobe Clean"/>
-                <a:cs typeface="Adobe Clean"/>
-              </a:rPr>
-              <a:t>ons</a:t>
-            </a:r>
-            <a:r>
-              <a:rPr sz="1400" b="1" u="sng" dirty="0">
-                <a:solidFill>
-                  <a:srgbClr val="020302"/>
-                </a:solidFill>
-                <a:uFill>
-                  <a:solidFill>
-                    <a:srgbClr val="020302"/>
-                  </a:solidFill>
-                </a:uFill>
-                <a:latin typeface="Adobe Clean"/>
-                <a:cs typeface="Adobe Clean"/>
-              </a:rPr>
-              <a:t>e</a:t>
-            </a:r>
-            <a:endParaRPr sz="1400" u="sng" dirty="0">
-              <a:latin typeface="Adobe Clean"/>
-              <a:cs typeface="Adobe Clean"/>
-            </a:endParaRPr>
           </a:p>
         </p:txBody>
       </p:sp>
@@ -3184,8 +2660,8 @@
         </p:nvSpPr>
         <p:spPr>
           <a:xfrm>
-            <a:off x="121146" y="9839613"/>
-            <a:ext cx="2245360" cy="133370"/>
+            <a:off x="121146" y="9839612"/>
+            <a:ext cx="3445014" cy="133370"/>
           </a:xfrm>
           <a:prstGeom prst="rect">
             <a:avLst/>
@@ -3206,40 +2682,11 @@
               </a:spcBef>
             </a:pPr>
             <a:r>
-              <a:rPr spc="-10" dirty="0"/>
-              <a:t>©202</a:t>
-            </a:r>
-            <a:r>
-              <a:rPr lang="en-US" spc="-10" dirty="0"/>
-              <a:t>2 </a:t>
-            </a:r>
-            <a:r>
-              <a:rPr spc="-5" dirty="0"/>
-              <a:t>Adobe. All</a:t>
-            </a:r>
-            <a:r>
-              <a:rPr spc="-10" dirty="0"/>
-              <a:t> Rights</a:t>
-            </a:r>
-            <a:r>
-              <a:rPr spc="-5" dirty="0"/>
-              <a:t> </a:t>
-            </a:r>
-            <a:r>
-              <a:rPr spc="-10" dirty="0"/>
-              <a:t>Reserved.</a:t>
-            </a:r>
-            <a:r>
-              <a:rPr spc="-5" dirty="0"/>
-              <a:t> Adobe</a:t>
-            </a:r>
-            <a:r>
-              <a:rPr spc="60" dirty="0"/>
-              <a:t> </a:t>
-            </a:r>
-            <a:r>
-              <a:rPr spc="-10" dirty="0"/>
-              <a:t>Confidential.</a:t>
+              <a:rPr lang="ja-JP" dirty="0">
+                <a:latin typeface="Adobe Clean Han Regular" panose="020B0500000000000000" pitchFamily="34" charset="-128"/>
+                <a:ea typeface="Adobe Clean Han Regular" panose="020B0500000000000000" pitchFamily="34" charset="-128"/>
+              </a:rPr>
+              <a:t>©2022 Adobe.All Rights Reserved.Adobe Confidential.</a:t>
             </a:r>
           </a:p>
         </p:txBody>
@@ -3273,13 +2720,14 @@
           <a:lstStyle/>
           <a:p>
             <a:r>
-              <a:rPr lang="en-US" sz="700" i="1" dirty="0">
+              <a:rPr lang="ja-JP" sz="700" i="1" dirty="0">
                 <a:solidFill>
                   <a:schemeClr val="bg1"/>
                 </a:solidFill>
-                <a:latin typeface="Adobe Clean" panose="020B0503020404020204" pitchFamily="34" charset="0"/>
+                <a:latin typeface="Adobe Clean Han Regular" panose="020B0500000000000000" pitchFamily="34" charset="-128"/>
+                <a:ea typeface="Adobe Clean Han Regular" panose="020B0500000000000000" pitchFamily="34" charset="-128"/>
               </a:rPr>
-              <a:t>Adobe Creative Cloud / Adobe Document Cloud (including Adobe Sign)</a:t>
+              <a:t>Adobe Creative Cloud／Adobe Document Cloud（Adobe Sign を含む）</a:t>
             </a:r>
           </a:p>
         </p:txBody>
@@ -3298,8 +2746,8 @@
         </p:nvSpPr>
         <p:spPr>
           <a:xfrm>
-            <a:off x="122477" y="593716"/>
-            <a:ext cx="6035427" cy="1255472"/>
+            <a:off x="122478" y="593716"/>
+            <a:ext cx="5903842" cy="1399999"/>
           </a:xfrm>
           <a:prstGeom prst="rect">
             <a:avLst/>
@@ -3320,70 +2768,71 @@
               </a:spcBef>
             </a:pPr>
             <a:r>
-              <a:rPr lang="en-US" sz="1200" dirty="0">
+              <a:rPr lang="ja-JP" sz="1100" dirty="0">
                 <a:solidFill>
                   <a:schemeClr val="bg1"/>
                 </a:solidFill>
-                <a:latin typeface="Adobe Clean Light"/>
+                <a:latin typeface="Adobe Clean Han Light" panose="020B0300000000000000" pitchFamily="34" charset="-128"/>
+                <a:ea typeface="Adobe Clean Han Light" panose="020B0300000000000000" pitchFamily="34" charset="-128"/>
               </a:rPr>
-              <a:t>Standard | Business |</a:t>
+              <a:t>標準 | ビジネス |</a:t>
             </a:r>
             <a:r>
-              <a:rPr lang="en-US" sz="1200" b="1" dirty="0">
+              <a:rPr lang="ja-JP" sz="1100" b="1" dirty="0">
                 <a:solidFill>
                   <a:schemeClr val="bg1"/>
                 </a:solidFill>
-                <a:latin typeface="Adobe Clean Light"/>
+                <a:latin typeface="Adobe Clean Han Light" panose="020B0300000000000000" pitchFamily="34" charset="-128"/>
+                <a:ea typeface="Adobe Clean Han Light" panose="020B0300000000000000" pitchFamily="34" charset="-128"/>
               </a:rPr>
               <a:t> </a:t>
             </a:r>
             <a:r>
-              <a:rPr lang="en-US" sz="1200" b="1" dirty="0">
+              <a:rPr lang="ja-JP" sz="1100" b="1" dirty="0">
                 <a:solidFill>
                   <a:schemeClr val="bg1"/>
                 </a:solidFill>
+                <a:latin typeface="Adobe Clean Han Regular" panose="020B0500000000000000" pitchFamily="34" charset="-128"/>
+                <a:ea typeface="Adobe Clean Han Regular" panose="020B0500000000000000" pitchFamily="34" charset="-128"/>
               </a:rPr>
-              <a:t>Enterprise</a:t>
+              <a:t>エンタープライズ</a:t>
             </a:r>
             <a:r>
-              <a:rPr lang="en-US" sz="1200" b="1" dirty="0">
+              <a:rPr lang="ja-JP" sz="1100" b="1" dirty="0">
                 <a:solidFill>
                   <a:schemeClr val="bg1"/>
                 </a:solidFill>
-                <a:latin typeface="Adobe Clean Light"/>
+                <a:latin typeface="Adobe Clean Han Light" panose="020B0300000000000000" pitchFamily="34" charset="-128"/>
+                <a:ea typeface="Adobe Clean Han Light" panose="020B0300000000000000" pitchFamily="34" charset="-128"/>
               </a:rPr>
               <a:t> </a:t>
             </a:r>
             <a:r>
-              <a:rPr lang="en-US" sz="1200" dirty="0">
+              <a:rPr lang="ja-JP" sz="1100" dirty="0">
                 <a:solidFill>
                   <a:schemeClr val="bg1"/>
                 </a:solidFill>
-                <a:latin typeface="Adobe Clean Light"/>
+                <a:latin typeface="Adobe Clean Han Light" panose="020B0300000000000000" pitchFamily="34" charset="-128"/>
+                <a:ea typeface="Adobe Clean Han Light" panose="020B0300000000000000" pitchFamily="34" charset="-128"/>
               </a:rPr>
-              <a:t>| Elite</a:t>
+              <a:t>| エリート</a:t>
             </a:r>
             <a:br>
-              <a:rPr lang="en-US" sz="900" dirty="0">
-                <a:latin typeface="Adobe Clean Light" panose="020B0303020404020204" pitchFamily="34" charset="0"/>
+              <a:rPr lang="ja-JP" sz="800" dirty="0">
+                <a:latin typeface="Adobe Clean Han Light" panose="020B0300000000000000" pitchFamily="34" charset="-128"/>
+                <a:ea typeface="Adobe Clean Han Light" panose="020B0300000000000000" pitchFamily="34" charset="-128"/>
               </a:rPr>
             </a:br>
             <a:r>
-              <a:rPr lang="en-US" sz="1000" dirty="0">
+              <a:rPr lang="ja-JP" sz="900" dirty="0">
                 <a:solidFill>
                   <a:schemeClr val="bg1"/>
                 </a:solidFill>
-                <a:latin typeface="Adobe Clean SemiLight"/>
+                <a:latin typeface="Adobe Clean Han Light" panose="020B0300000000000000" pitchFamily="34" charset="-128"/>
+                <a:ea typeface="Adobe Clean Han Light" panose="020B0300000000000000" pitchFamily="34" charset="-128"/>
               </a:rPr>
-              <a:t>Adobe provides a comprehensive range of technical resources to help support your business included as part of your Adobe enterprise subscription. This is enhanced with the ENTERPRISE support plan. ENTERPRISE customers will benefit from our Named Support Engineer service, where a designated technical contact in the Adobe Support Team with deep experience in your solution will work in partnership with you and your technical teams to ensure timely resolution of all support requests. Your support team can also help coordinate and arrange delivery of the additional ENTERPRISE benefits ensuring minimal disruption to your business at the most critical times.  ENTERPRISE support plan customers can also take advantage of our detailed and in-depth technical product documentation and current release notes. </a:t>
+              <a:t>アドビでは、お客様のビジネスをサポートするために、包括的なテクニカルリソースを提供しています。これらのリソースは、アドビエンタープライズサブスクリプションに含まれています。エンタープライズサポートプランでは、さらに充実したリソースを利用可能です。エンタープライズのお客様には、専任サポートエンジニアサービスが提供されます。お使いのソリューションに関する豊富な知識と経験を持つアドビサポートチーム内の専任の技術相談窓口が、あらゆるサポートリクエストを適切なタイミングで解決できるように、テクニカルチームと協力してお客様を支援します。エンタープライズサポートには、お客様のビジネスの中断を最も重要なタイミングで最小限に抑えることができるような、さらなるサービスが充実しています。  また、エンタープライズサポートプランのお客様は、アドビ製品に関する詳細なテクニカルドキュメントや最新のリリースノートを参照できます。 </a:t>
             </a:r>
-            <a:endParaRPr lang="en-US" sz="900" dirty="0">
-              <a:solidFill>
-                <a:schemeClr val="bg1"/>
-              </a:solidFill>
-              <a:latin typeface="Adobe Clean Light" panose="020B0303020404020204" pitchFamily="34" charset="0"/>
-              <a:cs typeface="AdobeClean-Light"/>
-            </a:endParaRPr>
           </a:p>
         </p:txBody>
       </p:sp>
@@ -3402,14 +2851,14 @@
           <p:nvPr>
             <p:extLst>
               <p:ext uri="{D42A27DB-BD31-4B8C-83A1-F6EECF244321}">
-                <p14:modId xmlns:p14="http://schemas.microsoft.com/office/powerpoint/2010/main" val="2367685746"/>
+                <p14:modId xmlns:p14="http://schemas.microsoft.com/office/powerpoint/2010/main" val="1570676130"/>
               </p:ext>
             </p:extLst>
           </p:nvPr>
         </p:nvGraphicFramePr>
         <p:xfrm>
           <a:off x="136774" y="2144486"/>
-          <a:ext cx="7498851" cy="4943471"/>
+          <a:ext cx="7498851" cy="4958711"/>
         </p:xfrm>
         <a:graphic>
           <a:graphicData uri="http://schemas.openxmlformats.org/drawingml/2006/table">
@@ -3453,7 +2902,10 @@
                     <a:bodyPr/>
                     <a:lstStyle/>
                     <a:p>
-                      <a:endParaRPr lang="en-US" sz="1400" dirty="0"/>
+                      <a:endParaRPr lang="en-US" sz="1400" dirty="0">
+                        <a:latin typeface="Adobe Clean Han Regular" panose="020B0500000000000000" pitchFamily="34" charset="-128"/>
+                        <a:ea typeface="Adobe Clean Han Regular" panose="020B0500000000000000" pitchFamily="34" charset="-128"/>
+                      </a:endParaRPr>
                     </a:p>
                   </a:txBody>
                   <a:tcPr/>
@@ -3491,19 +2943,16 @@
                         <a:defRPr/>
                       </a:pPr>
                       <a:r>
-                        <a:rPr lang="en-US" sz="1200" spc="0" dirty="0">
+                        <a:rPr lang="ja-JP" sz="1100" dirty="0">
                           <a:solidFill>
                             <a:srgbClr val="404040"/>
                           </a:solidFill>
-                          <a:latin typeface="Adobe Clean"/>
+                          <a:latin typeface="Adobe Clean Han Regular" panose="020B0500000000000000" pitchFamily="34" charset="-128"/>
+                          <a:ea typeface="Adobe Clean Han Regular" panose="020B0500000000000000" pitchFamily="34" charset="-128"/>
                           <a:cs typeface="Adobe Clean"/>
                         </a:rPr>
-                        <a:t>Standard  Support</a:t>
+                        <a:t>標準サポート</a:t>
                       </a:r>
-                      <a:endParaRPr lang="en-US" sz="1200" spc="0" dirty="0">
-                        <a:latin typeface="Adobe Clean"/>
-                        <a:cs typeface="Adobe Clean"/>
-                      </a:endParaRPr>
                     </a:p>
                   </a:txBody>
                   <a:tcPr marL="0" marR="0" marT="7620" marB="0" anchor="ctr">
@@ -3544,29 +2993,16 @@
                         </a:spcBef>
                       </a:pPr>
                       <a:r>
-                        <a:rPr lang="en-US" sz="1200" spc="0" dirty="0">
+                        <a:rPr lang="ja-JP" sz="1100" dirty="0">
                           <a:solidFill>
                             <a:srgbClr val="FFFFFF"/>
                           </a:solidFill>
-                          <a:latin typeface="Adobe Clean"/>
+                          <a:latin typeface="Adobe Clean Han Regular" panose="020B0500000000000000" pitchFamily="34" charset="-128"/>
+                          <a:ea typeface="Adobe Clean Han Regular" panose="020B0500000000000000" pitchFamily="34" charset="-128"/>
                           <a:cs typeface="Adobe Clean"/>
                         </a:rPr>
-                        <a:t>Enterprise </a:t>
+                        <a:t>エンタープライズサポート</a:t>
                       </a:r>
-                      <a:r>
-                        <a:rPr sz="1200" spc="0" dirty="0">
-                          <a:solidFill>
-                            <a:srgbClr val="FFFFFF"/>
-                          </a:solidFill>
-                          <a:latin typeface="Adobe Clean"/>
-                          <a:cs typeface="Adobe Clean"/>
-                        </a:rPr>
-                        <a:t>Support</a:t>
-                      </a:r>
-                      <a:endParaRPr sz="1200" spc="0" dirty="0">
-                        <a:latin typeface="Adobe Clean"/>
-                        <a:cs typeface="Adobe Clean"/>
-                      </a:endParaRPr>
                     </a:p>
                   </a:txBody>
                   <a:tcPr marL="0" marR="0" marT="7620" marB="0" anchor="ctr">
@@ -3614,7 +3050,10 @@
                     <a:bodyPr/>
                     <a:lstStyle/>
                     <a:p>
-                      <a:endParaRPr lang="en-US" sz="1400" dirty="0"/>
+                      <a:endParaRPr lang="en-US" sz="1400" dirty="0">
+                        <a:latin typeface="Adobe Clean Han Regular" panose="020B0500000000000000" pitchFamily="34" charset="-128"/>
+                        <a:ea typeface="Adobe Clean Han Regular" panose="020B0500000000000000" pitchFamily="34" charset="-128"/>
+                      </a:endParaRPr>
                     </a:p>
                   </a:txBody>
                   <a:tcPr/>
@@ -3634,7 +3073,7 @@
                     <a:bodyPr/>
                     <a:lstStyle/>
                     <a:p>
-                      <a:pPr marL="0" marR="0" lvl="0" indent="0" algn="ctr" defTabSz="914400" eaLnBrk="1" fontAlgn="auto" latinLnBrk="0" hangingPunct="1">
+                      <a:pPr marL="0" marR="0" lvl="0" indent="0" algn="l" defTabSz="914400" rtl="0" eaLnBrk="1" fontAlgn="auto" latinLnBrk="0" hangingPunct="1">
                         <a:lnSpc>
                           <a:spcPct val="100000"/>
                         </a:lnSpc>
@@ -3651,11 +3090,12 @@
                         <a:tabLst/>
                         <a:defRPr/>
                       </a:pPr>
-                      <a:endParaRPr lang="en-US" sz="1200" i="1" dirty="0">
+                      <a:endParaRPr lang="en-US" sz="1100" i="1" dirty="0">
                         <a:solidFill>
                           <a:sysClr val="windowText" lastClr="000000"/>
                         </a:solidFill>
-                        <a:latin typeface="Adobe Clean Light" panose="020B0303020404020204" pitchFamily="34" charset="0"/>
+                        <a:latin typeface="Adobe Clean Han Regular" panose="020B0500000000000000" pitchFamily="34" charset="-128"/>
+                        <a:ea typeface="Adobe Clean Han Regular" panose="020B0500000000000000" pitchFamily="34" charset="-128"/>
                       </a:endParaRPr>
                     </a:p>
                   </a:txBody>
@@ -3715,13 +3155,14 @@
                         <a:defRPr/>
                       </a:pPr>
                       <a:r>
-                        <a:rPr lang="en-US" sz="1200" b="1" i="1" dirty="0">
+                        <a:rPr lang="ja-JP" sz="1100" b="1" i="1" dirty="0">
                           <a:solidFill>
                             <a:schemeClr val="bg1"/>
                           </a:solidFill>
-                          <a:latin typeface="Adobe Clean" panose="020B0503020404020204" pitchFamily="34" charset="0"/>
+                          <a:latin typeface="Adobe Clean Han Regular" panose="020B0500000000000000" pitchFamily="34" charset="-128"/>
+                          <a:ea typeface="Adobe Clean Han Regular" panose="020B0500000000000000" pitchFamily="34" charset="-128"/>
                         </a:rPr>
-                        <a:t>Paid Support ($)</a:t>
+                        <a:t>有償サポート（$）</a:t>
                       </a:r>
                     </a:p>
                   </a:txBody>
@@ -3785,22 +3226,16 @@
                         </a:spcBef>
                       </a:pPr>
                       <a:r>
-                        <a:rPr lang="en-US" sz="1200" b="1" i="0" spc="0" dirty="0">
+                        <a:rPr lang="ja-JP" sz="1200" b="1" i="0">
                           <a:solidFill>
                             <a:schemeClr val="bg1"/>
                           </a:solidFill>
-                          <a:latin typeface="Adobe Clean" panose="020B0503020404020204" pitchFamily="34" charset="0"/>
+                          <a:latin typeface="Adobe Clean Han Regular" panose="020B0500000000000000" pitchFamily="34" charset="-128"/>
+                          <a:ea typeface="Adobe Clean Han Regular" panose="020B0500000000000000" pitchFamily="34" charset="-128"/>
                           <a:cs typeface="AdobeClean-Light"/>
                         </a:rPr>
-                        <a:t>Assigned Experts</a:t>
+                        <a:t>担当エキスパート</a:t>
                       </a:r>
-                      <a:endParaRPr sz="1200" b="1" i="0" spc="0" dirty="0">
-                        <a:solidFill>
-                          <a:schemeClr val="bg1"/>
-                        </a:solidFill>
-                        <a:latin typeface="Adobe Clean" panose="020B0503020404020204" pitchFamily="34" charset="0"/>
-                        <a:cs typeface="AdobeClean-Light"/>
-                      </a:endParaRPr>
                     </a:p>
                   </a:txBody>
                   <a:tcPr marL="0" marR="0" marT="58419" marB="0" anchor="ctr">
@@ -3847,19 +3282,16 @@
                         </a:spcBef>
                       </a:pPr>
                       <a:r>
-                        <a:rPr sz="1100" spc="0" dirty="0">
+                        <a:rPr lang="ja-JP" sz="1000" dirty="0">
                           <a:solidFill>
                             <a:srgbClr val="020302"/>
                           </a:solidFill>
-                          <a:latin typeface="AdobeClean-Light"/>
+                          <a:latin typeface="Adobe Clean Han Light" panose="020B0300000000000000" pitchFamily="34" charset="-128"/>
+                          <a:ea typeface="Adobe Clean Han Light" panose="020B0300000000000000" pitchFamily="34" charset="-128"/>
                           <a:cs typeface="AdobeClean-Light"/>
                         </a:rPr>
-                        <a:t>Account Support Lead</a:t>
+                        <a:t>アカウントサポートリード</a:t>
                       </a:r>
-                      <a:endParaRPr sz="1100" spc="0" dirty="0">
-                        <a:latin typeface="AdobeClean-Light"/>
-                        <a:cs typeface="AdobeClean-Light"/>
-                      </a:endParaRPr>
                     </a:p>
                   </a:txBody>
                   <a:tcPr marL="0" marR="0" marT="58419" marB="0">
@@ -3894,7 +3326,7 @@
                     <a:bodyPr/>
                     <a:lstStyle/>
                     <a:p>
-                      <a:pPr algn="ctr">
+                      <a:pPr algn="l" rtl="0">
                         <a:lnSpc>
                           <a:spcPct val="100000"/>
                         </a:lnSpc>
@@ -3903,7 +3335,8 @@
                         </a:spcBef>
                       </a:pPr>
                       <a:endParaRPr sz="900" dirty="0">
-                        <a:latin typeface="Wingdings"/>
+                        <a:latin typeface="Adobe Clean Han Regular" panose="020B0500000000000000" pitchFamily="34" charset="-128"/>
+                        <a:ea typeface="Adobe Clean Han Regular" panose="020B0500000000000000" pitchFamily="34" charset="-128"/>
                         <a:cs typeface="Wingdings"/>
                       </a:endParaRPr>
                     </a:p>
@@ -3935,13 +3368,14 @@
                     <a:bodyPr/>
                     <a:lstStyle/>
                     <a:p>
-                      <a:pPr>
+                      <a:pPr algn="l" rtl="0">
                         <a:lnSpc>
                           <a:spcPct val="100000"/>
                         </a:lnSpc>
                       </a:pPr>
                       <a:endParaRPr sz="900" spc="0" dirty="0">
-                        <a:latin typeface="Times New Roman"/>
+                        <a:latin typeface="Adobe Clean Han Regular" panose="020B0500000000000000" pitchFamily="34" charset="-128"/>
+                        <a:ea typeface="Adobe Clean Han Regular" panose="020B0500000000000000" pitchFamily="34" charset="-128"/>
                         <a:cs typeface="Times New Roman"/>
                       </a:endParaRPr>
                     </a:p>
@@ -3975,7 +3409,7 @@
                     <a:bodyPr/>
                     <a:lstStyle/>
                     <a:p>
-                      <a:pPr marL="50800">
+                      <a:pPr marL="50800" algn="l" rtl="0">
                         <a:lnSpc>
                           <a:spcPct val="100000"/>
                         </a:lnSpc>
@@ -4021,19 +3455,16 @@
                         </a:spcBef>
                       </a:pPr>
                       <a:r>
-                        <a:rPr sz="1100" spc="0" dirty="0">
+                        <a:rPr lang="ja-JP" sz="1000" dirty="0">
                           <a:solidFill>
                             <a:srgbClr val="020302"/>
                           </a:solidFill>
-                          <a:latin typeface="AdobeClean-Light"/>
+                          <a:latin typeface="Adobe Clean Han Light" panose="020B0300000000000000" pitchFamily="34" charset="-128"/>
+                          <a:ea typeface="Adobe Clean Han Light" panose="020B0300000000000000" pitchFamily="34" charset="-128"/>
                           <a:cs typeface="AdobeClean-Light"/>
                         </a:rPr>
-                        <a:t>Named Support Engineer</a:t>
+                        <a:t>専任サポートエンジニア</a:t>
                       </a:r>
-                      <a:endParaRPr sz="1100" spc="0" dirty="0">
-                        <a:latin typeface="AdobeClean-Light"/>
-                        <a:cs typeface="AdobeClean-Light"/>
-                      </a:endParaRPr>
                     </a:p>
                   </a:txBody>
                   <a:tcPr marL="0" marR="0" marT="58419" marB="0">
@@ -4056,13 +3487,14 @@
                     <a:bodyPr/>
                     <a:lstStyle/>
                     <a:p>
-                      <a:pPr algn="ctr">
+                      <a:pPr algn="l" rtl="0">
                         <a:lnSpc>
                           <a:spcPct val="100000"/>
                         </a:lnSpc>
                       </a:pPr>
                       <a:endParaRPr sz="900" dirty="0">
-                        <a:latin typeface="Times New Roman"/>
+                        <a:latin typeface="Adobe Clean Han Regular" panose="020B0500000000000000" pitchFamily="34" charset="-128"/>
+                        <a:ea typeface="Adobe Clean Han Regular" panose="020B0500000000000000" pitchFamily="34" charset="-128"/>
                         <a:cs typeface="Times New Roman"/>
                       </a:endParaRPr>
                     </a:p>
@@ -4085,28 +3517,25 @@
                     <a:bodyPr/>
                     <a:lstStyle/>
                     <a:p>
-                      <a:pPr algn="ctr">
+                      <a:pPr marL="0" algn="ctr">
                         <a:lnSpc>
                           <a:spcPct val="100000"/>
                         </a:lnSpc>
                         <a:spcBef>
-                          <a:spcPts val="465"/>
+                          <a:spcPts val="470"/>
                         </a:spcBef>
                       </a:pPr>
                       <a:r>
-                        <a:rPr sz="900" spc="0" dirty="0">
+                        <a:rPr lang="ja-JP" altLang="en-US" sz="900" spc="0" dirty="0">
                           <a:solidFill>
                             <a:srgbClr val="020302"/>
                           </a:solidFill>
                           <a:latin typeface="Wingdings"/>
+                          <a:ea typeface="+mn-ea"/>
                           <a:cs typeface="Wingdings"/>
                         </a:rPr>
                         <a:t></a:t>
                       </a:r>
-                      <a:endParaRPr sz="900" spc="0" dirty="0">
-                        <a:latin typeface="Wingdings"/>
-                        <a:cs typeface="Wingdings"/>
-                      </a:endParaRPr>
                     </a:p>
                   </a:txBody>
                   <a:tcPr marL="0" marR="0" marT="59055" marB="0">
@@ -4129,7 +3558,7 @@
                     <a:bodyPr/>
                     <a:lstStyle/>
                     <a:p>
-                      <a:pPr marL="50800">
+                      <a:pPr marL="50800" algn="l" rtl="0">
                         <a:lnSpc>
                           <a:spcPct val="100000"/>
                         </a:lnSpc>
@@ -4187,19 +3616,16 @@
                         </a:spcBef>
                       </a:pPr>
                       <a:r>
-                        <a:rPr sz="1100" spc="0" dirty="0">
+                        <a:rPr lang="ja-JP" sz="1000">
                           <a:solidFill>
                             <a:srgbClr val="020302"/>
                           </a:solidFill>
-                          <a:latin typeface="AdobeClean-Light"/>
+                          <a:latin typeface="Adobe Clean Han Light" panose="020B0300000000000000" pitchFamily="34" charset="-128"/>
+                          <a:ea typeface="Adobe Clean Han Light" panose="020B0300000000000000" pitchFamily="34" charset="-128"/>
                           <a:cs typeface="AdobeClean-Light"/>
                         </a:rPr>
-                        <a:t>Technical Account Manager</a:t>
+                        <a:t>テクニカルアカウントマネージャー</a:t>
                       </a:r>
-                      <a:endParaRPr sz="1100" spc="0" dirty="0">
-                        <a:latin typeface="AdobeClean-Light"/>
-                        <a:cs typeface="AdobeClean-Light"/>
-                      </a:endParaRPr>
                     </a:p>
                   </a:txBody>
                   <a:tcPr marL="0" marR="0" marT="63500" marB="0">
@@ -4228,13 +3654,14 @@
                     <a:bodyPr/>
                     <a:lstStyle/>
                     <a:p>
-                      <a:pPr algn="ctr">
+                      <a:pPr algn="l" rtl="0">
                         <a:lnSpc>
                           <a:spcPct val="100000"/>
                         </a:lnSpc>
                       </a:pPr>
                       <a:endParaRPr sz="900" dirty="0">
-                        <a:latin typeface="Times New Roman"/>
+                        <a:latin typeface="Adobe Clean Han Regular" panose="020B0500000000000000" pitchFamily="34" charset="-128"/>
+                        <a:ea typeface="Adobe Clean Han Regular" panose="020B0500000000000000" pitchFamily="34" charset="-128"/>
                         <a:cs typeface="Times New Roman"/>
                       </a:endParaRPr>
                     </a:p>
@@ -4266,13 +3693,14 @@
                     <a:bodyPr/>
                     <a:lstStyle/>
                     <a:p>
-                      <a:pPr>
+                      <a:pPr algn="l" rtl="0">
                         <a:lnSpc>
                           <a:spcPct val="100000"/>
                         </a:lnSpc>
                       </a:pPr>
                       <a:endParaRPr sz="900" spc="0" dirty="0">
-                        <a:latin typeface="Times New Roman"/>
+                        <a:latin typeface="Adobe Clean Han Regular" panose="020B0500000000000000" pitchFamily="34" charset="-128"/>
+                        <a:ea typeface="Adobe Clean Han Regular" panose="020B0500000000000000" pitchFamily="34" charset="-128"/>
                         <a:cs typeface="Times New Roman"/>
                       </a:endParaRPr>
                     </a:p>
@@ -4317,22 +3745,16 @@
                         </a:spcBef>
                       </a:pPr>
                       <a:r>
-                        <a:rPr lang="en-US" sz="1200" b="1" i="0" spc="0" dirty="0">
+                        <a:rPr lang="ja-JP" sz="1200" b="1" i="0" dirty="0">
                           <a:solidFill>
                             <a:schemeClr val="bg1"/>
                           </a:solidFill>
-                          <a:latin typeface="Adobe Clean" panose="020B0503020404020204" pitchFamily="34" charset="0"/>
+                          <a:latin typeface="Adobe Clean Han Regular" panose="020B0500000000000000" pitchFamily="34" charset="-128"/>
+                          <a:ea typeface="Adobe Clean Han Regular" panose="020B0500000000000000" pitchFamily="34" charset="-128"/>
                           <a:cs typeface="AdobeClean-Light"/>
                         </a:rPr>
-                        <a:t>Support Services</a:t>
+                        <a:t>サポートサービス</a:t>
                       </a:r>
-                      <a:endParaRPr sz="1200" b="1" i="0" spc="0" dirty="0">
-                        <a:solidFill>
-                          <a:schemeClr val="bg1"/>
-                        </a:solidFill>
-                        <a:latin typeface="Adobe Clean" panose="020B0503020404020204" pitchFamily="34" charset="0"/>
-                        <a:cs typeface="AdobeClean-Light"/>
-                      </a:endParaRPr>
                     </a:p>
                   </a:txBody>
                   <a:tcPr marL="0" marR="0" marT="57150" marB="0" anchor="ctr">
@@ -4379,19 +3801,16 @@
                         </a:spcBef>
                       </a:pPr>
                       <a:r>
-                        <a:rPr lang="en-US" sz="1100" spc="0" dirty="0">
+                        <a:rPr lang="ja-JP" sz="1000" dirty="0">
                           <a:solidFill>
                             <a:srgbClr val="020302"/>
                           </a:solidFill>
-                          <a:latin typeface="AdobeClean-Light"/>
+                          <a:latin typeface="Adobe Clean Han Light" panose="020B0300000000000000" pitchFamily="34" charset="-128"/>
+                          <a:ea typeface="Adobe Clean Han Light" panose="020B0300000000000000" pitchFamily="34" charset="-128"/>
                           <a:cs typeface="AdobeClean-Light"/>
                         </a:rPr>
-                        <a:t>24x7 Self-Help Support </a:t>
+                        <a:t>24 時間年中無休のセルフサービスサポート </a:t>
                       </a:r>
-                      <a:endParaRPr lang="en-US" sz="1100" spc="0" dirty="0">
-                        <a:latin typeface="AdobeClean-Light"/>
-                        <a:cs typeface="AdobeClean-Light"/>
-                      </a:endParaRPr>
                     </a:p>
                   </a:txBody>
                   <a:tcPr marL="0" marR="0" marT="57150" marB="0">
@@ -4420,28 +3839,25 @@
                     <a:bodyPr/>
                     <a:lstStyle/>
                     <a:p>
-                      <a:pPr algn="ctr">
+                      <a:pPr marL="0" algn="ctr">
                         <a:lnSpc>
                           <a:spcPct val="100000"/>
                         </a:lnSpc>
                         <a:spcBef>
-                          <a:spcPts val="459"/>
+                          <a:spcPts val="470"/>
                         </a:spcBef>
                       </a:pPr>
                       <a:r>
-                        <a:rPr sz="900" dirty="0">
+                        <a:rPr lang="ja-JP" altLang="en-US" sz="900" spc="0" dirty="0">
                           <a:solidFill>
                             <a:srgbClr val="020302"/>
                           </a:solidFill>
                           <a:latin typeface="Wingdings"/>
+                          <a:ea typeface="+mn-ea"/>
                           <a:cs typeface="Wingdings"/>
                         </a:rPr>
                         <a:t></a:t>
                       </a:r>
-                      <a:endParaRPr sz="900" dirty="0">
-                        <a:latin typeface="Wingdings"/>
-                        <a:cs typeface="Wingdings"/>
-                      </a:endParaRPr>
                     </a:p>
                   </a:txBody>
                   <a:tcPr marL="0" marR="0" marT="58419" marB="0">
@@ -4476,7 +3892,7 @@
                           <a:spcPct val="100000"/>
                         </a:lnSpc>
                         <a:spcBef>
-                          <a:spcPts val="459"/>
+                          <a:spcPts val="470"/>
                         </a:spcBef>
                         <a:spcAft>
                           <a:spcPts val="0"/>
@@ -4489,36 +3905,16 @@
                         <a:defRPr/>
                       </a:pPr>
                       <a:r>
-                        <a:rPr kumimoji="0" lang="en-US" sz="900" b="0" i="0" u="none" strike="noStrike" kern="0" cap="none" spc="0" normalizeH="0" baseline="0" noProof="0" dirty="0">
-                          <a:ln>
-                            <a:noFill/>
-                          </a:ln>
+                        <a:rPr lang="ja-JP" altLang="en-US" sz="900" spc="0" noProof="0" dirty="0">
                           <a:solidFill>
                             <a:srgbClr val="020302"/>
                           </a:solidFill>
-                          <a:effectLst/>
-                          <a:uLnTx/>
-                          <a:uFillTx/>
                           <a:latin typeface="Wingdings"/>
                           <a:ea typeface="+mn-ea"/>
                           <a:cs typeface="Wingdings"/>
                         </a:rPr>
                         <a:t></a:t>
                       </a:r>
-                      <a:endParaRPr kumimoji="0" lang="en-US" sz="900" b="0" i="0" u="none" strike="noStrike" kern="0" cap="none" spc="0" normalizeH="0" baseline="0" noProof="0" dirty="0">
-                        <a:ln>
-                          <a:noFill/>
-                        </a:ln>
-                        <a:solidFill>
-                          <a:prstClr val="black"/>
-                        </a:solidFill>
-                        <a:effectLst/>
-                        <a:uLnTx/>
-                        <a:uFillTx/>
-                        <a:latin typeface="Wingdings"/>
-                        <a:ea typeface="+mn-ea"/>
-                        <a:cs typeface="Wingdings"/>
-                      </a:endParaRPr>
                     </a:p>
                   </a:txBody>
                   <a:tcPr marL="0" marR="0" marT="58419" marB="0">
@@ -4552,7 +3948,7 @@
                     <a:bodyPr/>
                     <a:lstStyle/>
                     <a:p>
-                      <a:pPr marL="50800">
+                      <a:pPr marL="50800" algn="l" rtl="0">
                         <a:lnSpc>
                           <a:spcPct val="100000"/>
                         </a:lnSpc>
@@ -4601,19 +3997,16 @@
                         </a:spcBef>
                       </a:pPr>
                       <a:r>
-                        <a:rPr lang="en-US" sz="1100" b="0" i="0" spc="0" dirty="0">
+                        <a:rPr lang="ja-JP" sz="1000" b="0" i="0" dirty="0">
                           <a:solidFill>
                             <a:srgbClr val="020302"/>
                           </a:solidFill>
-                          <a:latin typeface="Adobe Clean Light" panose="020B0303020404020204" pitchFamily="34" charset="0"/>
+                          <a:latin typeface="Adobe Clean Han Light" panose="020B0300000000000000" pitchFamily="34" charset="-128"/>
+                          <a:ea typeface="Adobe Clean Han Light" panose="020B0300000000000000" pitchFamily="34" charset="-128"/>
                           <a:cs typeface="AdobeClean-Light"/>
                         </a:rPr>
-                        <a:t>24x7 Support via Chat / Phone</a:t>
+                        <a:t>24 時間年中無休のチャット／電話によるサポート</a:t>
                       </a:r>
-                      <a:endParaRPr sz="1100" b="0" i="0" spc="0" dirty="0">
-                        <a:latin typeface="Adobe Clean Light" panose="020B0303020404020204" pitchFamily="34" charset="0"/>
-                        <a:cs typeface="AdobeClean-Light"/>
-                      </a:endParaRPr>
                     </a:p>
                   </a:txBody>
                   <a:tcPr marL="0" marR="0" marT="57785" marB="0">
@@ -4636,28 +4029,25 @@
                     <a:bodyPr/>
                     <a:lstStyle/>
                     <a:p>
-                      <a:pPr algn="ctr">
+                      <a:pPr marL="0" algn="ctr">
                         <a:lnSpc>
                           <a:spcPct val="100000"/>
                         </a:lnSpc>
                         <a:spcBef>
-                          <a:spcPts val="459"/>
+                          <a:spcPts val="470"/>
                         </a:spcBef>
                       </a:pPr>
                       <a:r>
-                        <a:rPr sz="900" dirty="0">
+                        <a:rPr lang="ja-JP" altLang="en-US" sz="900" spc="0" dirty="0">
                           <a:solidFill>
                             <a:srgbClr val="020302"/>
                           </a:solidFill>
                           <a:latin typeface="Wingdings"/>
+                          <a:ea typeface="+mn-ea"/>
                           <a:cs typeface="Wingdings"/>
                         </a:rPr>
                         <a:t></a:t>
                       </a:r>
-                      <a:endParaRPr sz="900" dirty="0">
-                        <a:latin typeface="Wingdings"/>
-                        <a:cs typeface="Wingdings"/>
-                      </a:endParaRPr>
                     </a:p>
                   </a:txBody>
                   <a:tcPr marL="0" marR="0" marT="58419" marB="0">
@@ -4678,28 +4068,25 @@
                     <a:bodyPr/>
                     <a:lstStyle/>
                     <a:p>
-                      <a:pPr algn="ctr">
+                      <a:pPr marL="0" algn="ctr">
                         <a:lnSpc>
                           <a:spcPct val="100000"/>
                         </a:lnSpc>
                         <a:spcBef>
-                          <a:spcPts val="459"/>
+                          <a:spcPts val="470"/>
                         </a:spcBef>
                       </a:pPr>
                       <a:r>
-                        <a:rPr sz="900" spc="0" dirty="0">
+                        <a:rPr lang="ja-JP" altLang="en-US" sz="900" spc="0" dirty="0">
                           <a:solidFill>
                             <a:srgbClr val="020302"/>
                           </a:solidFill>
                           <a:latin typeface="Wingdings"/>
+                          <a:ea typeface="+mn-ea"/>
                           <a:cs typeface="Wingdings"/>
                         </a:rPr>
                         <a:t></a:t>
                       </a:r>
-                      <a:endParaRPr sz="900" spc="0" dirty="0">
-                        <a:latin typeface="Wingdings"/>
-                        <a:cs typeface="Wingdings"/>
-                      </a:endParaRPr>
                     </a:p>
                   </a:txBody>
                   <a:tcPr marL="0" marR="0" marT="58419" marB="0">
@@ -4722,7 +4109,7 @@
                     <a:bodyPr/>
                     <a:lstStyle/>
                     <a:p>
-                      <a:pPr marL="50800">
+                      <a:pPr marL="50800" algn="l" rtl="0">
                         <a:lnSpc>
                           <a:spcPct val="100000"/>
                         </a:lnSpc>
@@ -4780,16 +4167,13 @@
                         </a:spcBef>
                       </a:pPr>
                       <a:r>
-                        <a:rPr lang="en-US" sz="1100" spc="0" dirty="0">
-                          <a:latin typeface="AdobeClean-Light"/>
+                        <a:rPr lang="ja-JP" sz="1000" dirty="0">
+                          <a:latin typeface="Adobe Clean Han Light" panose="020B0300000000000000" pitchFamily="34" charset="-128"/>
+                          <a:ea typeface="Adobe Clean Han Light" panose="020B0300000000000000" pitchFamily="34" charset="-128"/>
                           <a:cs typeface="AdobeClean-Light"/>
                         </a:rPr>
-                        <a:t>Web Case Submissions </a:t>
+                        <a:t>Web ケース申請 </a:t>
                       </a:r>
-                      <a:endParaRPr sz="1100" spc="0" dirty="0">
-                        <a:latin typeface="AdobeClean-Light"/>
-                        <a:cs typeface="AdobeClean-Light"/>
-                      </a:endParaRPr>
                     </a:p>
                   </a:txBody>
                   <a:tcPr marL="0" marR="0" marT="57785" marB="0">
@@ -4818,28 +4202,25 @@
                     <a:bodyPr/>
                     <a:lstStyle/>
                     <a:p>
-                      <a:pPr algn="ctr">
+                      <a:pPr marL="0" algn="ctr">
                         <a:lnSpc>
                           <a:spcPct val="100000"/>
                         </a:lnSpc>
                         <a:spcBef>
-                          <a:spcPts val="459"/>
+                          <a:spcPts val="470"/>
                         </a:spcBef>
                       </a:pPr>
                       <a:r>
-                        <a:rPr sz="900" dirty="0">
+                        <a:rPr lang="ja-JP" altLang="en-US" sz="900" spc="0" dirty="0">
                           <a:solidFill>
                             <a:srgbClr val="020302"/>
                           </a:solidFill>
                           <a:latin typeface="Wingdings"/>
+                          <a:ea typeface="+mn-ea"/>
                           <a:cs typeface="Wingdings"/>
                         </a:rPr>
                         <a:t></a:t>
                       </a:r>
-                      <a:endParaRPr sz="900" dirty="0">
-                        <a:latin typeface="Wingdings"/>
-                        <a:cs typeface="Wingdings"/>
-                      </a:endParaRPr>
                     </a:p>
                   </a:txBody>
                   <a:tcPr marL="0" marR="0" marT="58419" marB="0">
@@ -4860,28 +4241,25 @@
                     <a:bodyPr/>
                     <a:lstStyle/>
                     <a:p>
-                      <a:pPr algn="ctr">
+                      <a:pPr marL="0" algn="ctr">
                         <a:lnSpc>
                           <a:spcPct val="100000"/>
                         </a:lnSpc>
                         <a:spcBef>
-                          <a:spcPts val="459"/>
+                          <a:spcPts val="470"/>
                         </a:spcBef>
                       </a:pPr>
                       <a:r>
-                        <a:rPr sz="900" spc="0" dirty="0">
+                        <a:rPr lang="ja-JP" altLang="en-US" sz="900" spc="0" dirty="0">
                           <a:solidFill>
                             <a:srgbClr val="020302"/>
                           </a:solidFill>
                           <a:latin typeface="Wingdings"/>
+                          <a:ea typeface="+mn-ea"/>
                           <a:cs typeface="Wingdings"/>
                         </a:rPr>
                         <a:t></a:t>
                       </a:r>
-                      <a:endParaRPr sz="900" spc="0" dirty="0">
-                        <a:latin typeface="Wingdings"/>
-                        <a:cs typeface="Wingdings"/>
-                      </a:endParaRPr>
                     </a:p>
                   </a:txBody>
                   <a:tcPr marL="0" marR="0" marT="58419" marB="0">
@@ -4904,7 +4282,7 @@
                     <a:bodyPr/>
                     <a:lstStyle/>
                     <a:p>
-                      <a:pPr marL="50800">
+                      <a:pPr marL="50800" algn="l" rtl="0">
                         <a:lnSpc>
                           <a:spcPct val="100000"/>
                         </a:lnSpc>
@@ -4953,19 +4331,16 @@
                         </a:spcBef>
                       </a:pPr>
                       <a:r>
-                        <a:rPr lang="en-US" sz="1100" spc="0" dirty="0">
+                        <a:rPr lang="ja-JP" sz="1000" dirty="0">
                           <a:solidFill>
                             <a:srgbClr val="020302"/>
                           </a:solidFill>
-                          <a:latin typeface="AdobeClean-Light"/>
+                          <a:latin typeface="Adobe Clean Han Light" panose="020B0300000000000000" pitchFamily="34" charset="-128"/>
+                          <a:ea typeface="Adobe Clean Han Light" panose="020B0300000000000000" pitchFamily="34" charset="-128"/>
                           <a:cs typeface="AdobeClean-Light"/>
                         </a:rPr>
-                        <a:t>Priority Case Routing</a:t>
+                        <a:t>優先的なケースルーティング</a:t>
                       </a:r>
-                      <a:endParaRPr sz="1100" spc="0" dirty="0">
-                        <a:latin typeface="AdobeClean-Light"/>
-                        <a:cs typeface="AdobeClean-Light"/>
-                      </a:endParaRPr>
                     </a:p>
                   </a:txBody>
                   <a:tcPr marL="0" marR="0" marT="58419" marB="0">
@@ -4988,7 +4363,7 @@
                     <a:bodyPr/>
                     <a:lstStyle/>
                     <a:p>
-                      <a:pPr algn="ctr">
+                      <a:pPr algn="l" rtl="0">
                         <a:lnSpc>
                           <a:spcPct val="100000"/>
                         </a:lnSpc>
@@ -4997,7 +4372,8 @@
                         </a:spcBef>
                       </a:pPr>
                       <a:endParaRPr sz="900" dirty="0">
-                        <a:latin typeface="Wingdings"/>
+                        <a:latin typeface="Adobe Clean Han Regular" panose="020B0500000000000000" pitchFamily="34" charset="-128"/>
+                        <a:ea typeface="Adobe Clean Han Regular" panose="020B0500000000000000" pitchFamily="34" charset="-128"/>
                         <a:cs typeface="Wingdings"/>
                       </a:endParaRPr>
                     </a:p>
@@ -5020,7 +4396,7 @@
                     <a:bodyPr/>
                     <a:lstStyle/>
                     <a:p>
-                      <a:pPr algn="ctr">
+                      <a:pPr marL="0" algn="ctr">
                         <a:lnSpc>
                           <a:spcPct val="100000"/>
                         </a:lnSpc>
@@ -5029,19 +4405,16 @@
                         </a:spcBef>
                       </a:pPr>
                       <a:r>
-                        <a:rPr sz="900" spc="0" dirty="0">
+                        <a:rPr lang="ja-JP" altLang="en-US" sz="900" spc="0" dirty="0">
                           <a:solidFill>
                             <a:srgbClr val="020302"/>
                           </a:solidFill>
                           <a:latin typeface="Wingdings"/>
+                          <a:ea typeface="+mn-ea"/>
                           <a:cs typeface="Wingdings"/>
                         </a:rPr>
                         <a:t></a:t>
                       </a:r>
-                      <a:endParaRPr sz="900" spc="0" dirty="0">
-                        <a:latin typeface="Wingdings"/>
-                        <a:cs typeface="Wingdings"/>
-                      </a:endParaRPr>
                     </a:p>
                   </a:txBody>
                   <a:tcPr marL="0" marR="0" marT="59690" marB="0">
@@ -5064,7 +4437,7 @@
                     <a:bodyPr/>
                     <a:lstStyle/>
                     <a:p>
-                      <a:pPr marL="50800">
+                      <a:pPr marL="50800" algn="l" rtl="0">
                         <a:lnSpc>
                           <a:spcPct val="100000"/>
                         </a:lnSpc>
@@ -5122,11 +4495,12 @@
                         <a:defRPr/>
                       </a:pPr>
                       <a:r>
-                        <a:rPr lang="en-US" sz="1100" spc="0" dirty="0">
-                          <a:latin typeface="AdobeClean-Light"/>
+                        <a:rPr lang="ja-JP" sz="1000" dirty="0">
+                          <a:latin typeface="Adobe Clean Han Light" panose="020B0300000000000000" pitchFamily="34" charset="-128"/>
+                          <a:ea typeface="Adobe Clean Han Light" panose="020B0300000000000000" pitchFamily="34" charset="-128"/>
                           <a:cs typeface="AdobeClean-Light"/>
                         </a:rPr>
-                        <a:t>Accelerated Issue Prioritization</a:t>
+                        <a:t>迅速な問題の優先度設定</a:t>
                       </a:r>
                     </a:p>
                   </a:txBody>
@@ -5150,7 +4524,7 @@
                     <a:bodyPr/>
                     <a:lstStyle/>
                     <a:p>
-                      <a:pPr algn="ctr">
+                      <a:pPr algn="l" rtl="0">
                         <a:lnSpc>
                           <a:spcPct val="100000"/>
                         </a:lnSpc>
@@ -5159,7 +4533,8 @@
                         </a:spcBef>
                       </a:pPr>
                       <a:endParaRPr sz="900" dirty="0">
-                        <a:latin typeface="Wingdings"/>
+                        <a:latin typeface="Adobe Clean Han Regular" panose="020B0500000000000000" pitchFamily="34" charset="-128"/>
+                        <a:ea typeface="Adobe Clean Han Regular" panose="020B0500000000000000" pitchFamily="34" charset="-128"/>
                         <a:cs typeface="Wingdings"/>
                       </a:endParaRPr>
                     </a:p>
@@ -5187,7 +4562,7 @@
                           <a:spcPct val="100000"/>
                         </a:lnSpc>
                         <a:spcBef>
-                          <a:spcPts val="455"/>
+                          <a:spcPts val="470"/>
                         </a:spcBef>
                         <a:spcAft>
                           <a:spcPts val="0"/>
@@ -5200,19 +4575,16 @@
                         <a:defRPr/>
                       </a:pPr>
                       <a:r>
-                        <a:rPr lang="en-US" sz="900" spc="0" dirty="0">
+                        <a:rPr lang="ja-JP" altLang="en-US" sz="900" spc="0" dirty="0">
                           <a:solidFill>
                             <a:srgbClr val="020302"/>
                           </a:solidFill>
                           <a:latin typeface="Wingdings"/>
+                          <a:ea typeface="+mn-ea"/>
                           <a:cs typeface="Wingdings"/>
                         </a:rPr>
                         <a:t></a:t>
                       </a:r>
-                      <a:endParaRPr lang="en-US" sz="900" spc="0" dirty="0">
-                        <a:latin typeface="Wingdings"/>
-                        <a:cs typeface="Wingdings"/>
-                      </a:endParaRPr>
                     </a:p>
                   </a:txBody>
                   <a:tcPr marL="0" marR="0" marT="57785" marB="0">
@@ -5273,16 +4645,13 @@
                         </a:spcBef>
                       </a:pPr>
                       <a:r>
-                        <a:rPr lang="en-US" sz="1100" spc="0" dirty="0">
-                          <a:latin typeface="AdobeClean-Light"/>
+                        <a:rPr lang="ja-JP" sz="1000" dirty="0">
+                          <a:latin typeface="Adobe Clean Han Light" panose="020B0300000000000000" pitchFamily="34" charset="-128"/>
+                          <a:ea typeface="Adobe Clean Han Light" panose="020B0300000000000000" pitchFamily="34" charset="-128"/>
                           <a:cs typeface="AdobeClean-Light"/>
                         </a:rPr>
-                        <a:t>Escalation Management</a:t>
+                        <a:t>エスカレーション管理</a:t>
                       </a:r>
-                      <a:endParaRPr sz="1100" spc="0" dirty="0">
-                        <a:latin typeface="AdobeClean-Light"/>
-                        <a:cs typeface="AdobeClean-Light"/>
-                      </a:endParaRPr>
                     </a:p>
                   </a:txBody>
                   <a:tcPr marL="0" marR="0" marT="57150" marB="0">
@@ -5305,13 +4674,14 @@
                     <a:bodyPr/>
                     <a:lstStyle/>
                     <a:p>
-                      <a:pPr>
+                      <a:pPr algn="l" rtl="0">
                         <a:lnSpc>
                           <a:spcPct val="100000"/>
                         </a:lnSpc>
                       </a:pPr>
                       <a:endParaRPr sz="900" dirty="0">
-                        <a:latin typeface="Times New Roman"/>
+                        <a:latin typeface="Adobe Clean Han Regular" panose="020B0500000000000000" pitchFamily="34" charset="-128"/>
+                        <a:ea typeface="Adobe Clean Han Regular" panose="020B0500000000000000" pitchFamily="34" charset="-128"/>
                         <a:cs typeface="Times New Roman"/>
                       </a:endParaRPr>
                     </a:p>
@@ -5334,7 +4704,7 @@
                     <a:bodyPr/>
                     <a:lstStyle/>
                     <a:p>
-                      <a:pPr algn="ctr">
+                      <a:pPr marL="0" algn="ctr">
                         <a:lnSpc>
                           <a:spcPct val="100000"/>
                         </a:lnSpc>
@@ -5343,19 +4713,16 @@
                         </a:spcBef>
                       </a:pPr>
                       <a:r>
-                        <a:rPr sz="900" spc="0" dirty="0">
+                        <a:rPr lang="ja-JP" altLang="en-US" sz="900" spc="0" dirty="0">
                           <a:solidFill>
                             <a:srgbClr val="020302"/>
                           </a:solidFill>
                           <a:latin typeface="Wingdings"/>
+                          <a:ea typeface="+mn-ea"/>
                           <a:cs typeface="Wingdings"/>
                         </a:rPr>
                         <a:t></a:t>
                       </a:r>
-                      <a:endParaRPr sz="900" spc="0" dirty="0">
-                        <a:latin typeface="Wingdings"/>
-                        <a:cs typeface="Wingdings"/>
-                      </a:endParaRPr>
                     </a:p>
                   </a:txBody>
                   <a:tcPr marL="0" marR="0" marT="59690" marB="0">
@@ -5397,16 +4764,13 @@
                         </a:spcBef>
                       </a:pPr>
                       <a:r>
-                        <a:rPr lang="en-US" sz="1100" spc="0" dirty="0">
-                          <a:latin typeface="AdobeClean-Light"/>
+                        <a:rPr lang="ja-JP" sz="1000">
+                          <a:latin typeface="Adobe Clean Han Light" panose="020B0300000000000000" pitchFamily="34" charset="-128"/>
+                          <a:ea typeface="Adobe Clean Han Light" panose="020B0300000000000000" pitchFamily="34" charset="-128"/>
                           <a:cs typeface="AdobeClean-Light"/>
                         </a:rPr>
-                        <a:t>Proactive Case Monitoring</a:t>
+                        <a:t>プロアクティブなケース監視</a:t>
                       </a:r>
-                      <a:endParaRPr sz="1100" spc="0" dirty="0">
-                        <a:latin typeface="AdobeClean-Light"/>
-                        <a:cs typeface="AdobeClean-Light"/>
-                      </a:endParaRPr>
                     </a:p>
                   </a:txBody>
                   <a:tcPr marL="0" marR="0" marT="57150" marB="0">
@@ -5435,13 +4799,14 @@
                     <a:bodyPr/>
                     <a:lstStyle/>
                     <a:p>
-                      <a:pPr>
+                      <a:pPr algn="l" rtl="0">
                         <a:lnSpc>
                           <a:spcPct val="100000"/>
                         </a:lnSpc>
                       </a:pPr>
                       <a:endParaRPr sz="900" dirty="0">
-                        <a:latin typeface="Times New Roman"/>
+                        <a:latin typeface="Adobe Clean Han Regular" panose="020B0500000000000000" pitchFamily="34" charset="-128"/>
+                        <a:ea typeface="Adobe Clean Han Regular" panose="020B0500000000000000" pitchFamily="34" charset="-128"/>
                         <a:cs typeface="Times New Roman"/>
                       </a:endParaRPr>
                     </a:p>
@@ -5464,7 +4829,7 @@
                     <a:bodyPr/>
                     <a:lstStyle/>
                     <a:p>
-                      <a:pPr algn="ctr">
+                      <a:pPr marL="0" algn="ctr">
                         <a:lnSpc>
                           <a:spcPct val="100000"/>
                         </a:lnSpc>
@@ -5473,19 +4838,16 @@
                         </a:spcBef>
                       </a:pPr>
                       <a:r>
-                        <a:rPr sz="900" spc="0" dirty="0">
+                        <a:rPr lang="ja-JP" altLang="en-US" sz="900" spc="0" dirty="0">
                           <a:solidFill>
                             <a:srgbClr val="020302"/>
                           </a:solidFill>
                           <a:latin typeface="Wingdings"/>
+                          <a:ea typeface="+mn-ea"/>
                           <a:cs typeface="Wingdings"/>
                         </a:rPr>
                         <a:t></a:t>
                       </a:r>
-                      <a:endParaRPr sz="900" spc="0" dirty="0">
-                        <a:latin typeface="Wingdings"/>
-                        <a:cs typeface="Wingdings"/>
-                      </a:endParaRPr>
                     </a:p>
                   </a:txBody>
                   <a:tcPr marL="0" marR="0" marT="59690" marB="0">
@@ -5508,7 +4870,7 @@
                     <a:bodyPr/>
                     <a:lstStyle/>
                     <a:p>
-                      <a:pPr marL="48895">
+                      <a:pPr marL="48895" algn="l" rtl="0">
                         <a:lnSpc>
                           <a:spcPct val="100000"/>
                         </a:lnSpc>
@@ -5539,15 +4901,15 @@
                         <a:buNone/>
                       </a:pPr>
                       <a:r>
-                        <a:rPr lang="en-US" sz="1100" b="0" i="0" u="none" strike="noStrike" spc="0" noProof="0" dirty="0">
+                        <a:rPr lang="ja-JP" sz="1000" b="0" i="0" u="none" strike="noStrike" noProof="0" dirty="0">
                           <a:solidFill>
                             <a:srgbClr val="020302"/>
                           </a:solidFill>
-                          <a:latin typeface="Adobe Clean Light"/>
+                          <a:latin typeface="Adobe Clean Han Light" panose="020B0300000000000000" pitchFamily="34" charset="-128"/>
+                          <a:ea typeface="Adobe Clean Han Light" panose="020B0300000000000000" pitchFamily="34" charset="-128"/>
                         </a:rPr>
-                        <a:t>In-Region Support Option</a:t>
+                        <a:t>地域内サポートオプション</a:t>
                       </a:r>
-                      <a:endParaRPr dirty="0"/>
                     </a:p>
                   </a:txBody>
                   <a:tcPr marL="0" marR="0" marT="58419" marB="0">
@@ -5576,13 +4938,14 @@
                     <a:bodyPr/>
                     <a:lstStyle/>
                     <a:p>
-                      <a:pPr>
+                      <a:pPr algn="l" rtl="0">
                         <a:lnSpc>
                           <a:spcPct val="100000"/>
                         </a:lnSpc>
                       </a:pPr>
                       <a:endParaRPr sz="900" dirty="0">
-                        <a:latin typeface="Times New Roman"/>
+                        <a:latin typeface="Adobe Clean Han Regular" panose="020B0500000000000000" pitchFamily="34" charset="-128"/>
+                        <a:ea typeface="Adobe Clean Han Regular" panose="020B0500000000000000" pitchFamily="34" charset="-128"/>
                         <a:cs typeface="Times New Roman"/>
                       </a:endParaRPr>
                     </a:p>
@@ -5610,7 +4973,7 @@
                           <a:spcPct val="100000"/>
                         </a:lnSpc>
                         <a:spcBef>
-                          <a:spcPts val="450"/>
+                          <a:spcPts val="470"/>
                         </a:spcBef>
                         <a:spcAft>
                           <a:spcPts val="0"/>
@@ -5623,19 +4986,16 @@
                         <a:defRPr/>
                       </a:pPr>
                       <a:r>
-                        <a:rPr lang="en-US" sz="900" spc="0" dirty="0">
+                        <a:rPr lang="ja-JP" altLang="en-US" sz="900" spc="0" dirty="0">
                           <a:solidFill>
                             <a:srgbClr val="020302"/>
                           </a:solidFill>
                           <a:latin typeface="Wingdings"/>
+                          <a:ea typeface="+mn-ea"/>
                           <a:cs typeface="Wingdings"/>
                         </a:rPr>
                         <a:t></a:t>
                       </a:r>
-                      <a:endParaRPr lang="en-US" sz="900" spc="0" dirty="0">
-                        <a:latin typeface="Wingdings"/>
-                        <a:cs typeface="Wingdings"/>
-                      </a:endParaRPr>
                     </a:p>
                   </a:txBody>
                   <a:tcPr marL="0" marR="0" marT="57150" marB="0">
@@ -5658,7 +5018,7 @@
                     <a:bodyPr/>
                     <a:lstStyle/>
                     <a:p>
-                      <a:pPr marL="48895">
+                      <a:pPr marL="48895" algn="l" rtl="0">
                         <a:lnSpc>
                           <a:spcPct val="100000"/>
                         </a:lnSpc>
@@ -5716,19 +5076,16 @@
                         </a:spcBef>
                       </a:pPr>
                       <a:r>
-                        <a:rPr lang="en-US" sz="1100" spc="0" dirty="0">
+                        <a:rPr lang="ja-JP" sz="1000" dirty="0">
                           <a:solidFill>
                             <a:srgbClr val="020302"/>
                           </a:solidFill>
-                          <a:latin typeface="AdobeClean-Light"/>
+                          <a:latin typeface="Adobe Clean Han Light" panose="020B0300000000000000" pitchFamily="34" charset="-128"/>
+                          <a:ea typeface="Adobe Clean Han Light" panose="020B0300000000000000" pitchFamily="34" charset="-128"/>
                           <a:cs typeface="AdobeClean-Light"/>
                         </a:rPr>
-                        <a:t>Service Reviews</a:t>
+                        <a:t>サービスレビュー</a:t>
                       </a:r>
-                      <a:endParaRPr sz="1100" spc="0" dirty="0">
-                        <a:latin typeface="AdobeClean-Light"/>
-                        <a:cs typeface="AdobeClean-Light"/>
-                      </a:endParaRPr>
                     </a:p>
                   </a:txBody>
                   <a:tcPr marL="0" marR="0" marT="59055" marB="0">
@@ -5757,13 +5114,14 @@
                     <a:bodyPr/>
                     <a:lstStyle/>
                     <a:p>
-                      <a:pPr>
+                      <a:pPr algn="l" rtl="0">
                         <a:lnSpc>
                           <a:spcPct val="100000"/>
                         </a:lnSpc>
                       </a:pPr>
                       <a:endParaRPr sz="900" dirty="0">
-                        <a:latin typeface="Times New Roman"/>
+                        <a:latin typeface="Adobe Clean Han Regular" panose="020B0500000000000000" pitchFamily="34" charset="-128"/>
+                        <a:ea typeface="Adobe Clean Han Regular" panose="020B0500000000000000" pitchFamily="34" charset="-128"/>
                         <a:cs typeface="Times New Roman"/>
                       </a:endParaRPr>
                     </a:p>
@@ -5795,29 +5153,16 @@
                         </a:spcBef>
                       </a:pPr>
                       <a:r>
-                        <a:rPr sz="900" spc="0" dirty="0">
+                        <a:rPr lang="ja-JP" sz="900" dirty="0">
                           <a:solidFill>
                             <a:srgbClr val="020302"/>
                           </a:solidFill>
-                          <a:latin typeface="AdobeClean-Light"/>
+                          <a:latin typeface="Adobe Clean Han Light" panose="020B0300000000000000" pitchFamily="34" charset="-128"/>
+                          <a:ea typeface="Adobe Clean Han Light" panose="020B0300000000000000" pitchFamily="34" charset="-128"/>
                           <a:cs typeface="AdobeClean-Light"/>
                         </a:rPr>
-                        <a:t>2</a:t>
+                        <a:t>2/年</a:t>
                       </a:r>
-                      <a:r>
-                        <a:rPr lang="en-US" sz="900" spc="0" dirty="0">
-                          <a:solidFill>
-                            <a:srgbClr val="020302"/>
-                          </a:solidFill>
-                          <a:latin typeface="AdobeClean-Light"/>
-                          <a:cs typeface="AdobeClean-Light"/>
-                        </a:rPr>
-                        <a:t>/year</a:t>
-                      </a:r>
-                      <a:endParaRPr sz="900" spc="0" dirty="0">
-                        <a:latin typeface="AdobeClean-Light"/>
-                        <a:cs typeface="AdobeClean-Light"/>
-                      </a:endParaRPr>
                     </a:p>
                   </a:txBody>
                   <a:tcPr marL="0" marR="0" marT="57150" marB="0">
@@ -5840,7 +5185,7 @@
                     <a:bodyPr/>
                     <a:lstStyle/>
                     <a:p>
-                      <a:pPr marL="49530">
+                      <a:pPr marL="49530" algn="l" rtl="0">
                         <a:lnSpc>
                           <a:spcPct val="100000"/>
                         </a:lnSpc>
@@ -5889,16 +5234,13 @@
                         </a:spcBef>
                       </a:pPr>
                       <a:r>
-                        <a:rPr lang="en-US" sz="1100" spc="0" dirty="0">
-                          <a:latin typeface="AdobeClean-Light"/>
+                        <a:rPr lang="ja-JP" sz="1000">
+                          <a:latin typeface="Adobe Clean Han Light" panose="020B0300000000000000" pitchFamily="34" charset="-128"/>
+                          <a:ea typeface="Adobe Clean Han Light" panose="020B0300000000000000" pitchFamily="34" charset="-128"/>
                           <a:cs typeface="AdobeClean-Light"/>
                         </a:rPr>
-                        <a:t>Case Reviews</a:t>
+                        <a:t>ケースレビュー</a:t>
                       </a:r>
-                      <a:endParaRPr sz="1100" spc="0" dirty="0">
-                        <a:latin typeface="AdobeClean-Light"/>
-                        <a:cs typeface="AdobeClean-Light"/>
-                      </a:endParaRPr>
                     </a:p>
                   </a:txBody>
                   <a:tcPr marL="0" marR="0" marT="63500" marB="0">
@@ -5921,13 +5263,14 @@
                     <a:bodyPr/>
                     <a:lstStyle/>
                     <a:p>
-                      <a:pPr>
+                      <a:pPr algn="l" rtl="0">
                         <a:lnSpc>
                           <a:spcPct val="100000"/>
                         </a:lnSpc>
                       </a:pPr>
                       <a:endParaRPr sz="900" dirty="0">
-                        <a:latin typeface="Times New Roman"/>
+                        <a:latin typeface="Adobe Clean Han Regular" panose="020B0500000000000000" pitchFamily="34" charset="-128"/>
+                        <a:ea typeface="Adobe Clean Han Regular" panose="020B0500000000000000" pitchFamily="34" charset="-128"/>
                         <a:cs typeface="Times New Roman"/>
                       </a:endParaRPr>
                     </a:p>
@@ -5959,16 +5302,13 @@
                         </a:spcBef>
                       </a:pPr>
                       <a:r>
-                        <a:rPr lang="en-US" sz="900" spc="0" dirty="0">
-                          <a:latin typeface="AdobeClean-Light"/>
+                        <a:rPr lang="ja-JP" sz="900" dirty="0">
+                          <a:latin typeface="Adobe Clean Han Light" panose="020B0300000000000000" pitchFamily="34" charset="-128"/>
+                          <a:ea typeface="Adobe Clean Han Light" panose="020B0300000000000000" pitchFamily="34" charset="-128"/>
                           <a:cs typeface="AdobeClean-Light"/>
                         </a:rPr>
-                        <a:t>1/month</a:t>
+                        <a:t>1/月</a:t>
                       </a:r>
-                      <a:endParaRPr sz="900" spc="0" dirty="0">
-                        <a:latin typeface="AdobeClean-Light"/>
-                        <a:cs typeface="AdobeClean-Light"/>
-                      </a:endParaRPr>
                     </a:p>
                   </a:txBody>
                   <a:tcPr marL="0" marR="0" marT="57150" marB="0">
@@ -6038,11 +5378,12 @@
                         <a:defRPr/>
                       </a:pPr>
                       <a:r>
-                        <a:rPr lang="en-US" sz="1100" spc="0" dirty="0">
-                          <a:latin typeface="AdobeClean-Light"/>
+                        <a:rPr lang="ja-JP" sz="1000" dirty="0">
+                          <a:latin typeface="Adobe Clean Han Light" panose="020B0300000000000000" pitchFamily="34" charset="-128"/>
+                          <a:ea typeface="Adobe Clean Han Light" panose="020B0300000000000000" pitchFamily="34" charset="-128"/>
                           <a:cs typeface="AdobeClean-Light"/>
                         </a:rPr>
-                        <a:t>Solution Review</a:t>
+                        <a:t>ソリューションレビュー</a:t>
                       </a:r>
                     </a:p>
                   </a:txBody>
@@ -6066,13 +5407,14 @@
                     <a:bodyPr/>
                     <a:lstStyle/>
                     <a:p>
-                      <a:pPr>
+                      <a:pPr algn="l" rtl="0">
                         <a:lnSpc>
                           <a:spcPct val="100000"/>
                         </a:lnSpc>
                       </a:pPr>
                       <a:endParaRPr sz="900" dirty="0">
-                        <a:latin typeface="Times New Roman"/>
+                        <a:latin typeface="Adobe Clean Han Regular" panose="020B0500000000000000" pitchFamily="34" charset="-128"/>
+                        <a:ea typeface="Adobe Clean Han Regular" panose="020B0500000000000000" pitchFamily="34" charset="-128"/>
                         <a:cs typeface="Times New Roman"/>
                       </a:endParaRPr>
                     </a:p>
@@ -6095,7 +5437,7 @@
                     <a:bodyPr/>
                     <a:lstStyle/>
                     <a:p>
-                      <a:pPr algn="ctr">
+                      <a:pPr algn="l" rtl="0">
                         <a:lnSpc>
                           <a:spcPct val="100000"/>
                         </a:lnSpc>
@@ -6104,7 +5446,8 @@
                         </a:spcBef>
                       </a:pPr>
                       <a:endParaRPr sz="900" spc="0" dirty="0">
-                        <a:latin typeface="AdobeClean-Light"/>
+                        <a:latin typeface="Adobe Clean Han Regular" panose="020B0500000000000000" pitchFamily="34" charset="-128"/>
+                        <a:ea typeface="Adobe Clean Han Regular" panose="020B0500000000000000" pitchFamily="34" charset="-128"/>
                         <a:cs typeface="AdobeClean-Light"/>
                       </a:endParaRPr>
                     </a:p>
@@ -6185,11 +5528,12 @@
                         <a:defRPr/>
                       </a:pPr>
                       <a:r>
-                        <a:rPr lang="en-US" sz="1100" spc="0" dirty="0">
-                          <a:latin typeface="AdobeClean-Light"/>
+                        <a:rPr lang="ja-JP" sz="1000">
+                          <a:latin typeface="Adobe Clean Han Light" panose="020B0300000000000000" pitchFamily="34" charset="-128"/>
+                          <a:ea typeface="Adobe Clean Han Light" panose="020B0300000000000000" pitchFamily="34" charset="-128"/>
                           <a:cs typeface="AdobeClean-Light"/>
                         </a:rPr>
-                        <a:t>Roadmap Review </a:t>
+                        <a:t>ロードマップレビュー </a:t>
                       </a:r>
                     </a:p>
                   </a:txBody>
@@ -6223,13 +5567,14 @@
                     <a:bodyPr/>
                     <a:lstStyle/>
                     <a:p>
-                      <a:pPr>
+                      <a:pPr algn="l" rtl="0">
                         <a:lnSpc>
                           <a:spcPct val="100000"/>
                         </a:lnSpc>
                       </a:pPr>
                       <a:endParaRPr sz="900" dirty="0">
-                        <a:latin typeface="Times New Roman"/>
+                        <a:latin typeface="Adobe Clean Han Regular" panose="020B0500000000000000" pitchFamily="34" charset="-128"/>
+                        <a:ea typeface="Adobe Clean Han Regular" panose="020B0500000000000000" pitchFamily="34" charset="-128"/>
                         <a:cs typeface="Times New Roman"/>
                       </a:endParaRPr>
                     </a:p>
@@ -6261,13 +5606,14 @@
                     <a:bodyPr/>
                     <a:lstStyle/>
                     <a:p>
-                      <a:pPr>
+                      <a:pPr algn="l" rtl="0">
                         <a:lnSpc>
                           <a:spcPct val="100000"/>
                         </a:lnSpc>
                       </a:pPr>
                       <a:endParaRPr sz="900" spc="0" dirty="0">
-                        <a:latin typeface="Times New Roman"/>
+                        <a:latin typeface="Adobe Clean Han Regular" panose="020B0500000000000000" pitchFamily="34" charset="-128"/>
+                        <a:ea typeface="Adobe Clean Han Regular" panose="020B0500000000000000" pitchFamily="34" charset="-128"/>
                         <a:cs typeface="Times New Roman"/>
                       </a:endParaRPr>
                     </a:p>
@@ -6363,19 +5709,16 @@
                         <a:defRPr/>
                       </a:pPr>
                       <a:r>
-                        <a:rPr lang="en-US" sz="1100" spc="0" dirty="0">
+                        <a:rPr lang="ja-JP" sz="1000" dirty="0">
                           <a:solidFill>
                             <a:srgbClr val="020302"/>
                           </a:solidFill>
-                          <a:latin typeface="AdobeClean-Light"/>
+                          <a:latin typeface="Adobe Clean Han Light" panose="020B0300000000000000" pitchFamily="34" charset="-128"/>
+                          <a:ea typeface="Adobe Clean Han Light" panose="020B0300000000000000" pitchFamily="34" charset="-128"/>
                           <a:cs typeface="AdobeClean-Light"/>
                         </a:rPr>
-                        <a:t>Additional Named Support Contacts</a:t>
+                        <a:t>追加のサポート対象ユーザー</a:t>
                       </a:r>
-                      <a:endParaRPr lang="en-US" sz="1100" spc="0" dirty="0">
-                        <a:latin typeface="AdobeClean-Light"/>
-                        <a:cs typeface="AdobeClean-Light"/>
-                      </a:endParaRPr>
                     </a:p>
                   </a:txBody>
                   <a:tcPr marL="0" marR="0" marT="63500" marB="0">
@@ -6415,13 +5758,14 @@
                     <a:bodyPr/>
                     <a:lstStyle/>
                     <a:p>
-                      <a:pPr>
+                      <a:pPr algn="l" rtl="0">
                         <a:lnSpc>
                           <a:spcPct val="100000"/>
                         </a:lnSpc>
                       </a:pPr>
                       <a:endParaRPr sz="900" dirty="0">
-                        <a:latin typeface="Times New Roman"/>
+                        <a:latin typeface="Adobe Clean Han Regular" panose="020B0500000000000000" pitchFamily="34" charset="-128"/>
+                        <a:ea typeface="Adobe Clean Han Regular" panose="020B0500000000000000" pitchFamily="34" charset="-128"/>
                         <a:cs typeface="Times New Roman"/>
                       </a:endParaRPr>
                     </a:p>
@@ -6462,7 +5806,7 @@
                     <a:bodyPr/>
                     <a:lstStyle/>
                     <a:p>
-                      <a:pPr algn="ctr">
+                      <a:pPr algn="l" rtl="0">
                         <a:lnSpc>
                           <a:spcPct val="100000"/>
                         </a:lnSpc>
@@ -6471,7 +5815,8 @@
                         </a:spcBef>
                       </a:pPr>
                       <a:endParaRPr sz="900" spc="0" dirty="0">
-                        <a:latin typeface="Wingdings"/>
+                        <a:latin typeface="Adobe Clean Han Regular" panose="020B0500000000000000" pitchFamily="34" charset="-128"/>
+                        <a:ea typeface="Adobe Clean Han Regular" panose="020B0500000000000000" pitchFamily="34" charset="-128"/>
                         <a:cs typeface="Wingdings"/>
                       </a:endParaRPr>
                     </a:p>
@@ -6570,16 +5915,13 @@
                         </a:spcBef>
                       </a:pPr>
                       <a:r>
-                        <a:rPr lang="en-US" sz="1100" spc="0" dirty="0">
-                          <a:latin typeface="AdobeClean-Light"/>
+                        <a:rPr lang="ja-JP" sz="1000" dirty="0">
+                          <a:latin typeface="Adobe Clean Han Light" panose="020B0300000000000000" pitchFamily="34" charset="-128"/>
+                          <a:ea typeface="Adobe Clean Han Light" panose="020B0300000000000000" pitchFamily="34" charset="-128"/>
                           <a:cs typeface="AdobeClean-Light"/>
                         </a:rPr>
-                        <a:t>Upgrade/Migration Planning</a:t>
+                        <a:t>アップグレード／移行計画</a:t>
                       </a:r>
-                      <a:endParaRPr sz="1100" spc="0" dirty="0">
-                        <a:latin typeface="AdobeClean-Light"/>
-                        <a:cs typeface="AdobeClean-Light"/>
-                      </a:endParaRPr>
                     </a:p>
                   </a:txBody>
                   <a:tcPr marL="0" marR="0" marT="63500" marB="0">
@@ -6622,13 +5964,14 @@
                     <a:bodyPr/>
                     <a:lstStyle/>
                     <a:p>
-                      <a:pPr>
+                      <a:pPr algn="l" rtl="0">
                         <a:lnSpc>
                           <a:spcPct val="100000"/>
                         </a:lnSpc>
                       </a:pPr>
                       <a:endParaRPr sz="900" dirty="0">
-                        <a:latin typeface="Times New Roman"/>
+                        <a:latin typeface="Adobe Clean Han Regular" panose="020B0500000000000000" pitchFamily="34" charset="-128"/>
+                        <a:ea typeface="Adobe Clean Han Regular" panose="020B0500000000000000" pitchFamily="34" charset="-128"/>
                         <a:cs typeface="Times New Roman"/>
                       </a:endParaRPr>
                     </a:p>
@@ -6669,7 +6012,7 @@
                     <a:bodyPr/>
                     <a:lstStyle/>
                     <a:p>
-                      <a:pPr algn="ctr">
+                      <a:pPr algn="l" rtl="0">
                         <a:lnSpc>
                           <a:spcPct val="100000"/>
                         </a:lnSpc>
@@ -6678,7 +6021,8 @@
                         </a:spcBef>
                       </a:pPr>
                       <a:endParaRPr sz="900" spc="0" dirty="0">
-                        <a:latin typeface="Wingdings"/>
+                        <a:latin typeface="Adobe Clean Han Regular" panose="020B0500000000000000" pitchFamily="34" charset="-128"/>
+                        <a:ea typeface="Adobe Clean Han Regular" panose="020B0500000000000000" pitchFamily="34" charset="-128"/>
                         <a:cs typeface="Wingdings"/>
                       </a:endParaRPr>
                     </a:p>
@@ -6749,11 +6093,12 @@
                         <a:defRPr/>
                       </a:pPr>
                       <a:r>
-                        <a:rPr lang="en-US" sz="1100" b="0" i="0" spc="0" dirty="0">
-                          <a:latin typeface="Adobe Clean Light" panose="020B0303020404020204" pitchFamily="34" charset="0"/>
+                        <a:rPr lang="ja-JP" sz="1000" b="0" i="0" dirty="0">
+                          <a:latin typeface="Adobe Clean Han Light" panose="020B0300000000000000" pitchFamily="34" charset="-128"/>
+                          <a:ea typeface="Adobe Clean Han Light" panose="020B0300000000000000" pitchFamily="34" charset="-128"/>
                           <a:cs typeface="AdobeClean-Light"/>
                         </a:rPr>
-                        <a:t>Release Preparation and Planning</a:t>
+                        <a:t>リリースの準備と計画</a:t>
                       </a:r>
                     </a:p>
                   </a:txBody>
@@ -6797,13 +6142,14 @@
                     <a:bodyPr/>
                     <a:lstStyle/>
                     <a:p>
-                      <a:pPr>
+                      <a:pPr algn="l" rtl="0">
                         <a:lnSpc>
                           <a:spcPct val="100000"/>
                         </a:lnSpc>
                       </a:pPr>
                       <a:endParaRPr sz="900" dirty="0">
-                        <a:latin typeface="Times New Roman"/>
+                        <a:latin typeface="Adobe Clean Han Regular" panose="020B0500000000000000" pitchFamily="34" charset="-128"/>
+                        <a:ea typeface="Adobe Clean Han Regular" panose="020B0500000000000000" pitchFamily="34" charset="-128"/>
                         <a:cs typeface="Times New Roman"/>
                       </a:endParaRPr>
                     </a:p>
@@ -6844,7 +6190,7 @@
                     <a:bodyPr/>
                     <a:lstStyle/>
                     <a:p>
-                      <a:pPr algn="ctr">
+                      <a:pPr algn="l" rtl="0">
                         <a:lnSpc>
                           <a:spcPct val="100000"/>
                         </a:lnSpc>
@@ -6853,7 +6199,8 @@
                         </a:spcBef>
                       </a:pPr>
                       <a:endParaRPr sz="900" spc="0" dirty="0">
-                        <a:latin typeface="Wingdings"/>
+                        <a:latin typeface="Adobe Clean Han Regular" panose="020B0500000000000000" pitchFamily="34" charset="-128"/>
+                        <a:ea typeface="Adobe Clean Han Regular" panose="020B0500000000000000" pitchFamily="34" charset="-128"/>
                         <a:cs typeface="Wingdings"/>
                       </a:endParaRPr>
                     </a:p>
@@ -6896,7 +6243,7 @@
                     <a:bodyPr/>
                     <a:lstStyle/>
                     <a:p>
-                      <a:pPr marL="49530">
+                      <a:pPr marL="49530" algn="l" rtl="0">
                         <a:lnSpc>
                           <a:spcPct val="100000"/>
                         </a:lnSpc>
@@ -6954,16 +6301,13 @@
                         </a:spcBef>
                       </a:pPr>
                       <a:r>
-                        <a:rPr lang="en-US" sz="1100" spc="0" dirty="0">
-                          <a:latin typeface="AdobeClean-Light"/>
+                        <a:rPr lang="ja-JP" sz="1000" dirty="0">
+                          <a:latin typeface="Adobe Clean Han Light" panose="020B0300000000000000" pitchFamily="34" charset="-128"/>
+                          <a:ea typeface="Adobe Clean Han Light" panose="020B0300000000000000" pitchFamily="34" charset="-128"/>
                           <a:cs typeface="AdobeClean-Light"/>
                         </a:rPr>
-                        <a:t>Executive Sponsor</a:t>
+                        <a:t>エグゼクティブスポンサー</a:t>
                       </a:r>
-                      <a:endParaRPr sz="1100" spc="0" dirty="0">
-                        <a:latin typeface="AdobeClean-Light"/>
-                        <a:cs typeface="AdobeClean-Light"/>
-                      </a:endParaRPr>
                     </a:p>
                   </a:txBody>
                   <a:tcPr marL="0" marR="0" marT="67310" marB="0">
@@ -7008,13 +6352,14 @@
                     <a:bodyPr/>
                     <a:lstStyle/>
                     <a:p>
-                      <a:pPr>
+                      <a:pPr algn="l" rtl="0">
                         <a:lnSpc>
                           <a:spcPct val="100000"/>
                         </a:lnSpc>
                       </a:pPr>
                       <a:endParaRPr sz="1200" dirty="0">
-                        <a:latin typeface="Times New Roman"/>
+                        <a:latin typeface="Adobe Clean Han Regular" panose="020B0500000000000000" pitchFamily="34" charset="-128"/>
+                        <a:ea typeface="Adobe Clean Han Regular" panose="020B0500000000000000" pitchFamily="34" charset="-128"/>
                         <a:cs typeface="Times New Roman"/>
                       </a:endParaRPr>
                     </a:p>
@@ -7055,13 +6400,14 @@
                     <a:bodyPr/>
                     <a:lstStyle/>
                     <a:p>
-                      <a:pPr>
+                      <a:pPr algn="l" rtl="0">
                         <a:lnSpc>
                           <a:spcPct val="100000"/>
                         </a:lnSpc>
                       </a:pPr>
                       <a:endParaRPr sz="1200" dirty="0">
-                        <a:latin typeface="Times New Roman"/>
+                        <a:latin typeface="Adobe Clean Han Regular" panose="020B0500000000000000" pitchFamily="34" charset="-128"/>
+                        <a:ea typeface="Adobe Clean Han Regular" panose="020B0500000000000000" pitchFamily="34" charset="-128"/>
                         <a:cs typeface="Times New Roman"/>
                       </a:endParaRPr>
                     </a:p>
@@ -7117,14 +6463,14 @@
           <p:nvPr>
             <p:extLst>
               <p:ext uri="{D42A27DB-BD31-4B8C-83A1-F6EECF244321}">
-                <p14:modId xmlns:p14="http://schemas.microsoft.com/office/powerpoint/2010/main" val="1204616534"/>
+                <p14:modId xmlns:p14="http://schemas.microsoft.com/office/powerpoint/2010/main" val="158440818"/>
               </p:ext>
             </p:extLst>
           </p:nvPr>
         </p:nvGraphicFramePr>
         <p:xfrm>
           <a:off x="121146" y="7483227"/>
-          <a:ext cx="7498851" cy="2361428"/>
+          <a:ext cx="7498851" cy="2187642"/>
         </p:xfrm>
         <a:graphic>
           <a:graphicData uri="http://schemas.openxmlformats.org/drawingml/2006/table">
@@ -7184,19 +6530,16 @@
                         </a:spcBef>
                       </a:pPr>
                       <a:r>
-                        <a:rPr sz="1000" spc="0" dirty="0">
+                        <a:rPr lang="ja-JP" sz="1000" dirty="0">
                           <a:solidFill>
                             <a:srgbClr val="020302"/>
                           </a:solidFill>
-                          <a:latin typeface="Adobe Clean"/>
+                          <a:latin typeface="Adobe Clean Han Regular" panose="020B0500000000000000" pitchFamily="34" charset="-128"/>
+                          <a:ea typeface="Adobe Clean Han Regular" panose="020B0500000000000000" pitchFamily="34" charset="-128"/>
                           <a:cs typeface="Adobe Clean"/>
                         </a:rPr>
-                        <a:t>Priority</a:t>
+                        <a:t>優先度</a:t>
                       </a:r>
-                      <a:endParaRPr sz="1000" spc="0" dirty="0">
-                        <a:latin typeface="Adobe Clean"/>
-                        <a:cs typeface="Adobe Clean"/>
-                      </a:endParaRPr>
                     </a:p>
                   </a:txBody>
                   <a:tcPr marL="0" marR="0" marT="7620" marB="0" anchor="ctr">
@@ -7243,49 +6586,16 @@
                         </a:spcBef>
                       </a:pPr>
                       <a:r>
-                        <a:rPr lang="en-US" sz="900" spc="0" dirty="0">
+                        <a:rPr lang="ja-JP" sz="800" dirty="0">
                           <a:solidFill>
                             <a:srgbClr val="020302"/>
                           </a:solidFill>
-                          <a:latin typeface="Adobe Clean"/>
+                          <a:latin typeface="Adobe Clean Han Regular" panose="020B0500000000000000" pitchFamily="34" charset="-128"/>
+                          <a:ea typeface="Adobe Clean Han Regular" panose="020B0500000000000000" pitchFamily="34" charset="-128"/>
                           <a:cs typeface="Adobe Clean"/>
                         </a:rPr>
-                        <a:t>Standard</a:t>
+                        <a:t>標準サポート</a:t>
                       </a:r>
-                      <a:r>
-                        <a:rPr sz="900" spc="0" dirty="0">
-                          <a:solidFill>
-                            <a:srgbClr val="020302"/>
-                          </a:solidFill>
-                          <a:latin typeface="Adobe Clean"/>
-                          <a:cs typeface="Adobe Clean"/>
-                        </a:rPr>
-                        <a:t> </a:t>
-                      </a:r>
-                      <a:r>
-                        <a:rPr lang="en-US" sz="900" spc="0" dirty="0">
-                          <a:solidFill>
-                            <a:srgbClr val="020302"/>
-                          </a:solidFill>
-                          <a:latin typeface="Adobe Clean"/>
-                          <a:cs typeface="Adobe Clean"/>
-                        </a:rPr>
-                        <a:t> </a:t>
-                      </a:r>
-                      <a:r>
-                        <a:rPr sz="900" spc="0" dirty="0">
-                          <a:solidFill>
-                            <a:srgbClr val="020302"/>
-                          </a:solidFill>
-                          <a:latin typeface="Adobe Clean"/>
-                          <a:cs typeface="Adobe Clean"/>
-                        </a:rPr>
-                        <a:t>Support</a:t>
-                      </a:r>
-                      <a:endParaRPr sz="900" spc="0" dirty="0">
-                        <a:latin typeface="Adobe Clean"/>
-                        <a:cs typeface="Adobe Clean"/>
-                      </a:endParaRPr>
                     </a:p>
                   </a:txBody>
                   <a:tcPr marL="0" marR="0" marT="0" marB="0" anchor="ctr">
@@ -7335,39 +6645,16 @@
                         </a:spcBef>
                       </a:pPr>
                       <a:r>
-                        <a:rPr sz="900" spc="0" dirty="0">
+                        <a:rPr lang="ja-JP" sz="800" dirty="0">
                           <a:solidFill>
                             <a:srgbClr val="FFFFFF"/>
                           </a:solidFill>
-                          <a:latin typeface="Adobe Clean"/>
+                          <a:latin typeface="Adobe Clean Han Regular" panose="020B0500000000000000" pitchFamily="34" charset="-128"/>
+                          <a:ea typeface="Adobe Clean Han Regular" panose="020B0500000000000000" pitchFamily="34" charset="-128"/>
                           <a:cs typeface="Adobe Clean"/>
                         </a:rPr>
-                        <a:t>Business</a:t>
+                        <a:t>ビジネスサポート</a:t>
                       </a:r>
-                      <a:r>
-                        <a:rPr lang="en-US" sz="900" spc="0" dirty="0">
-                          <a:solidFill>
-                            <a:srgbClr val="FFFFFF"/>
-                          </a:solidFill>
-                          <a:latin typeface="Adobe Clean"/>
-                          <a:cs typeface="Adobe Clean"/>
-                        </a:rPr>
-                        <a:t> </a:t>
-                      </a:r>
-                      <a:r>
-                        <a:rPr sz="900" spc="0" dirty="0">
-                          <a:solidFill>
-                            <a:srgbClr val="FFFFFF"/>
-                          </a:solidFill>
-                          <a:latin typeface="Adobe Clean"/>
-                          <a:cs typeface="Adobe Clean"/>
-                        </a:rPr>
-                        <a:t>Support</a:t>
-                      </a:r>
-                      <a:endParaRPr sz="900" spc="0" dirty="0">
-                        <a:latin typeface="Adobe Clean"/>
-                        <a:cs typeface="Adobe Clean"/>
-                      </a:endParaRPr>
                     </a:p>
                   </a:txBody>
                   <a:tcPr marL="0" marR="0" marT="0" marB="0" anchor="ctr">
@@ -7414,39 +6701,16 @@
                         </a:spcBef>
                       </a:pPr>
                       <a:r>
-                        <a:rPr sz="900" spc="0" dirty="0">
+                        <a:rPr lang="ja-JP" sz="800" dirty="0">
                           <a:solidFill>
                             <a:srgbClr val="FFFFFF"/>
                           </a:solidFill>
-                          <a:latin typeface="Adobe Clean"/>
+                          <a:latin typeface="Adobe Clean Han Regular" panose="020B0500000000000000" pitchFamily="34" charset="-128"/>
+                          <a:ea typeface="Adobe Clean Han Regular" panose="020B0500000000000000" pitchFamily="34" charset="-128"/>
                           <a:cs typeface="Adobe Clean"/>
                         </a:rPr>
-                        <a:t>Enterprise </a:t>
+                        <a:t>エンタープライズサポート</a:t>
                       </a:r>
-                      <a:r>
-                        <a:rPr lang="en-US" sz="900" spc="0" dirty="0">
-                          <a:solidFill>
-                            <a:srgbClr val="FFFFFF"/>
-                          </a:solidFill>
-                          <a:latin typeface="Adobe Clean"/>
-                          <a:cs typeface="Adobe Clean"/>
-                        </a:rPr>
-                        <a:t> </a:t>
-                      </a:r>
-                      <a:r>
-                        <a:rPr sz="900" spc="0" dirty="0">
-                          <a:solidFill>
-                            <a:srgbClr val="FFFFFF"/>
-                          </a:solidFill>
-                          <a:latin typeface="Adobe Clean"/>
-                          <a:cs typeface="Adobe Clean"/>
-                        </a:rPr>
-                        <a:t>Support</a:t>
-                      </a:r>
-                      <a:endParaRPr sz="900" spc="0" dirty="0">
-                        <a:latin typeface="Adobe Clean"/>
-                        <a:cs typeface="Adobe Clean"/>
-                      </a:endParaRPr>
                     </a:p>
                   </a:txBody>
                   <a:tcPr marL="0" marR="0" marT="0" marB="0" anchor="ctr">
@@ -7493,39 +6757,16 @@
                         </a:spcBef>
                       </a:pPr>
                       <a:r>
-                        <a:rPr sz="900" spc="0" dirty="0">
+                        <a:rPr lang="ja-JP" sz="800" dirty="0">
                           <a:solidFill>
                             <a:srgbClr val="FFFFFF"/>
                           </a:solidFill>
-                          <a:latin typeface="Adobe Clean"/>
+                          <a:latin typeface="Adobe Clean Han Regular" panose="020B0500000000000000" pitchFamily="34" charset="-128"/>
+                          <a:ea typeface="Adobe Clean Han Regular" panose="020B0500000000000000" pitchFamily="34" charset="-128"/>
                           <a:cs typeface="Adobe Clean"/>
                         </a:rPr>
-                        <a:t>Elite</a:t>
+                        <a:t>エリートサポート</a:t>
                       </a:r>
-                      <a:r>
-                        <a:rPr lang="en-US" sz="900" spc="0" dirty="0">
-                          <a:solidFill>
-                            <a:srgbClr val="FFFFFF"/>
-                          </a:solidFill>
-                          <a:latin typeface="Adobe Clean"/>
-                          <a:cs typeface="Adobe Clean"/>
-                        </a:rPr>
-                        <a:t> </a:t>
-                      </a:r>
-                      <a:r>
-                        <a:rPr sz="900" spc="0" dirty="0">
-                          <a:solidFill>
-                            <a:srgbClr val="FFFFFF"/>
-                          </a:solidFill>
-                          <a:latin typeface="Adobe Clean"/>
-                          <a:cs typeface="Adobe Clean"/>
-                        </a:rPr>
-                        <a:t>Support</a:t>
-                      </a:r>
-                      <a:endParaRPr sz="900" spc="0" dirty="0">
-                        <a:latin typeface="Adobe Clean"/>
-                        <a:cs typeface="Adobe Clean"/>
-                      </a:endParaRPr>
                     </a:p>
                   </a:txBody>
                   <a:tcPr marL="0" marR="0" marT="0" marB="0" anchor="ctr">
@@ -7579,19 +6820,16 @@
                         </a:spcBef>
                       </a:pPr>
                       <a:r>
-                        <a:rPr sz="900" b="1" spc="0" dirty="0">
+                        <a:rPr lang="ja-JP" sz="900" b="1" dirty="0">
                           <a:solidFill>
                             <a:srgbClr val="020302"/>
                           </a:solidFill>
-                          <a:latin typeface="Adobe Clean"/>
+                          <a:latin typeface="Adobe Clean Han Regular" panose="020B0500000000000000" pitchFamily="34" charset="-128"/>
+                          <a:ea typeface="Adobe Clean Han Regular" panose="020B0500000000000000" pitchFamily="34" charset="-128"/>
                           <a:cs typeface="Adobe Clean"/>
                         </a:rPr>
-                        <a:t>PRIORITY 1</a:t>
+                        <a:t>優先度 1</a:t>
                       </a:r>
-                      <a:endParaRPr sz="900" spc="0" dirty="0">
-                        <a:latin typeface="Adobe Clean"/>
-                        <a:cs typeface="Adobe Clean"/>
-                      </a:endParaRPr>
                     </a:p>
                     <a:p>
                       <a:pPr marL="50800" marR="387985">
@@ -7603,19 +6841,15 @@
                         </a:spcBef>
                       </a:pPr>
                       <a:r>
-                        <a:rPr lang="en-US" sz="900" b="0" i="0" spc="0" dirty="0">
+                        <a:rPr lang="ja-JP" sz="900" b="0" i="0" dirty="0">
                           <a:solidFill>
                             <a:srgbClr val="000000"/>
                           </a:solidFill>
-                          <a:effectLst/>
-                          <a:latin typeface="Adobe Clean Light" panose="020B0303020404020204" pitchFamily="34" charset="0"/>
+                          <a:latin typeface="Adobe Clean Han Light" panose="020B0300000000000000" pitchFamily="34" charset="-128"/>
+                          <a:ea typeface="Adobe Clean Han Light" panose="020B0300000000000000" pitchFamily="34" charset="-128"/>
                         </a:rPr>
-                        <a:t>Customer's production business functions are down or have significant data loss or service degradation and immediate attention is required to restore functionality and usability. </a:t>
+                        <a:t>お客様の本番業務機能がダウンしている、または著しいデータ損失やサービス低下があり、機能およびユーザビリティを復元するための早急な処置が必要。 </a:t>
                       </a:r>
-                      <a:endParaRPr sz="900" spc="0" dirty="0">
-                        <a:latin typeface="AdobeClean-Light"/>
-                        <a:cs typeface="AdobeClean-Light"/>
-                      </a:endParaRPr>
                     </a:p>
                   </a:txBody>
                   <a:tcPr marL="0" marR="0" marT="0" marB="0" anchor="ctr">
@@ -7662,14 +6896,15 @@
                         </a:spcBef>
                       </a:pPr>
                       <a:r>
-                        <a:rPr lang="en-US" sz="900" spc="0" dirty="0">
+                        <a:rPr lang="ja-JP" sz="900" dirty="0">
                           <a:solidFill>
                             <a:srgbClr val="020302"/>
                           </a:solidFill>
-                          <a:latin typeface="AdobeClean-Light"/>
+                          <a:latin typeface="Adobe Clean Han Light" panose="020B0300000000000000" pitchFamily="34" charset="-128"/>
+                          <a:ea typeface="Adobe Clean Han Light" panose="020B0300000000000000" pitchFamily="34" charset="-128"/>
                           <a:cs typeface="AdobeClean-Light"/>
                         </a:rPr>
-                        <a:t>24x7 /</a:t>
+                        <a:t>24 時間年中無休／</a:t>
                       </a:r>
                     </a:p>
                     <a:p>
@@ -7682,19 +6917,16 @@
                         </a:spcBef>
                       </a:pPr>
                       <a:r>
-                        <a:rPr lang="en-US" sz="900" spc="0" dirty="0">
+                        <a:rPr lang="ja-JP" sz="900" dirty="0">
                           <a:solidFill>
                             <a:srgbClr val="020302"/>
                           </a:solidFill>
-                          <a:latin typeface="AdobeClean-Light"/>
+                          <a:latin typeface="Adobe Clean Han Light" panose="020B0300000000000000" pitchFamily="34" charset="-128"/>
+                          <a:ea typeface="Adobe Clean Han Light" panose="020B0300000000000000" pitchFamily="34" charset="-128"/>
                           <a:cs typeface="AdobeClean-Light"/>
                         </a:rPr>
-                        <a:t> 30 minutes</a:t>
+                        <a:t> 30 分</a:t>
                       </a:r>
-                      <a:endParaRPr lang="en-US" sz="900" spc="0" dirty="0">
-                        <a:latin typeface="AdobeClean-Light"/>
-                        <a:cs typeface="AdobeClean-Light"/>
-                      </a:endParaRPr>
                     </a:p>
                   </a:txBody>
                   <a:tcPr marL="0" marR="0" marT="0" marB="0" anchor="ctr">
@@ -7739,10 +6971,11 @@
                         <a:tabLst/>
                       </a:pPr>
                       <a:r>
-                        <a:rPr lang="en-US" sz="1000" i="0" spc="0" dirty="0">
-                          <a:latin typeface="AdobeClean-Light"/>
+                        <a:rPr lang="ja-JP" sz="1000" i="0">
+                          <a:latin typeface="Adobe Clean Han Light" panose="020B0300000000000000" pitchFamily="34" charset="-128"/>
+                          <a:ea typeface="Adobe Clean Han Light" panose="020B0300000000000000" pitchFamily="34" charset="-128"/>
                         </a:rPr>
-                        <a:t>Customers who purchase a Support Plan for applicable Adobe Products and Services receive priority case routing that fast-tracks cases to Adobe’s Support Engineers. </a:t>
+                        <a:t>該当するアドビの製品およびサービスのサポートプランを購入するお客様には、ケースをアドビのサポートエンジニアに迅速に展開する優先的なケースルーティングが提供されます。 </a:t>
                       </a:r>
                     </a:p>
                   </a:txBody>
@@ -7790,7 +7023,7 @@
                         </a:spcBef>
                       </a:pPr>
                       <a:r>
-                        <a:rPr sz="900" spc="0" dirty="0">
+                        <a:rPr lang="ja-JP" sz="900">
                           <a:solidFill>
                             <a:srgbClr val="020302"/>
                           </a:solidFill>
@@ -7798,69 +7031,11 @@
                             <a:srgbClr val="FFFF00"/>
                           </a:highlight>
                           <a:latin typeface="AdobeClean-Light"/>
+                          <a:ea typeface="MS Mincho"/>
                           <a:cs typeface="AdobeClean-Light"/>
                         </a:rPr>
-                        <a:t>24x7 /  </a:t>
+                        <a:t>24 時間年中無休／30 分</a:t>
                       </a:r>
-                      <a:r>
-                        <a:rPr lang="en-US" sz="900" spc="0" dirty="0">
-                          <a:solidFill>
-                            <a:srgbClr val="020302"/>
-                          </a:solidFill>
-                          <a:highlight>
-                            <a:srgbClr val="FFFF00"/>
-                          </a:highlight>
-                          <a:latin typeface="AdobeClean-Light"/>
-                          <a:cs typeface="AdobeClean-Light"/>
-                        </a:rPr>
-                        <a:t>         </a:t>
-                      </a:r>
-                      <a:r>
-                        <a:rPr sz="900" spc="0" dirty="0">
-                          <a:solidFill>
-                            <a:srgbClr val="020302"/>
-                          </a:solidFill>
-                          <a:highlight>
-                            <a:srgbClr val="FFFF00"/>
-                          </a:highlight>
-                          <a:latin typeface="AdobeClean-Light"/>
-                          <a:cs typeface="AdobeClean-Light"/>
-                        </a:rPr>
-                        <a:t>30</a:t>
-                      </a:r>
-                      <a:r>
-                        <a:rPr lang="en-US" sz="900" spc="0" dirty="0">
-                          <a:solidFill>
-                            <a:srgbClr val="020302"/>
-                          </a:solidFill>
-                          <a:highlight>
-                            <a:srgbClr val="FFFF00"/>
-                          </a:highlight>
-                          <a:latin typeface="AdobeClean-Light"/>
-                          <a:cs typeface="AdobeClean-Light"/>
-                        </a:rPr>
-                        <a:t> </a:t>
-                      </a:r>
-                      <a:r>
-                        <a:rPr sz="900" spc="0" dirty="0">
-                          <a:solidFill>
-                            <a:srgbClr val="020302"/>
-                          </a:solidFill>
-                          <a:highlight>
-                            <a:srgbClr val="FFFF00"/>
-                          </a:highlight>
-                          <a:latin typeface="AdobeClean-Light"/>
-                          <a:cs typeface="AdobeClean-Light"/>
-                        </a:rPr>
-                        <a:t>minutes</a:t>
-                      </a:r>
-                      <a:endParaRPr sz="900" spc="0" dirty="0">
-                        <a:highlight>
-                          <a:srgbClr val="FFFF00"/>
-                        </a:highlight>
-                        <a:latin typeface="AdobeClean-Light"/>
-                        <a:cs typeface="AdobeClean-Light"/>
-                      </a:endParaRPr>
                     </a:p>
                   </a:txBody>
                   <a:tcPr marL="0" marR="0" marT="0" marB="0" anchor="ctr">
@@ -7904,7 +7079,7 @@
                         </a:spcBef>
                       </a:pPr>
                       <a:r>
-                        <a:rPr sz="900" spc="0" dirty="0">
+                        <a:rPr lang="ja-JP" sz="900">
                           <a:solidFill>
                             <a:srgbClr val="020302"/>
                           </a:solidFill>
@@ -7912,69 +7087,11 @@
                             <a:srgbClr val="FFFF00"/>
                           </a:highlight>
                           <a:latin typeface="AdobeClean-Light"/>
+                          <a:ea typeface="MS Mincho"/>
                           <a:cs typeface="AdobeClean-Light"/>
                         </a:rPr>
-                        <a:t>24x7 / </a:t>
+                        <a:t>24 時間年中無休／15 分</a:t>
                       </a:r>
-                      <a:r>
-                        <a:rPr lang="en-US" sz="900" spc="0" dirty="0">
-                          <a:solidFill>
-                            <a:srgbClr val="020302"/>
-                          </a:solidFill>
-                          <a:highlight>
-                            <a:srgbClr val="FFFF00"/>
-                          </a:highlight>
-                          <a:latin typeface="AdobeClean-Light"/>
-                          <a:cs typeface="AdobeClean-Light"/>
-                        </a:rPr>
-                        <a:t>       </a:t>
-                      </a:r>
-                      <a:r>
-                        <a:rPr sz="900" spc="0" dirty="0">
-                          <a:solidFill>
-                            <a:srgbClr val="020302"/>
-                          </a:solidFill>
-                          <a:highlight>
-                            <a:srgbClr val="FFFF00"/>
-                          </a:highlight>
-                          <a:latin typeface="AdobeClean-Light"/>
-                          <a:cs typeface="AdobeClean-Light"/>
-                        </a:rPr>
-                        <a:t> 15</a:t>
-                      </a:r>
-                      <a:r>
-                        <a:rPr lang="en-US" sz="900" spc="0" dirty="0">
-                          <a:solidFill>
-                            <a:srgbClr val="020302"/>
-                          </a:solidFill>
-                          <a:highlight>
-                            <a:srgbClr val="FFFF00"/>
-                          </a:highlight>
-                          <a:latin typeface="AdobeClean-Light"/>
-                          <a:cs typeface="AdobeClean-Light"/>
-                        </a:rPr>
-                        <a:t> </a:t>
-                      </a:r>
-                      <a:r>
-                        <a:rPr sz="900" spc="0" dirty="0">
-                          <a:solidFill>
-                            <a:srgbClr val="020302"/>
-                          </a:solidFill>
-                          <a:highlight>
-                            <a:srgbClr val="FFFF00"/>
-                          </a:highlight>
-                          <a:latin typeface="AdobeClean-Light"/>
-                          <a:cs typeface="AdobeClean-Light"/>
-                        </a:rPr>
-                        <a:t>minutes</a:t>
-                      </a:r>
-                      <a:endParaRPr sz="900" spc="0" dirty="0">
-                        <a:highlight>
-                          <a:srgbClr val="FFFF00"/>
-                        </a:highlight>
-                        <a:latin typeface="AdobeClean-Light"/>
-                        <a:cs typeface="AdobeClean-Light"/>
-                      </a:endParaRPr>
                     </a:p>
                   </a:txBody>
                   <a:tcPr marL="0" marR="0" marT="0" marB="0" anchor="ctr">
@@ -8025,19 +7142,16 @@
                         </a:spcBef>
                       </a:pPr>
                       <a:r>
-                        <a:rPr sz="900" b="1" spc="0" dirty="0">
+                        <a:rPr lang="ja-JP" sz="900" b="1" dirty="0">
                           <a:solidFill>
                             <a:srgbClr val="020302"/>
                           </a:solidFill>
-                          <a:latin typeface="Adobe Clean"/>
+                          <a:latin typeface="Adobe Clean Han Regular" panose="020B0500000000000000" pitchFamily="34" charset="-128"/>
+                          <a:ea typeface="Adobe Clean Han Regular" panose="020B0500000000000000" pitchFamily="34" charset="-128"/>
                           <a:cs typeface="Adobe Clean"/>
                         </a:rPr>
-                        <a:t>PRIORITY 2</a:t>
+                        <a:t>優先度 2</a:t>
                       </a:r>
-                      <a:endParaRPr sz="900" spc="0" dirty="0">
-                        <a:latin typeface="Adobe Clean"/>
-                        <a:cs typeface="Adobe Clean"/>
-                      </a:endParaRPr>
                     </a:p>
                     <a:p>
                       <a:pPr marL="50165" marR="203200" indent="0" defTabSz="914400" eaLnBrk="1" fontAlgn="auto" latinLnBrk="0" hangingPunct="1">
@@ -8058,19 +7172,15 @@
                         <a:defRPr/>
                       </a:pPr>
                       <a:r>
-                        <a:rPr lang="en-US" sz="900" b="0" i="0" spc="0" dirty="0">
+                        <a:rPr lang="ja-JP" sz="900" b="0" i="0" dirty="0">
                           <a:solidFill>
                             <a:srgbClr val="000000"/>
                           </a:solidFill>
-                          <a:effectLst/>
-                          <a:latin typeface="Adobe Clean Light" panose="020B0303020404020204" pitchFamily="34" charset="0"/>
+                          <a:latin typeface="Adobe Clean Han Light" panose="020B0300000000000000" pitchFamily="34" charset="-128"/>
+                          <a:ea typeface="Adobe Clean Han Light" panose="020B0300000000000000" pitchFamily="34" charset="-128"/>
                         </a:rPr>
-                        <a:t>Customer's business functions have major service degradation or potential data loss, or a major feature is impacted.  </a:t>
+                        <a:t>お客様の業務機能に重大なサービス低下や潜在的なデータ損失があるか、主な機能が影響を受けている。  </a:t>
                       </a:r>
-                      <a:endParaRPr sz="900" b="0" i="0" spc="0" dirty="0">
-                        <a:latin typeface="Adobe Clean Light" panose="020B0303020404020204" pitchFamily="34" charset="0"/>
-                        <a:cs typeface="AdobeClean-Light"/>
-                      </a:endParaRPr>
                     </a:p>
                   </a:txBody>
                   <a:tcPr marL="0" marR="0" marT="0" marB="0" anchor="ctr">
@@ -8117,14 +7227,15 @@
                         </a:spcBef>
                       </a:pPr>
                       <a:r>
-                        <a:rPr lang="en-US" sz="900" spc="0" dirty="0">
+                        <a:rPr lang="ja-JP" sz="900" dirty="0">
                           <a:solidFill>
                             <a:srgbClr val="020302"/>
                           </a:solidFill>
-                          <a:latin typeface="AdobeClean-Light"/>
+                          <a:latin typeface="Adobe Clean Han Light" panose="020B0300000000000000" pitchFamily="34" charset="-128"/>
+                          <a:ea typeface="Adobe Clean Han Light" panose="020B0300000000000000" pitchFamily="34" charset="-128"/>
                           <a:cs typeface="AdobeClean-Light"/>
                         </a:rPr>
-                        <a:t>      24x7 /</a:t>
+                        <a:t>      24 時間年中無休／</a:t>
                       </a:r>
                     </a:p>
                     <a:p>
@@ -8137,19 +7248,16 @@
                         </a:spcBef>
                       </a:pPr>
                       <a:r>
-                        <a:rPr lang="en-US" sz="900" spc="0" dirty="0">
+                        <a:rPr lang="ja-JP" sz="900" dirty="0">
                           <a:solidFill>
                             <a:srgbClr val="020302"/>
                           </a:solidFill>
-                          <a:latin typeface="AdobeClean-Light"/>
+                          <a:latin typeface="Adobe Clean Han Light" panose="020B0300000000000000" pitchFamily="34" charset="-128"/>
+                          <a:ea typeface="Adobe Clean Han Light" panose="020B0300000000000000" pitchFamily="34" charset="-128"/>
                           <a:cs typeface="AdobeClean-Light"/>
                         </a:rPr>
-                        <a:t>     1 hour</a:t>
+                        <a:t>     1 時間</a:t>
                       </a:r>
-                      <a:endParaRPr lang="en-US" sz="900" spc="0" dirty="0">
-                        <a:latin typeface="AdobeClean-Light"/>
-                        <a:cs typeface="AdobeClean-Light"/>
-                      </a:endParaRPr>
                     </a:p>
                   </a:txBody>
                   <a:tcPr marL="0" marR="0" marT="0" marB="0" anchor="ctr">
@@ -8184,7 +7292,7 @@
                     <a:bodyPr/>
                     <a:lstStyle/>
                     <a:p>
-                      <a:pPr marL="0" marR="184785" indent="-194310" algn="ctr">
+                      <a:pPr marL="0" marR="184785" indent="-194310" algn="l" rtl="0">
                         <a:lnSpc>
                           <a:spcPct val="100000"/>
                         </a:lnSpc>
@@ -8236,7 +7344,7 @@
                     <a:bodyPr/>
                     <a:lstStyle/>
                     <a:p>
-                      <a:pPr marL="0" marR="325755" indent="-5715" algn="ctr">
+                      <a:pPr marL="0" marR="325755" indent="-5715" algn="l" rtl="0">
                         <a:lnSpc>
                           <a:spcPct val="100000"/>
                         </a:lnSpc>
@@ -8285,7 +7393,7 @@
                     <a:bodyPr/>
                     <a:lstStyle/>
                     <a:p>
-                      <a:pPr marL="0" marR="259079" indent="111760" algn="ctr">
+                      <a:pPr marL="0" marR="259079" indent="111760" algn="l" rtl="0">
                         <a:lnSpc>
                           <a:spcPct val="100000"/>
                         </a:lnSpc>
@@ -8350,29 +7458,16 @@
                         </a:spcBef>
                       </a:pPr>
                       <a:r>
-                        <a:rPr sz="900" b="1" spc="0" dirty="0">
+                        <a:rPr lang="ja-JP" sz="900" b="1" dirty="0">
                           <a:solidFill>
                             <a:srgbClr val="020302"/>
                           </a:solidFill>
-                          <a:latin typeface="Adobe Clean"/>
+                          <a:latin typeface="Adobe Clean Han Regular" panose="020B0500000000000000" pitchFamily="34" charset="-128"/>
+                          <a:ea typeface="Adobe Clean Han Regular" panose="020B0500000000000000" pitchFamily="34" charset="-128"/>
                           <a:cs typeface="Adobe Clean"/>
                         </a:rPr>
-                        <a:t>PRIORITY</a:t>
+                        <a:t>優先度 3</a:t>
                       </a:r>
-                      <a:r>
-                        <a:rPr lang="en-US" sz="900" b="1" spc="0" dirty="0">
-                          <a:solidFill>
-                            <a:srgbClr val="020302"/>
-                          </a:solidFill>
-                          <a:latin typeface="Adobe Clean"/>
-                          <a:cs typeface="Adobe Clean"/>
-                        </a:rPr>
-                        <a:t> 3</a:t>
-                      </a:r>
-                      <a:endParaRPr lang="en-US" sz="900" spc="0" dirty="0">
-                        <a:latin typeface="Adobe Clean"/>
-                        <a:cs typeface="Adobe Clean"/>
-                      </a:endParaRPr>
                     </a:p>
                     <a:p>
                       <a:pPr marL="49530" marR="212090" indent="-2540" defTabSz="914400" eaLnBrk="1" fontAlgn="auto" latinLnBrk="0" hangingPunct="1">
@@ -8393,26 +7488,21 @@
                         <a:defRPr/>
                       </a:pPr>
                       <a:r>
-                        <a:rPr kumimoji="0" lang="en-US" sz="900" b="0" i="0" u="none" strike="noStrike" kern="1200" cap="none" spc="0" normalizeH="0" baseline="0" noProof="0" dirty="0">
+                        <a:rPr kumimoji="0" lang="ja-JP" sz="900" b="0" i="0" u="none" strike="noStrike" cap="none" normalizeH="0" baseline="0" noProof="0" dirty="0">
                           <a:ln>
                             <a:noFill/>
                           </a:ln>
                           <a:solidFill>
                             <a:srgbClr val="000000"/>
                           </a:solidFill>
-                          <a:effectLst/>
                           <a:uLnTx/>
                           <a:uFillTx/>
-                          <a:latin typeface="Adobe Clean Light" panose="020B0303020404020204" pitchFamily="34" charset="0"/>
-                          <a:ea typeface="+mn-ea"/>
+                          <a:latin typeface="Adobe Clean Han Light" panose="020B0300000000000000" pitchFamily="34" charset="-128"/>
+                          <a:ea typeface="Adobe Clean Han Light" panose="020B0300000000000000" pitchFamily="34" charset="-128"/>
                           <a:cs typeface="+mn-cs"/>
                         </a:rPr>
-                        <a:t>Customer's business functions have minor service degradation but there exists a solution/workaround allowing business functions to continue normally. </a:t>
+                        <a:t>お客様の業務機能に軽微なサービス低下があるが、業務機能を正常に続行できる解決策／回避策が存在する。 </a:t>
                       </a:r>
-                      <a:endParaRPr lang="en-US" sz="900" b="0" i="0" spc="0" dirty="0">
-                        <a:latin typeface="Adobe Clean Light" panose="020B0303020404020204" pitchFamily="34" charset="0"/>
-                        <a:cs typeface="AdobeClean-Light"/>
-                      </a:endParaRPr>
                     </a:p>
                   </a:txBody>
                   <a:tcPr marL="0" marR="0" marT="0" marB="0" anchor="ctr">
@@ -8462,14 +7552,15 @@
                         </a:tabLst>
                       </a:pPr>
                       <a:r>
-                        <a:rPr lang="en-US" sz="900" spc="0" dirty="0">
+                        <a:rPr lang="ja-JP" sz="900" dirty="0">
                           <a:solidFill>
                             <a:srgbClr val="020302"/>
                           </a:solidFill>
-                          <a:latin typeface="AdobeClean-Light"/>
+                          <a:latin typeface="Adobe Clean Han Light" panose="020B0300000000000000" pitchFamily="34" charset="-128"/>
+                          <a:ea typeface="Adobe Clean Han Light" panose="020B0300000000000000" pitchFamily="34" charset="-128"/>
                           <a:cs typeface="AdobeClean-Light"/>
                         </a:rPr>
-                        <a:t>Business day /   </a:t>
+                        <a:t>営業日／   </a:t>
                       </a:r>
                     </a:p>
                     <a:p>
@@ -8482,19 +7573,16 @@
                         </a:spcBef>
                       </a:pPr>
                       <a:r>
-                        <a:rPr lang="en-US" sz="900" spc="0" dirty="0">
+                        <a:rPr lang="ja-JP" sz="900" dirty="0">
                           <a:solidFill>
                             <a:srgbClr val="020302"/>
                           </a:solidFill>
-                          <a:latin typeface="AdobeClean-Light"/>
+                          <a:latin typeface="Adobe Clean Han Light" panose="020B0300000000000000" pitchFamily="34" charset="-128"/>
+                          <a:ea typeface="Adobe Clean Han Light" panose="020B0300000000000000" pitchFamily="34" charset="-128"/>
                           <a:cs typeface="AdobeClean-Light"/>
                         </a:rPr>
-                        <a:t>4 hours</a:t>
+                        <a:t>4 時間</a:t>
                       </a:r>
-                      <a:endParaRPr lang="en-US" sz="900" spc="0" dirty="0">
-                        <a:latin typeface="AdobeClean-Light"/>
-                        <a:cs typeface="AdobeClean-Light"/>
-                      </a:endParaRPr>
                     </a:p>
                   </a:txBody>
                   <a:tcPr marL="0" marR="0" marT="0" marB="0" anchor="ctr">
@@ -8529,7 +7617,7 @@
                     <a:bodyPr/>
                     <a:lstStyle/>
                     <a:p>
-                      <a:pPr marL="0" marR="185420" indent="-193675" algn="ctr">
+                      <a:pPr marL="0" marR="185420" indent="-193675" algn="l" rtl="0">
                         <a:lnSpc>
                           <a:spcPct val="100000"/>
                         </a:lnSpc>
@@ -8581,7 +7669,7 @@
                     <a:bodyPr/>
                     <a:lstStyle/>
                     <a:p>
-                      <a:pPr marL="0" marR="184785" indent="-194310" algn="ctr">
+                      <a:pPr marL="0" marR="184785" indent="-194310" algn="l" rtl="0">
                         <a:lnSpc>
                           <a:spcPct val="100000"/>
                         </a:lnSpc>
@@ -8630,7 +7718,7 @@
                     <a:bodyPr/>
                     <a:lstStyle/>
                     <a:p>
-                      <a:pPr marL="0" marR="326390" indent="-5715" algn="ctr">
+                      <a:pPr marL="0" marR="326390" indent="-5715" algn="l" rtl="0">
                         <a:lnSpc>
                           <a:spcPct val="100000"/>
                         </a:lnSpc>
@@ -8695,19 +7783,16 @@
                         </a:spcBef>
                       </a:pPr>
                       <a:r>
-                        <a:rPr sz="900" b="1" spc="0" dirty="0">
+                        <a:rPr lang="ja-JP" sz="900" b="1" dirty="0">
                           <a:solidFill>
                             <a:srgbClr val="020302"/>
                           </a:solidFill>
-                          <a:latin typeface="Adobe Clean"/>
+                          <a:latin typeface="Adobe Clean Han Regular" panose="020B0500000000000000" pitchFamily="34" charset="-128"/>
+                          <a:ea typeface="Adobe Clean Han Regular" panose="020B0500000000000000" pitchFamily="34" charset="-128"/>
                           <a:cs typeface="Adobe Clean"/>
                         </a:rPr>
-                        <a:t>PRIORITY 4</a:t>
+                        <a:t>優先度 4</a:t>
                       </a:r>
-                      <a:endParaRPr sz="900" spc="0" dirty="0">
-                        <a:latin typeface="Adobe Clean"/>
-                        <a:cs typeface="Adobe Clean"/>
-                      </a:endParaRPr>
                     </a:p>
                     <a:p>
                       <a:pPr marL="48895" marR="0" indent="0" defTabSz="914400" eaLnBrk="1" fontAlgn="auto" latinLnBrk="0" hangingPunct="1">
@@ -8728,19 +7813,25 @@
                         <a:defRPr/>
                       </a:pPr>
                       <a:r>
-                        <a:rPr lang="en-US" sz="900" b="0" i="0" spc="0" dirty="0">
+                        <a:rPr lang="ja-JP" sz="900" b="0" i="0" dirty="0">
                           <a:solidFill>
                             <a:srgbClr val="000000"/>
                           </a:solidFill>
-                          <a:effectLst/>
-                          <a:latin typeface="Adobe Clean Light" panose="020B0303020404020204" pitchFamily="34" charset="0"/>
+                          <a:latin typeface="Adobe Clean Han Light" panose="020B0300000000000000" pitchFamily="34" charset="-128"/>
+                          <a:ea typeface="Adobe Clean Han Light" panose="020B0300000000000000" pitchFamily="34" charset="-128"/>
                         </a:rPr>
-                        <a:t>General question regarding current product functionality or an enhancement request.</a:t>
+                        <a:t>現在の製品機能に関する一般的な質問または機能拡張のリクエスト</a:t>
                       </a:r>
-                      <a:endParaRPr sz="900" b="0" i="0" spc="0" dirty="0">
-                        <a:latin typeface="Adobe Clean Light" panose="020B0303020404020204" pitchFamily="34" charset="0"/>
-                        <a:cs typeface="AdobeClean-Light"/>
-                      </a:endParaRPr>
+                      <a:r>
+                        <a:rPr lang="ja-JP" sz="900" b="0" i="0" dirty="0">
+                          <a:solidFill>
+                            <a:srgbClr val="000000"/>
+                          </a:solidFill>
+                          <a:latin typeface="Adobe Clean Han Regular" panose="020B0500000000000000" pitchFamily="34" charset="-128"/>
+                          <a:ea typeface="Adobe Clean Han Regular" panose="020B0500000000000000" pitchFamily="34" charset="-128"/>
+                        </a:rPr>
+                        <a:t>。</a:t>
+                      </a:r>
                     </a:p>
                   </a:txBody>
                   <a:tcPr marL="0" marR="0" marT="0" marB="0" anchor="ctr">
@@ -8790,14 +7881,15 @@
                         </a:tabLst>
                       </a:pPr>
                       <a:r>
-                        <a:rPr lang="en-US" sz="900" spc="0" dirty="0">
+                        <a:rPr lang="ja-JP" sz="900" dirty="0">
                           <a:solidFill>
                             <a:srgbClr val="020302"/>
                           </a:solidFill>
-                          <a:latin typeface="AdobeClean-Light"/>
+                          <a:latin typeface="Adobe Clean Han Light" panose="020B0300000000000000" pitchFamily="34" charset="-128"/>
+                          <a:ea typeface="Adobe Clean Han Light" panose="020B0300000000000000" pitchFamily="34" charset="-128"/>
                           <a:cs typeface="AdobeClean-Light"/>
                         </a:rPr>
-                        <a:t>  Business day /   </a:t>
+                        <a:t>  営業日／   </a:t>
                       </a:r>
                     </a:p>
                     <a:p>
@@ -8810,19 +7902,16 @@
                         </a:spcBef>
                       </a:pPr>
                       <a:r>
-                        <a:rPr lang="en-US" sz="900" spc="0" dirty="0">
+                        <a:rPr lang="ja-JP" sz="900" dirty="0">
                           <a:solidFill>
                             <a:srgbClr val="020302"/>
                           </a:solidFill>
-                          <a:latin typeface="AdobeClean-Light"/>
+                          <a:latin typeface="Adobe Clean Han Light" panose="020B0300000000000000" pitchFamily="34" charset="-128"/>
+                          <a:ea typeface="Adobe Clean Han Light" panose="020B0300000000000000" pitchFamily="34" charset="-128"/>
                           <a:cs typeface="AdobeClean-Light"/>
                         </a:rPr>
-                        <a:t>1 day </a:t>
+                        <a:t>1 日 </a:t>
                       </a:r>
-                      <a:endParaRPr lang="en-US" sz="900" spc="0" dirty="0">
-                        <a:latin typeface="AdobeClean-Light"/>
-                        <a:cs typeface="AdobeClean-Light"/>
-                      </a:endParaRPr>
                     </a:p>
                   </a:txBody>
                   <a:tcPr marL="0" marR="0" marT="0" marB="0" anchor="ctr">
@@ -8857,7 +7946,7 @@
                     <a:bodyPr/>
                     <a:lstStyle/>
                     <a:p>
-                      <a:pPr marL="0" marR="223520" indent="-202565" algn="ctr">
+                      <a:pPr marL="0" marR="223520" indent="-202565" algn="l" rtl="0">
                         <a:lnSpc>
                           <a:spcPct val="100000"/>
                         </a:lnSpc>
@@ -8909,7 +7998,7 @@
                     <a:bodyPr/>
                     <a:lstStyle/>
                     <a:p>
-                      <a:pPr marL="0" marR="223520" indent="-202565" algn="ctr">
+                      <a:pPr marL="0" marR="223520" indent="-202565" algn="l" rtl="0">
                         <a:lnSpc>
                           <a:spcPct val="100000"/>
                         </a:lnSpc>
@@ -8958,7 +8047,7 @@
                     <a:bodyPr/>
                     <a:lstStyle/>
                     <a:p>
-                      <a:pPr marL="0" marR="223520" indent="-202565" algn="ctr">
+                      <a:pPr marL="0" marR="223520" indent="-202565" algn="l" rtl="0">
                         <a:lnSpc>
                           <a:spcPct val="100000"/>
                         </a:lnSpc>
@@ -9079,7 +8168,7 @@
         <p:spPr>
           <a:xfrm>
             <a:off x="406513" y="437523"/>
-            <a:ext cx="2159245" cy="307777"/>
+            <a:ext cx="2857514" cy="307777"/>
           </a:xfrm>
           <a:prstGeom prst="rect">
             <a:avLst/>
@@ -9100,19 +8189,16 @@
               </a:spcBef>
             </a:pPr>
             <a:r>
-              <a:rPr lang="en-US" sz="1400" b="1" spc="-10" dirty="0">
+              <a:rPr lang="ja-JP" sz="1400" b="1">
                 <a:solidFill>
                   <a:srgbClr val="020302"/>
                 </a:solidFill>
-                <a:latin typeface="Adobe Clean"/>
+                <a:latin typeface="Adobe Clean Han Regular" panose="020B0500000000000000" pitchFamily="34" charset="-128"/>
+                <a:ea typeface="Adobe Clean Han Regular" panose="020B0500000000000000" pitchFamily="34" charset="-128"/>
                 <a:cs typeface="Adobe Clean"/>
               </a:rPr>
-              <a:t>Enterprise Support Features</a:t>
+              <a:t>エンタープライズサポートの特長</a:t>
             </a:r>
-            <a:endParaRPr lang="en-US" sz="1400" dirty="0">
-              <a:latin typeface="Adobe Clean"/>
-              <a:cs typeface="Adobe Clean"/>
-            </a:endParaRPr>
           </a:p>
         </p:txBody>
       </p:sp>
@@ -9130,8 +8216,8 @@
         </p:nvSpPr>
         <p:spPr>
           <a:xfrm>
-            <a:off x="2176351" y="4316581"/>
-            <a:ext cx="1036205" cy="197490"/>
+            <a:off x="2131901" y="4316581"/>
+            <a:ext cx="1362377" cy="182101"/>
           </a:xfrm>
           <a:prstGeom prst="rect">
             <a:avLst/>
@@ -9152,149 +8238,16 @@
               </a:spcBef>
             </a:pPr>
             <a:r>
-              <a:rPr sz="1200" b="1" spc="-20" dirty="0">
+              <a:rPr lang="ja-JP" sz="1100" b="1" dirty="0">
                 <a:solidFill>
                   <a:srgbClr val="020302"/>
                 </a:solidFill>
-                <a:latin typeface="Adobe Clean"/>
+                <a:latin typeface="Adobe Clean Han Regular" panose="020B0500000000000000" pitchFamily="34" charset="-128"/>
+                <a:ea typeface="Adobe Clean Han Regular" panose="020B0500000000000000" pitchFamily="34" charset="-128"/>
                 <a:cs typeface="Adobe Clean"/>
               </a:rPr>
-              <a:t>S</a:t>
+              <a:t>サービスレビュー</a:t>
             </a:r>
-            <a:r>
-              <a:rPr sz="1200" b="1" spc="-25" dirty="0">
-                <a:solidFill>
-                  <a:srgbClr val="020302"/>
-                </a:solidFill>
-                <a:latin typeface="Adobe Clean"/>
-                <a:cs typeface="Adobe Clean"/>
-              </a:rPr>
-              <a:t>e</a:t>
-            </a:r>
-            <a:r>
-              <a:rPr sz="1200" b="1" spc="-20" dirty="0">
-                <a:solidFill>
-                  <a:srgbClr val="020302"/>
-                </a:solidFill>
-                <a:latin typeface="Adobe Clean"/>
-                <a:cs typeface="Adobe Clean"/>
-              </a:rPr>
-              <a:t>r</a:t>
-            </a:r>
-            <a:r>
-              <a:rPr sz="1200" b="1" spc="-25" dirty="0">
-                <a:solidFill>
-                  <a:srgbClr val="020302"/>
-                </a:solidFill>
-                <a:latin typeface="Adobe Clean"/>
-                <a:cs typeface="Adobe Clean"/>
-              </a:rPr>
-              <a:t>v</a:t>
-            </a:r>
-            <a:r>
-              <a:rPr sz="1200" b="1" spc="-20" dirty="0">
-                <a:solidFill>
-                  <a:srgbClr val="020302"/>
-                </a:solidFill>
-                <a:latin typeface="Adobe Clean"/>
-                <a:cs typeface="Adobe Clean"/>
-              </a:rPr>
-              <a:t>i</a:t>
-            </a:r>
-            <a:r>
-              <a:rPr sz="1200" b="1" spc="-30" dirty="0">
-                <a:solidFill>
-                  <a:srgbClr val="020302"/>
-                </a:solidFill>
-                <a:latin typeface="Adobe Clean"/>
-                <a:cs typeface="Adobe Clean"/>
-              </a:rPr>
-              <a:t>c</a:t>
-            </a:r>
-            <a:r>
-              <a:rPr sz="1200" b="1" dirty="0">
-                <a:solidFill>
-                  <a:srgbClr val="020302"/>
-                </a:solidFill>
-                <a:latin typeface="Adobe Clean"/>
-                <a:cs typeface="Adobe Clean"/>
-              </a:rPr>
-              <a:t>e</a:t>
-            </a:r>
-            <a:r>
-              <a:rPr sz="1200" b="1" spc="-80" dirty="0">
-                <a:solidFill>
-                  <a:srgbClr val="020302"/>
-                </a:solidFill>
-                <a:latin typeface="Adobe Clean"/>
-                <a:cs typeface="Adobe Clean"/>
-              </a:rPr>
-              <a:t> </a:t>
-            </a:r>
-            <a:r>
-              <a:rPr sz="1200" b="1" spc="-20" dirty="0">
-                <a:solidFill>
-                  <a:srgbClr val="020302"/>
-                </a:solidFill>
-                <a:latin typeface="Adobe Clean"/>
-                <a:cs typeface="Adobe Clean"/>
-              </a:rPr>
-              <a:t>R</a:t>
-            </a:r>
-            <a:r>
-              <a:rPr sz="1200" b="1" spc="-25" dirty="0">
-                <a:solidFill>
-                  <a:srgbClr val="020302"/>
-                </a:solidFill>
-                <a:latin typeface="Adobe Clean"/>
-                <a:cs typeface="Adobe Clean"/>
-              </a:rPr>
-              <a:t>e</a:t>
-            </a:r>
-            <a:r>
-              <a:rPr sz="1200" b="1" spc="-30" dirty="0">
-                <a:solidFill>
-                  <a:srgbClr val="020302"/>
-                </a:solidFill>
-                <a:latin typeface="Adobe Clean"/>
-                <a:cs typeface="Adobe Clean"/>
-              </a:rPr>
-              <a:t>v</a:t>
-            </a:r>
-            <a:r>
-              <a:rPr sz="1200" b="1" spc="-20" dirty="0">
-                <a:solidFill>
-                  <a:srgbClr val="020302"/>
-                </a:solidFill>
-                <a:latin typeface="Adobe Clean"/>
-                <a:cs typeface="Adobe Clean"/>
-              </a:rPr>
-              <a:t>i</a:t>
-            </a:r>
-            <a:r>
-              <a:rPr sz="1200" b="1" spc="-25" dirty="0">
-                <a:solidFill>
-                  <a:srgbClr val="020302"/>
-                </a:solidFill>
-                <a:latin typeface="Adobe Clean"/>
-                <a:cs typeface="Adobe Clean"/>
-              </a:rPr>
-              <a:t>ew</a:t>
-            </a:r>
-            <a:r>
-              <a:rPr sz="1200" b="1" dirty="0">
-                <a:solidFill>
-                  <a:srgbClr val="020302"/>
-                </a:solidFill>
-                <a:latin typeface="Adobe Clean"/>
-                <a:cs typeface="Adobe Clean"/>
-              </a:rPr>
-              <a:t>s</a:t>
-            </a:r>
-            <a:endParaRPr sz="1200" dirty="0">
-              <a:latin typeface="Adobe Clean"/>
-              <a:cs typeface="Adobe Clean"/>
-            </a:endParaRPr>
           </a:p>
         </p:txBody>
       </p:sp>
@@ -9312,8 +8265,8 @@
         </p:nvSpPr>
         <p:spPr>
           <a:xfrm>
-            <a:off x="1735472" y="4623962"/>
-            <a:ext cx="1985957" cy="782265"/>
+            <a:off x="1681877" y="4651394"/>
+            <a:ext cx="2187549" cy="743793"/>
           </a:xfrm>
           <a:prstGeom prst="rect">
             <a:avLst/>
@@ -9334,15 +8287,12 @@
               </a:spcBef>
             </a:pPr>
             <a:r>
-              <a:rPr lang="en-US" sz="1000" dirty="0">
-                <a:latin typeface="Adobe Clean Light" panose="020B0303020404020204" pitchFamily="34" charset="0"/>
+              <a:rPr lang="ja-JP" sz="950" dirty="0">
+                <a:latin typeface="Adobe Clean Han Light" panose="020B0300000000000000" pitchFamily="34" charset="-128"/>
+                <a:ea typeface="Adobe Clean Han Light" panose="020B0300000000000000" pitchFamily="34" charset="-128"/>
               </a:rPr>
-              <a:t>Comprehensive bi-annual review of Enterprise program services, benefits and support performance. May be combined with other strategic business reviews held with Adobe.</a:t>
+              <a:t>エンタープライズプログラムのサービス、メリットおよびサポート実績ついて、半年ごとに包括的にレビューします。アドビが実施する他の戦略的ビジネスレビューと組み合わせることもできます。</a:t>
             </a:r>
-            <a:endParaRPr lang="en-US" sz="1000" dirty="0">
-              <a:latin typeface="Adobe Clean Light" panose="020B0303020404020204" pitchFamily="34" charset="0"/>
-              <a:cs typeface="AdobeClean-Light"/>
-            </a:endParaRPr>
           </a:p>
         </p:txBody>
       </p:sp>
@@ -9361,7 +8311,7 @@
         <p:spPr>
           <a:xfrm>
             <a:off x="5784382" y="2687853"/>
-            <a:ext cx="1036205" cy="197490"/>
+            <a:ext cx="1036205" cy="182101"/>
           </a:xfrm>
           <a:prstGeom prst="rect">
             <a:avLst/>
@@ -9382,99 +8332,16 @@
               </a:spcBef>
             </a:pPr>
             <a:r>
-              <a:rPr lang="en-US" sz="1200" b="1" spc="-20" dirty="0">
+              <a:rPr lang="ja-JP" sz="1100" b="1">
                 <a:solidFill>
                   <a:srgbClr val="020302"/>
                 </a:solidFill>
-                <a:latin typeface="Adobe Clean"/>
+                <a:latin typeface="Adobe Clean Han Regular" panose="020B0500000000000000" pitchFamily="34" charset="-128"/>
+                <a:ea typeface="Adobe Clean Han Regular" panose="020B0500000000000000" pitchFamily="34" charset="-128"/>
                 <a:cs typeface="Adobe Clean"/>
               </a:rPr>
-              <a:t>Cas</a:t>
+              <a:t>ケースレビュー</a:t>
             </a:r>
-            <a:r>
-              <a:rPr sz="1200" b="1" dirty="0">
-                <a:solidFill>
-                  <a:srgbClr val="020302"/>
-                </a:solidFill>
-                <a:latin typeface="Adobe Clean"/>
-                <a:cs typeface="Adobe Clean"/>
-              </a:rPr>
-              <a:t>e</a:t>
-            </a:r>
-            <a:r>
-              <a:rPr sz="1200" b="1" spc="-80" dirty="0">
-                <a:solidFill>
-                  <a:srgbClr val="020302"/>
-                </a:solidFill>
-                <a:latin typeface="Adobe Clean"/>
-                <a:cs typeface="Adobe Clean"/>
-              </a:rPr>
-              <a:t> </a:t>
-            </a:r>
-            <a:r>
-              <a:rPr sz="1200" b="1" spc="-20" dirty="0">
-                <a:solidFill>
-                  <a:srgbClr val="020302"/>
-                </a:solidFill>
-                <a:latin typeface="Adobe Clean"/>
-                <a:cs typeface="Adobe Clean"/>
-              </a:rPr>
-              <a:t>R</a:t>
-            </a:r>
-            <a:r>
-              <a:rPr sz="1200" b="1" spc="-25" dirty="0">
-                <a:solidFill>
-                  <a:srgbClr val="020302"/>
-                </a:solidFill>
-                <a:latin typeface="Adobe Clean"/>
-                <a:cs typeface="Adobe Clean"/>
-              </a:rPr>
-              <a:t>e</a:t>
-            </a:r>
-            <a:r>
-              <a:rPr sz="1200" b="1" spc="-30" dirty="0">
-                <a:solidFill>
-                  <a:srgbClr val="020302"/>
-                </a:solidFill>
-                <a:latin typeface="Adobe Clean"/>
-                <a:cs typeface="Adobe Clean"/>
-              </a:rPr>
-              <a:t>v</a:t>
-            </a:r>
-            <a:r>
-              <a:rPr sz="1200" b="1" spc="-20" dirty="0">
-                <a:solidFill>
-                  <a:srgbClr val="020302"/>
-                </a:solidFill>
-                <a:latin typeface="Adobe Clean"/>
-                <a:cs typeface="Adobe Clean"/>
-              </a:rPr>
-              <a:t>i</a:t>
-            </a:r>
-            <a:r>
-              <a:rPr sz="1200" b="1" spc="-25" dirty="0">
-                <a:solidFill>
-                  <a:srgbClr val="020302"/>
-                </a:solidFill>
-                <a:latin typeface="Adobe Clean"/>
-                <a:cs typeface="Adobe Clean"/>
-              </a:rPr>
-              <a:t>ew</a:t>
-            </a:r>
-            <a:r>
-              <a:rPr sz="1200" b="1" dirty="0">
-                <a:solidFill>
-                  <a:srgbClr val="020302"/>
-                </a:solidFill>
-                <a:latin typeface="Adobe Clean"/>
-                <a:cs typeface="Adobe Clean"/>
-              </a:rPr>
-              <a:t>s</a:t>
-            </a:r>
-            <a:endParaRPr sz="1200" dirty="0">
-              <a:latin typeface="Adobe Clean"/>
-              <a:cs typeface="Adobe Clean"/>
-            </a:endParaRPr>
           </a:p>
         </p:txBody>
       </p:sp>
@@ -9493,7 +8360,7 @@
         <p:spPr>
           <a:xfrm>
             <a:off x="5356260" y="3033091"/>
-            <a:ext cx="2231236" cy="782265"/>
+            <a:ext cx="2231236" cy="936154"/>
           </a:xfrm>
           <a:prstGeom prst="rect">
             <a:avLst/>
@@ -9514,24 +8381,22 @@
               </a:spcBef>
             </a:pPr>
             <a:r>
-              <a:rPr lang="en-US" sz="1000" dirty="0">
-                <a:latin typeface="Adobe Clean Light" panose="020B0303020404020204" pitchFamily="34" charset="0"/>
+              <a:rPr lang="ja-JP" sz="1000">
+                <a:latin typeface="Adobe Clean Han Light" panose="020B0300000000000000" pitchFamily="34" charset="-128"/>
+                <a:ea typeface="Adobe Clean Han Light" panose="020B0300000000000000" pitchFamily="34" charset="-128"/>
               </a:rPr>
-              <a:t>Regularly scheduled reviews of open support requests, ensuring customer alignment on case description, business impact, status, priority and agreement on next steps required to ensure a timely resolution</a:t>
+              <a:t>オープン中のサポートリクエストを定期的にレビューし、ケースの説明、ビジネスへの影響、ステータス、優先度、タイムリーな解決に必要な次のステップへの合意について、お客様と調整します</a:t>
             </a:r>
             <a:r>
-              <a:rPr lang="en-US" sz="1000" dirty="0">
+              <a:rPr lang="ja-JP" sz="1000">
                 <a:solidFill>
                   <a:srgbClr val="4B4B4B"/>
                 </a:solidFill>
-                <a:latin typeface="Adobe Clean Light" panose="020B0303020404020204" pitchFamily="34" charset="0"/>
+                <a:latin typeface="Adobe Clean Han Light" panose="020B0300000000000000" pitchFamily="34" charset="-128"/>
+                <a:ea typeface="Adobe Clean Han Light" panose="020B0300000000000000" pitchFamily="34" charset="-128"/>
               </a:rPr>
-              <a:t>.</a:t>
+              <a:t>。</a:t>
             </a:r>
-            <a:endParaRPr sz="1000" dirty="0">
-              <a:latin typeface="Adobe Clean Light" panose="020B0303020404020204" pitchFamily="34" charset="0"/>
-              <a:cs typeface="AdobeClean-Light"/>
-            </a:endParaRPr>
           </a:p>
         </p:txBody>
       </p:sp>
@@ -9599,7 +8464,10 @@
             <a:bodyPr wrap="square" lIns="0" tIns="0" rIns="0" bIns="0" rtlCol="0"/>
             <a:lstStyle/>
             <a:p>
-              <a:endParaRPr/>
+              <a:endParaRPr>
+                <a:latin typeface="Adobe Clean Han Regular" panose="020B0500000000000000" pitchFamily="34" charset="-128"/>
+                <a:ea typeface="Adobe Clean Han Regular" panose="020B0500000000000000" pitchFamily="34" charset="-128"/>
+              </a:endParaRPr>
             </a:p>
           </p:txBody>
         </p:sp>
@@ -9657,7 +8525,10 @@
             <a:bodyPr wrap="square" lIns="0" tIns="0" rIns="0" bIns="0" rtlCol="0"/>
             <a:lstStyle/>
             <a:p>
-              <a:endParaRPr/>
+              <a:endParaRPr>
+                <a:latin typeface="Adobe Clean Han Regular" panose="020B0500000000000000" pitchFamily="34" charset="-128"/>
+                <a:ea typeface="Adobe Clean Han Regular" panose="020B0500000000000000" pitchFamily="34" charset="-128"/>
+              </a:endParaRPr>
             </a:p>
           </p:txBody>
         </p:sp>
@@ -9675,9 +8546,9 @@
           <p:nvPr/>
         </p:nvSpPr>
         <p:spPr>
-          <a:xfrm>
-            <a:off x="449714" y="6221752"/>
-            <a:ext cx="1957022" cy="45719"/>
+          <a:xfrm flipV="1">
+            <a:off x="449714" y="6176033"/>
+            <a:ext cx="1726637" cy="45719"/>
           </a:xfrm>
           <a:custGeom>
             <a:avLst/>
@@ -9706,7 +8577,10 @@
           <a:bodyPr wrap="square" lIns="0" tIns="0" rIns="0" bIns="0" rtlCol="0"/>
           <a:lstStyle/>
           <a:p>
-            <a:endParaRPr/>
+            <a:endParaRPr>
+              <a:latin typeface="Adobe Clean Han Regular" panose="020B0500000000000000" pitchFamily="34" charset="-128"/>
+              <a:ea typeface="Adobe Clean Han Regular" panose="020B0500000000000000" pitchFamily="34" charset="-128"/>
+            </a:endParaRPr>
           </a:p>
         </p:txBody>
       </p:sp>
@@ -9725,7 +8599,7 @@
         <p:spPr>
           <a:xfrm>
             <a:off x="338363" y="5907208"/>
-            <a:ext cx="2180405" cy="307777"/>
+            <a:ext cx="1856598" cy="307777"/>
           </a:xfrm>
           <a:prstGeom prst="rect">
             <a:avLst/>
@@ -9746,19 +8620,16 @@
               </a:spcBef>
             </a:pPr>
             <a:r>
-              <a:rPr lang="en-US" sz="1400" b="1" spc="-10" dirty="0">
+              <a:rPr lang="ja-JP" sz="1400" b="1">
                 <a:solidFill>
                   <a:srgbClr val="020302"/>
                 </a:solidFill>
-                <a:latin typeface="Adobe Clean"/>
+                <a:latin typeface="Adobe Clean Han Regular" panose="020B0500000000000000" pitchFamily="34" charset="-128"/>
+                <a:ea typeface="Adobe Clean Han Regular" panose="020B0500000000000000" pitchFamily="34" charset="-128"/>
                 <a:cs typeface="Adobe Clean"/>
               </a:rPr>
-              <a:t>Standard Support Features</a:t>
+              <a:t>標準サポートの特長</a:t>
             </a:r>
-            <a:endParaRPr lang="en-US" sz="1400" dirty="0">
-              <a:latin typeface="Adobe Clean"/>
-              <a:cs typeface="Adobe Clean"/>
-            </a:endParaRPr>
           </a:p>
         </p:txBody>
       </p:sp>
@@ -9793,7 +8664,10 @@
           <a:bodyPr wrap="square" lIns="0" tIns="0" rIns="0" bIns="0" rtlCol="0"/>
           <a:lstStyle/>
           <a:p>
-            <a:endParaRPr/>
+            <a:endParaRPr>
+              <a:latin typeface="Adobe Clean Han Regular" panose="020B0500000000000000" pitchFamily="34" charset="-128"/>
+              <a:ea typeface="Adobe Clean Han Regular" panose="020B0500000000000000" pitchFamily="34" charset="-128"/>
+            </a:endParaRPr>
           </a:p>
         </p:txBody>
       </p:sp>
@@ -9848,7 +8722,10 @@
           <a:bodyPr wrap="square" lIns="0" tIns="0" rIns="0" bIns="0" rtlCol="0"/>
           <a:lstStyle/>
           <a:p>
-            <a:endParaRPr/>
+            <a:endParaRPr>
+              <a:latin typeface="Adobe Clean Han Regular" panose="020B0500000000000000" pitchFamily="34" charset="-128"/>
+              <a:ea typeface="Adobe Clean Han Regular" panose="020B0500000000000000" pitchFamily="34" charset="-128"/>
+            </a:endParaRPr>
           </a:p>
         </p:txBody>
       </p:sp>
@@ -9903,7 +8780,10 @@
           <a:bodyPr wrap="square" lIns="0" tIns="0" rIns="0" bIns="0" rtlCol="0"/>
           <a:lstStyle/>
           <a:p>
-            <a:endParaRPr/>
+            <a:endParaRPr>
+              <a:latin typeface="Adobe Clean Han Regular" panose="020B0500000000000000" pitchFamily="34" charset="-128"/>
+              <a:ea typeface="Adobe Clean Han Regular" panose="020B0500000000000000" pitchFamily="34" charset="-128"/>
+            </a:endParaRPr>
           </a:p>
         </p:txBody>
       </p:sp>
@@ -9921,8 +8801,8 @@
         </p:nvSpPr>
         <p:spPr>
           <a:xfrm>
-            <a:off x="4475200" y="4313460"/>
-            <a:ext cx="1827285" cy="197490"/>
+            <a:off x="4526000" y="4313460"/>
+            <a:ext cx="1827285" cy="182101"/>
           </a:xfrm>
           <a:prstGeom prst="rect">
             <a:avLst/>
@@ -9943,18 +8823,16 @@
               </a:spcBef>
             </a:pPr>
             <a:r>
-              <a:rPr lang="en-US" sz="1200" b="1" spc="-20">
+              <a:rPr lang="ja-JP" sz="1100" b="1">
                 <a:solidFill>
                   <a:srgbClr val="020302"/>
                 </a:solidFill>
-                <a:latin typeface="Adobe Clean"/>
+                <a:latin typeface="Adobe Clean Han Regular" panose="020B0500000000000000" pitchFamily="34" charset="-128"/>
+                <a:ea typeface="Adobe Clean Han Regular" panose="020B0500000000000000" pitchFamily="34" charset="-128"/>
                 <a:cs typeface="Adobe Clean"/>
               </a:rPr>
-              <a:t>In-Region Support Option</a:t>
+              <a:t>地域内サポートオプション</a:t>
             </a:r>
-            <a:endParaRPr lang="en-US" sz="1200">
-              <a:latin typeface="Adobe Clean"/>
-            </a:endParaRPr>
           </a:p>
         </p:txBody>
       </p:sp>
@@ -9972,8 +8850,8 @@
         </p:nvSpPr>
         <p:spPr>
           <a:xfrm>
-            <a:off x="4083049" y="4621777"/>
-            <a:ext cx="2151796" cy="628377"/>
+            <a:off x="4133849" y="4667497"/>
+            <a:ext cx="2151796" cy="743793"/>
           </a:xfrm>
           <a:prstGeom prst="rect">
             <a:avLst/>
@@ -9994,10 +8872,11 @@
               </a:spcBef>
             </a:pPr>
             <a:r>
-              <a:rPr lang="en-US" sz="1000" dirty="0">
-                <a:latin typeface="Adobe Clean Light" panose="020B0303020404020204" pitchFamily="34" charset="0"/>
+              <a:rPr lang="ja-JP" sz="950" dirty="0">
+                <a:latin typeface="Adobe Clean Han Light" panose="020B0300000000000000" pitchFamily="34" charset="-128"/>
+                <a:ea typeface="Adobe Clean Han Light" panose="020B0300000000000000" pitchFamily="34" charset="-128"/>
               </a:rPr>
-              <a:t>Receive support from members of our Adobe Support Team located within your global region. This may include in-country and/or in-language support. </a:t>
+              <a:t>お住まいのグローバル地域内のアドビサポートチームのメンバーからサポートを受けることができます。国内／お客様の言語によるサポートを受けられる場合があります。 </a:t>
             </a:r>
           </a:p>
         </p:txBody>
@@ -10053,7 +8932,10 @@
           <a:bodyPr wrap="square" lIns="0" tIns="0" rIns="0" bIns="0" rtlCol="0"/>
           <a:lstStyle/>
           <a:p>
-            <a:endParaRPr/>
+            <a:endParaRPr>
+              <a:latin typeface="Adobe Clean Han Regular" panose="020B0500000000000000" pitchFamily="34" charset="-128"/>
+              <a:ea typeface="Adobe Clean Han Regular" panose="020B0500000000000000" pitchFamily="34" charset="-128"/>
+            </a:endParaRPr>
           </a:p>
         </p:txBody>
       </p:sp>
@@ -10073,8 +8955,8 @@
         </p:nvSpPr>
         <p:spPr>
           <a:xfrm>
-            <a:off x="832813" y="6847686"/>
-            <a:ext cx="1326203" cy="184666"/>
+            <a:off x="832813" y="6682586"/>
+            <a:ext cx="1847865" cy="184666"/>
           </a:xfrm>
           <a:prstGeom prst="rect">
             <a:avLst/>
@@ -10095,12 +8977,12 @@
               </a:spcAft>
             </a:pPr>
             <a:r>
-              <a:rPr lang="en-US" sz="1200" b="1" dirty="0">
-                <a:latin typeface="Adobe Clean" panose="020B0503020404020204" pitchFamily="34" charset="0"/>
-                <a:ea typeface="Open Sans" pitchFamily="34" charset="0"/>
+              <a:rPr lang="ja-JP" sz="1200" b="1" dirty="0">
+                <a:latin typeface="Adobe Clean Han Regular" panose="020B0500000000000000" pitchFamily="34" charset="-128"/>
+                <a:ea typeface="Adobe Clean Han Regular" panose="020B0500000000000000" pitchFamily="34" charset="-128"/>
                 <a:cs typeface="Open Sans" pitchFamily="34" charset="0"/>
               </a:rPr>
-              <a:t>Community Forums</a:t>
+              <a:t>コミュニティフォーラム</a:t>
             </a:r>
           </a:p>
         </p:txBody>
@@ -10119,8 +9001,8 @@
         </p:nvSpPr>
         <p:spPr>
           <a:xfrm>
-            <a:off x="405282" y="7089855"/>
-            <a:ext cx="2148840" cy="959237"/>
+            <a:off x="405282" y="6924755"/>
+            <a:ext cx="2148840" cy="1113125"/>
           </a:xfrm>
           <a:prstGeom prst="rect">
             <a:avLst/>
@@ -10133,13 +9015,14 @@
           <a:lstStyle/>
           <a:p>
             <a:r>
-              <a:rPr lang="en-US" sz="1000" dirty="0">
+              <a:rPr lang="ja-JP" sz="1000">
                 <a:solidFill>
                   <a:srgbClr val="000000"/>
                 </a:solidFill>
-                <a:latin typeface="Adobe Clean Light" panose="020B0303020404020204" pitchFamily="34" charset="0"/>
+                <a:latin typeface="Adobe Clean Han Light" panose="020B0300000000000000" pitchFamily="34" charset="-128"/>
+                <a:ea typeface="Adobe Clean Han Light" panose="020B0300000000000000" pitchFamily="34" charset="-128"/>
               </a:rPr>
-              <a:t>Continuous online access to a growing database of technical solutions, product documentation, FAQs and more. Connect with other customers on Adobe Community to share best practices and lessons learned..</a:t>
+              <a:t>テクニカルソリューション、製品ドキュメント、FAQ などの増大するデータベースにオンラインで継続的にアクセスできます。また、アドビコミュニティで他のお客様と繋がり、ベストプラクティスや学習した内容を共有できます。</a:t>
             </a:r>
           </a:p>
         </p:txBody>
@@ -10160,8 +9043,8 @@
         </p:nvSpPr>
         <p:spPr>
           <a:xfrm>
-            <a:off x="3339528" y="6846032"/>
-            <a:ext cx="1013098" cy="184666"/>
+            <a:off x="3339528" y="6680932"/>
+            <a:ext cx="1745671" cy="184666"/>
           </a:xfrm>
           <a:prstGeom prst="rect">
             <a:avLst/>
@@ -10182,12 +9065,12 @@
               </a:spcAft>
             </a:pPr>
             <a:r>
-              <a:rPr lang="en-US" sz="1200" b="1" dirty="0">
-                <a:latin typeface="Adobe Clean" panose="020B0503020404020204" pitchFamily="34" charset="0"/>
-                <a:ea typeface="Open Sans" pitchFamily="34" charset="0"/>
+              <a:rPr lang="ja-JP" sz="1200" b="1">
+                <a:latin typeface="Adobe Clean Han Regular" panose="020B0500000000000000" pitchFamily="34" charset="-128"/>
+                <a:ea typeface="Adobe Clean Han Regular" panose="020B0500000000000000" pitchFamily="34" charset="-128"/>
                 <a:cs typeface="Open Sans" pitchFamily="34" charset="0"/>
               </a:rPr>
-              <a:t>Self-Help Portal</a:t>
+              <a:t>セルフサービスポータル</a:t>
             </a:r>
           </a:p>
         </p:txBody>
@@ -10206,8 +9089,8 @@
         </p:nvSpPr>
         <p:spPr>
           <a:xfrm>
-            <a:off x="2894025" y="7079726"/>
-            <a:ext cx="2148840" cy="805349"/>
+            <a:off x="2894025" y="6914626"/>
+            <a:ext cx="2148840" cy="1113125"/>
           </a:xfrm>
           <a:prstGeom prst="rect">
             <a:avLst/>
@@ -10220,13 +9103,14 @@
           <a:lstStyle/>
           <a:p>
             <a:r>
-              <a:rPr lang="en-US" sz="1000" dirty="0">
+              <a:rPr lang="ja-JP" sz="1000">
                 <a:solidFill>
                   <a:srgbClr val="000000"/>
                 </a:solidFill>
-                <a:latin typeface="Adobe Clean Light" panose="020B0303020404020204" pitchFamily="34" charset="0"/>
+                <a:latin typeface="Adobe Clean Han Light" panose="020B0300000000000000" pitchFamily="34" charset="-128"/>
+                <a:ea typeface="Adobe Clean Han Light" panose="020B0300000000000000" pitchFamily="34" charset="-128"/>
               </a:rPr>
-              <a:t>On-demand access to the online Self-help Support Portal review case status, and browse other resources, like our  news and alerts, knowledge base, featured tips, and more.</a:t>
+              <a:t>オンラインのセルフサービスサポートポータルにオンデマンドでアクセスして、ケースのステータスを確認したり、その他のリソース（ニュースとアラート、ナレッジベース、注目すべきヒントなど）を参照したりできます。</a:t>
             </a:r>
           </a:p>
         </p:txBody>
@@ -10245,8 +9129,8 @@
         </p:nvSpPr>
         <p:spPr>
           <a:xfrm>
-            <a:off x="5382768" y="7055179"/>
-            <a:ext cx="2148840" cy="641201"/>
+            <a:off x="5382768" y="6890079"/>
+            <a:ext cx="2148840" cy="948978"/>
           </a:xfrm>
           <a:prstGeom prst="rect">
             <a:avLst/>
@@ -10270,104 +9154,15 @@
               </a:tabLst>
             </a:pPr>
             <a:r>
-              <a:rPr lang="en-US" sz="1000" spc="-20" dirty="0">
+              <a:rPr lang="ja-JP" sz="1000">
                 <a:solidFill>
                   <a:srgbClr val="020302"/>
                 </a:solidFill>
-                <a:latin typeface="AdobeClean-Light"/>
+                <a:latin typeface="Adobe Clean Han Light" panose="020B0300000000000000" pitchFamily="34" charset="-128"/>
+                <a:ea typeface="Adobe Clean Han Light" panose="020B0300000000000000" pitchFamily="34" charset="-128"/>
                 <a:cs typeface="AdobeClean-Light"/>
               </a:rPr>
-              <a:t>Authorized Users (Admins) can start a chat session with Adobe Support </a:t>
-            </a:r>
-            <a:r>
-              <a:rPr lang="en-US" sz="1000" spc="-5" dirty="0">
-                <a:solidFill>
-                  <a:srgbClr val="020302"/>
-                </a:solidFill>
-                <a:latin typeface="AdobeClean-Light"/>
-                <a:cs typeface="AdobeClean-Light"/>
-              </a:rPr>
-              <a:t>to </a:t>
-            </a:r>
-            <a:r>
-              <a:rPr lang="en-US" sz="1000" spc="-10" dirty="0">
-                <a:solidFill>
-                  <a:srgbClr val="020302"/>
-                </a:solidFill>
-                <a:latin typeface="AdobeClean-Light"/>
-                <a:cs typeface="AdobeClean-Light"/>
-              </a:rPr>
-              <a:t>get </a:t>
-            </a:r>
-            <a:r>
-              <a:rPr lang="en-US" sz="1000" spc="-20" dirty="0">
-                <a:solidFill>
-                  <a:srgbClr val="020302"/>
-                </a:solidFill>
-                <a:latin typeface="AdobeClean-Light"/>
-                <a:cs typeface="AdobeClean-Light"/>
-              </a:rPr>
-              <a:t>answers</a:t>
-            </a:r>
-            <a:r>
-              <a:rPr lang="en-US" sz="1000" spc="-45" dirty="0">
-                <a:solidFill>
-                  <a:srgbClr val="020302"/>
-                </a:solidFill>
-                <a:latin typeface="AdobeClean-Light"/>
-                <a:cs typeface="AdobeClean-Light"/>
-              </a:rPr>
-              <a:t> and </a:t>
-            </a:r>
-            <a:r>
-              <a:rPr lang="en-US" sz="1000" spc="-15" dirty="0">
-                <a:solidFill>
-                  <a:srgbClr val="020302"/>
-                </a:solidFill>
-                <a:latin typeface="AdobeClean-Light"/>
-                <a:cs typeface="AdobeClean-Light"/>
-              </a:rPr>
-              <a:t>help </a:t>
-            </a:r>
-            <a:r>
-              <a:rPr lang="en-US" sz="1000" spc="-10" dirty="0">
-                <a:solidFill>
-                  <a:srgbClr val="020302"/>
-                </a:solidFill>
-                <a:latin typeface="AdobeClean-Light"/>
-                <a:cs typeface="AdobeClean-Light"/>
-              </a:rPr>
-              <a:t>with</a:t>
-            </a:r>
-            <a:r>
-              <a:rPr lang="en-US" sz="1000" spc="85" dirty="0">
-                <a:solidFill>
-                  <a:srgbClr val="020302"/>
-                </a:solidFill>
-                <a:latin typeface="AdobeClean-Light"/>
-                <a:cs typeface="AdobeClean-Light"/>
-              </a:rPr>
-              <a:t> </a:t>
-            </a:r>
-            <a:r>
-              <a:rPr lang="en-US" sz="1000" spc="-10" dirty="0">
-                <a:solidFill>
-                  <a:srgbClr val="020302"/>
-                </a:solidFill>
-                <a:latin typeface="AdobeClean-Light"/>
-                <a:cs typeface="AdobeClean-Light"/>
-              </a:rPr>
-              <a:t>case </a:t>
-            </a:r>
-            <a:r>
-              <a:rPr lang="en-US" sz="1000" spc="-20" dirty="0">
-                <a:solidFill>
-                  <a:srgbClr val="020302"/>
-                </a:solidFill>
-                <a:latin typeface="AdobeClean-Light"/>
-                <a:cs typeface="AdobeClean-Light"/>
-              </a:rPr>
-              <a:t>submission.</a:t>
+              <a:t>承認済みユーザー（管理者）は、アドビサポートとのチャットセッションを開始して、回答やケース申請による支援を受けることができます。</a:t>
             </a:r>
           </a:p>
           <a:p>
@@ -10383,19 +9178,16 @@
               </a:tabLst>
             </a:pPr>
             <a:r>
-              <a:rPr lang="en-US" sz="1000" i="1" spc="-10" dirty="0">
+              <a:rPr lang="ja-JP" sz="1000" i="1">
                 <a:solidFill>
                   <a:srgbClr val="7A7A7A"/>
                 </a:solidFill>
-                <a:latin typeface="AdobeClean-LightIt"/>
+                <a:latin typeface="Adobe Clean Han Light" panose="020B0300000000000000" pitchFamily="34" charset="-128"/>
+                <a:ea typeface="Adobe Clean Han Light" panose="020B0300000000000000" pitchFamily="34" charset="-128"/>
                 <a:cs typeface="AdobeClean-LightIt"/>
               </a:rPr>
-              <a:t>Subject to local hours</a:t>
+              <a:t>現地時間に準じます</a:t>
             </a:r>
-            <a:endParaRPr lang="en-US" sz="1000" dirty="0">
-              <a:latin typeface="AdobeClean-Light"/>
-              <a:cs typeface="AdobeClean-Light"/>
-            </a:endParaRPr>
           </a:p>
         </p:txBody>
       </p:sp>
@@ -10415,8 +9207,8 @@
         </p:nvSpPr>
         <p:spPr>
           <a:xfrm>
-            <a:off x="5897720" y="6833800"/>
-            <a:ext cx="841577" cy="184666"/>
+            <a:off x="5897720" y="6668700"/>
+            <a:ext cx="1269578" cy="184666"/>
           </a:xfrm>
           <a:prstGeom prst="rect">
             <a:avLst/>
@@ -10437,12 +9229,12 @@
               </a:spcAft>
             </a:pPr>
             <a:r>
-              <a:rPr lang="en-US" sz="1200" b="1" dirty="0">
-                <a:latin typeface="Adobe Clean" panose="020B0503020404020204" pitchFamily="34" charset="0"/>
-                <a:ea typeface="Open Sans" pitchFamily="34" charset="0"/>
+              <a:rPr lang="ja-JP" sz="1200" b="1">
+                <a:latin typeface="Adobe Clean Han Regular" panose="020B0500000000000000" pitchFamily="34" charset="-128"/>
+                <a:ea typeface="Adobe Clean Han Regular" panose="020B0500000000000000" pitchFamily="34" charset="-128"/>
                 <a:cs typeface="Open Sans" pitchFamily="34" charset="0"/>
               </a:rPr>
-              <a:t>Chat Support</a:t>
+              <a:t>チャットサポート</a:t>
             </a:r>
           </a:p>
         </p:txBody>
@@ -10485,12 +9277,12 @@
               </a:spcAft>
             </a:pPr>
             <a:r>
-              <a:rPr lang="en-US" sz="1200" b="1" dirty="0">
-                <a:latin typeface="Adobe Clean" panose="020B0503020404020204" pitchFamily="34" charset="0"/>
-                <a:ea typeface="Open Sans" pitchFamily="34" charset="0"/>
+              <a:rPr lang="ja-JP" sz="1200" b="1">
+                <a:latin typeface="Adobe Clean Han Regular" panose="020B0500000000000000" pitchFamily="34" charset="-128"/>
+                <a:ea typeface="Adobe Clean Han Regular" panose="020B0500000000000000" pitchFamily="34" charset="-128"/>
                 <a:cs typeface="Open Sans" pitchFamily="34" charset="0"/>
               </a:rPr>
-              <a:t>Phone Support</a:t>
+              <a:t>電話サポート</a:t>
             </a:r>
           </a:p>
         </p:txBody>
@@ -10510,7 +9302,7 @@
         <p:spPr>
           <a:xfrm>
             <a:off x="1899187" y="8834114"/>
-            <a:ext cx="2023834" cy="651460"/>
+            <a:ext cx="2023834" cy="805349"/>
           </a:xfrm>
           <a:prstGeom prst="rect">
             <a:avLst/>
@@ -10523,116 +9315,46 @@
           <a:lstStyle/>
           <a:p>
             <a:r>
-              <a:rPr lang="en-US" sz="1000" dirty="0">
+              <a:rPr lang="ja-JP" sz="1000" dirty="0">
                 <a:solidFill>
                   <a:srgbClr val="020302"/>
                 </a:solidFill>
-                <a:latin typeface="AdobeClean-Light"/>
+                <a:latin typeface="Adobe Clean Han Light" panose="020B0300000000000000" pitchFamily="34" charset="-128"/>
+                <a:ea typeface="Adobe Clean Han Light" panose="020B0300000000000000" pitchFamily="34" charset="-128"/>
               </a:rPr>
-              <a:t>Authorized Users (Admins) </a:t>
+              <a:t>承認済みユーザー（管理者）</a:t>
             </a:r>
             <a:r>
-              <a:rPr lang="en-US" sz="1000" dirty="0">
-                <a:latin typeface="Adobe Clean Light"/>
+              <a:rPr lang="ja-JP" sz="1000" dirty="0">
+                <a:latin typeface="Adobe Clean Han Light" panose="020B0300000000000000" pitchFamily="34" charset="-128"/>
+                <a:ea typeface="Adobe Clean Han Light" panose="020B0300000000000000" pitchFamily="34" charset="-128"/>
               </a:rPr>
-              <a:t>can call Adobe Support via phone </a:t>
+              <a:t>は、アドビサポートに電話して、</a:t>
             </a:r>
             <a:r>
-              <a:rPr lang="en-US" sz="1000" spc="-5" dirty="0">
+              <a:rPr lang="ja-JP" sz="1000" dirty="0">
                 <a:solidFill>
                   <a:srgbClr val="020302"/>
                 </a:solidFill>
-                <a:latin typeface="AdobeClean-Light"/>
+                <a:latin typeface="Adobe Clean Han Light" panose="020B0300000000000000" pitchFamily="34" charset="-128"/>
+                <a:ea typeface="Adobe Clean Han Light" panose="020B0300000000000000" pitchFamily="34" charset="-128"/>
                 <a:cs typeface="AdobeClean-Light"/>
               </a:rPr>
-              <a:t>to </a:t>
-            </a:r>
-            <a:r>
-              <a:rPr lang="en-US" sz="1000" spc="-10" dirty="0">
-                <a:solidFill>
-                  <a:srgbClr val="020302"/>
-                </a:solidFill>
-                <a:latin typeface="AdobeClean-Light"/>
-                <a:cs typeface="AdobeClean-Light"/>
-              </a:rPr>
-              <a:t>get </a:t>
-            </a:r>
-            <a:r>
-              <a:rPr lang="en-US" sz="1000" spc="-20" dirty="0">
-                <a:solidFill>
-                  <a:srgbClr val="020302"/>
-                </a:solidFill>
-                <a:latin typeface="AdobeClean-Light"/>
-                <a:cs typeface="AdobeClean-Light"/>
-              </a:rPr>
-              <a:t>answers</a:t>
-            </a:r>
-            <a:r>
-              <a:rPr lang="en-US" sz="1000" spc="-45" dirty="0">
-                <a:solidFill>
-                  <a:srgbClr val="020302"/>
-                </a:solidFill>
-                <a:latin typeface="AdobeClean-Light"/>
-                <a:cs typeface="AdobeClean-Light"/>
-              </a:rPr>
-              <a:t> and</a:t>
-            </a:r>
-            <a:r>
-              <a:rPr lang="en-US" sz="1000" dirty="0">
-                <a:solidFill>
-                  <a:srgbClr val="020302"/>
-                </a:solidFill>
-                <a:latin typeface="AdobeClean-Light"/>
-                <a:cs typeface="AdobeClean-Light"/>
-              </a:rPr>
-              <a:t> </a:t>
-            </a:r>
-            <a:r>
-              <a:rPr lang="en-US" sz="1000" spc="-15" dirty="0">
-                <a:solidFill>
-                  <a:srgbClr val="020302"/>
-                </a:solidFill>
-                <a:latin typeface="AdobeClean-Light"/>
-                <a:cs typeface="AdobeClean-Light"/>
-              </a:rPr>
-              <a:t>help </a:t>
-            </a:r>
-            <a:r>
-              <a:rPr lang="en-US" sz="1000" spc="-10" dirty="0">
-                <a:solidFill>
-                  <a:srgbClr val="020302"/>
-                </a:solidFill>
-                <a:latin typeface="AdobeClean-Light"/>
-                <a:cs typeface="AdobeClean-Light"/>
-              </a:rPr>
-              <a:t>with case </a:t>
-            </a:r>
-            <a:r>
-              <a:rPr lang="en-US" sz="1000" spc="-20" dirty="0">
-                <a:solidFill>
-                  <a:srgbClr val="020302"/>
-                </a:solidFill>
-                <a:latin typeface="AdobeClean-Light"/>
-                <a:cs typeface="AdobeClean-Light"/>
-              </a:rPr>
-              <a:t>submission.</a:t>
+              <a:t>回答やケース申請による支援を受けることができます。</a:t>
             </a:r>
           </a:p>
           <a:p>
             <a:r>
-              <a:rPr lang="en-US" sz="1000" i="1" spc="-10" dirty="0">
+              <a:rPr lang="ja-JP" sz="1000" i="1" dirty="0">
                 <a:solidFill>
                   <a:srgbClr val="7A7A7A"/>
                 </a:solidFill>
-                <a:latin typeface="Adobe Clean Light" panose="020B0303020404020204" pitchFamily="34" charset="0"/>
+                <a:latin typeface="Adobe Clean Han Light" panose="020B0300000000000000" pitchFamily="34" charset="-128"/>
+                <a:ea typeface="Adobe Clean Han Light" panose="020B0300000000000000" pitchFamily="34" charset="-128"/>
                 <a:cs typeface="AdobeClean-LightIt"/>
               </a:rPr>
-              <a:t>Subject to local hours</a:t>
+              <a:t>現地時間に準じます</a:t>
             </a:r>
-            <a:endParaRPr lang="en-US" sz="1000" i="1" dirty="0">
-              <a:latin typeface="Adobe Clean Light" panose="020B0303020404020204" pitchFamily="34" charset="0"/>
-              <a:cs typeface="AdobeClean-Light"/>
-            </a:endParaRPr>
           </a:p>
         </p:txBody>
       </p:sp>
@@ -10653,7 +9375,7 @@
         <p:spPr>
           <a:xfrm>
             <a:off x="4681454" y="8581869"/>
-            <a:ext cx="1402628" cy="184666"/>
+            <a:ext cx="1165704" cy="184666"/>
           </a:xfrm>
           <a:prstGeom prst="rect">
             <a:avLst/>
@@ -10674,12 +9396,12 @@
               </a:spcAft>
             </a:pPr>
             <a:r>
-              <a:rPr lang="en-US" sz="1200" b="1" dirty="0">
-                <a:latin typeface="Adobe Clean" panose="020B0503020404020204" pitchFamily="34" charset="0"/>
-                <a:ea typeface="Open Sans" pitchFamily="34" charset="0"/>
+              <a:rPr lang="ja-JP" sz="1200" b="1">
+                <a:latin typeface="Adobe Clean Han Regular" panose="020B0500000000000000" pitchFamily="34" charset="-128"/>
+                <a:ea typeface="Adobe Clean Han Regular" panose="020B0500000000000000" pitchFamily="34" charset="-128"/>
                 <a:cs typeface="Open Sans" pitchFamily="34" charset="0"/>
               </a:rPr>
-              <a:t>Web Case Submission</a:t>
+              <a:t>Web ケース申請</a:t>
             </a:r>
           </a:p>
         </p:txBody>
@@ -10698,8 +9420,8 @@
         </p:nvSpPr>
         <p:spPr>
           <a:xfrm>
-            <a:off x="4170025" y="8834114"/>
-            <a:ext cx="2148840" cy="707886"/>
+            <a:off x="4170024" y="8834114"/>
+            <a:ext cx="2287925" cy="861774"/>
           </a:xfrm>
           <a:prstGeom prst="rect">
             <a:avLst/>
@@ -10712,26 +9434,22 @@
           <a:lstStyle/>
           <a:p>
             <a:r>
-              <a:rPr lang="en-US" sz="1000" dirty="0">
+              <a:rPr lang="ja-JP" sz="1000" dirty="0">
                 <a:solidFill>
                   <a:srgbClr val="020302"/>
                 </a:solidFill>
-                <a:latin typeface="AdobeClean-Light"/>
+                <a:latin typeface="Adobe Clean Han Light" panose="020B0300000000000000" pitchFamily="34" charset="-128"/>
+                <a:ea typeface="Adobe Clean Han Light" panose="020B0300000000000000" pitchFamily="34" charset="-128"/>
               </a:rPr>
-              <a:t>Authorized Users (Admins) </a:t>
+              <a:t>承認済みユーザー（管理者）</a:t>
             </a:r>
             <a:r>
-              <a:rPr lang="en-US" sz="1000" dirty="0">
-                <a:latin typeface="Adobe Clean Light"/>
+              <a:rPr lang="ja-JP" sz="1000" dirty="0">
+                <a:latin typeface="Adobe Clean Han Light" panose="020B0300000000000000" pitchFamily="34" charset="-128"/>
+                <a:ea typeface="Adobe Clean Han Light" panose="020B0300000000000000" pitchFamily="34" charset="-128"/>
               </a:rPr>
-              <a:t>can submit unlimited web cases at any time for support issues for review by our technical support team.</a:t>
+              <a:t>は、サポートの問題に対して、いつでも無制限の web ケースを申請して、アドビのテクニカルサポートチームによるレビューを受けることができます。</a:t>
             </a:r>
-            <a:endParaRPr lang="en-US" sz="1000" dirty="0">
-              <a:solidFill>
-                <a:srgbClr val="000000"/>
-              </a:solidFill>
-              <a:latin typeface="Adobe Clean Light"/>
-            </a:endParaRPr>
           </a:p>
         </p:txBody>
       </p:sp>
@@ -10844,7 +9562,7 @@
         </p:blipFill>
         <p:spPr>
           <a:xfrm>
-            <a:off x="5452988" y="6683894"/>
+            <a:off x="5452988" y="6518794"/>
             <a:ext cx="365760" cy="365760"/>
           </a:xfrm>
           <a:prstGeom prst="rect">
@@ -10883,7 +9601,7 @@
         </p:blipFill>
         <p:spPr>
           <a:xfrm>
-            <a:off x="401994" y="6739863"/>
+            <a:off x="401994" y="6574763"/>
             <a:ext cx="365760" cy="365760"/>
           </a:xfrm>
           <a:prstGeom prst="rect">
@@ -10922,7 +9640,7 @@
         </p:blipFill>
         <p:spPr>
           <a:xfrm>
-            <a:off x="2889755" y="6739863"/>
+            <a:off x="2889755" y="6574763"/>
             <a:ext cx="365760" cy="365760"/>
           </a:xfrm>
           <a:prstGeom prst="rect">
@@ -10964,10 +9682,11 @@
               <a:defRPr/>
             </a:pPr>
             <a:r>
-              <a:rPr lang="en-US" sz="1000" dirty="0">
-                <a:latin typeface="Adobe Clean Light" panose="020B0303020404020204" pitchFamily="34" charset="0"/>
+              <a:rPr lang="ja-JP" sz="1000" dirty="0">
+                <a:latin typeface="Adobe Clean Han Light" panose="020B0300000000000000" pitchFamily="34" charset="-128"/>
+                <a:ea typeface="Adobe Clean Han Light" panose="020B0300000000000000" pitchFamily="34" charset="-128"/>
               </a:rPr>
-              <a:t>A designated Support Engineer who becomes familiar with your solution environment and business goals. The NSE is an experienced support engineer that helps coordinate your Enterprise Support experience.</a:t>
+              <a:t>お客様のソリューション環境およびビジネス目標をよく理解している、専任のサポートエンジニアです。豊富な経験を活かして、お客様のエンタープライズサポートエクスペリエンスの調整を支援します。</a:t>
             </a:r>
           </a:p>
         </p:txBody>
@@ -10989,7 +9708,7 @@
         <p:spPr>
           <a:xfrm>
             <a:off x="872390" y="1010962"/>
-            <a:ext cx="1726164" cy="184666"/>
+            <a:ext cx="1808288" cy="169277"/>
           </a:xfrm>
           <a:prstGeom prst="rect">
             <a:avLst/>
@@ -11010,13 +9729,14 @@
               </a:spcAft>
             </a:pPr>
             <a:r>
-              <a:rPr lang="en-US" sz="1200" b="1" spc="-10" dirty="0">
+              <a:rPr lang="ja-JP" sz="1100" b="1" dirty="0">
                 <a:solidFill>
                   <a:srgbClr val="020302"/>
                 </a:solidFill>
-                <a:latin typeface="Adobe Clean" panose="020B0503020404020204" pitchFamily="34" charset="0"/>
+                <a:latin typeface="Adobe Clean Han Regular" panose="020B0500000000000000" pitchFamily="34" charset="-128"/>
+                <a:ea typeface="Adobe Clean Han Regular" panose="020B0500000000000000" pitchFamily="34" charset="-128"/>
               </a:rPr>
-              <a:t>Named Support Engineer</a:t>
+              <a:t>専任サポートエンジニア</a:t>
             </a:r>
           </a:p>
         </p:txBody>
@@ -11036,7 +9756,7 @@
         <p:spPr>
           <a:xfrm>
             <a:off x="2803357" y="1285201"/>
-            <a:ext cx="2148840" cy="497572"/>
+            <a:ext cx="2148840" cy="651460"/>
           </a:xfrm>
           <a:prstGeom prst="rect">
             <a:avLst/>
@@ -11054,11 +9774,12 @@
               </a:spcBef>
             </a:pPr>
             <a:r>
-              <a:rPr lang="en-US" sz="1000" dirty="0">
-                <a:latin typeface="Adobe Clean Light" panose="020B0303020404020204" pitchFamily="34" charset="0"/>
+              <a:rPr lang="ja-JP" sz="1000">
+                <a:latin typeface="Adobe Clean Han Light" panose="020B0300000000000000" pitchFamily="34" charset="-128"/>
+                <a:ea typeface="Adobe Clean Han Light" panose="020B0300000000000000" pitchFamily="34" charset="-128"/>
                 <a:cs typeface="AdobeClean-Light"/>
               </a:rPr>
-              <a:t>Receive prioritized routing to ensure faster connection to more senior support resources on submitted cases. </a:t>
+              <a:t>提出されたケースについて、より上級のサポートリソースに迅速に繋がるための優先的なルーティングが提供されます。 </a:t>
             </a:r>
           </a:p>
         </p:txBody>
@@ -11080,7 +9801,7 @@
         <p:spPr>
           <a:xfrm>
             <a:off x="3228208" y="1011671"/>
-            <a:ext cx="1976242" cy="184666"/>
+            <a:ext cx="2128052" cy="169277"/>
           </a:xfrm>
           <a:prstGeom prst="rect">
             <a:avLst/>
@@ -11101,13 +9822,14 @@
               </a:spcAft>
             </a:pPr>
             <a:r>
-              <a:rPr lang="en-US" sz="1200" b="1" spc="-10" dirty="0">
+              <a:rPr lang="ja-JP" sz="1100" b="1" dirty="0">
                 <a:solidFill>
                   <a:srgbClr val="020302"/>
                 </a:solidFill>
-                <a:latin typeface="Adobe Clean" panose="020B0503020404020204" pitchFamily="34" charset="0"/>
+                <a:latin typeface="Adobe Clean Han Regular" panose="020B0500000000000000" pitchFamily="34" charset="-128"/>
+                <a:ea typeface="Adobe Clean Han Regular" panose="020B0500000000000000" pitchFamily="34" charset="-128"/>
               </a:rPr>
-              <a:t>Priority Case Routing</a:t>
+              <a:t>優先的なケースルーティング</a:t>
             </a:r>
           </a:p>
         </p:txBody>
@@ -11127,7 +9849,7 @@
         <p:spPr>
           <a:xfrm>
             <a:off x="5356260" y="1287481"/>
-            <a:ext cx="2148840" cy="651460"/>
+            <a:ext cx="2148840" cy="805349"/>
           </a:xfrm>
           <a:prstGeom prst="rect">
             <a:avLst/>
@@ -11148,15 +9870,12 @@
               </a:spcBef>
             </a:pPr>
             <a:r>
-              <a:rPr lang="en-US" sz="1000" dirty="0">
-                <a:latin typeface="Adobe Clean Light" panose="020B0303020404020204" pitchFamily="34" charset="0"/>
+              <a:rPr lang="ja-JP" sz="1000">
+                <a:latin typeface="Adobe Clean Han Light" panose="020B0300000000000000" pitchFamily="34" charset="-128"/>
+                <a:ea typeface="Adobe Clean Han Light" panose="020B0300000000000000" pitchFamily="34" charset="-128"/>
               </a:rPr>
-              <a:t>A designated point of contact within Adobe who can provide escalation assistance, regular updates and ensure priority is given to your most critical open support requests.</a:t>
+              <a:t>アドビ内の専任連絡窓口が、エスカレーション支援や定期的なアップデートを提供し、お客様の最も重要なオープン中のサポートリクエストに優先的に対応します。</a:t>
             </a:r>
-            <a:endParaRPr lang="en-US" sz="1000" dirty="0">
-              <a:latin typeface="Adobe Clean Light" panose="020B0303020404020204" pitchFamily="34" charset="0"/>
-              <a:cs typeface="AdobeClean-Light"/>
-            </a:endParaRPr>
           </a:p>
         </p:txBody>
       </p:sp>
@@ -11177,7 +9896,7 @@
         <p:spPr>
           <a:xfrm>
             <a:off x="5818748" y="1006325"/>
-            <a:ext cx="1608472" cy="184666"/>
+            <a:ext cx="1608472" cy="169277"/>
           </a:xfrm>
           <a:prstGeom prst="rect">
             <a:avLst/>
@@ -11198,13 +9917,14 @@
               </a:spcAft>
             </a:pPr>
             <a:r>
-              <a:rPr lang="en-US" sz="1200" b="1" spc="-10" dirty="0">
+              <a:rPr lang="ja-JP" sz="1100" b="1">
                 <a:solidFill>
                   <a:srgbClr val="020302"/>
                 </a:solidFill>
-                <a:latin typeface="Adobe Clean" panose="020B0503020404020204" pitchFamily="34" charset="0"/>
+                <a:latin typeface="Adobe Clean Han Regular" panose="020B0500000000000000" pitchFamily="34" charset="-128"/>
+                <a:ea typeface="Adobe Clean Han Regular" panose="020B0500000000000000" pitchFamily="34" charset="-128"/>
               </a:rPr>
-              <a:t>Escalation Management</a:t>
+              <a:t>エスカレーション管理</a:t>
             </a:r>
           </a:p>
         </p:txBody>
@@ -11354,8 +10074,8 @@
         </p:nvSpPr>
         <p:spPr>
           <a:xfrm>
-            <a:off x="816240" y="2576177"/>
-            <a:ext cx="2148841" cy="461665"/>
+            <a:off x="816240" y="2685905"/>
+            <a:ext cx="2148841" cy="261610"/>
           </a:xfrm>
           <a:prstGeom prst="rect">
             <a:avLst/>
@@ -11369,10 +10089,11 @@
           <a:lstStyle/>
           <a:p>
             <a:r>
-              <a:rPr lang="en-US" sz="1200" b="1" dirty="0">
-                <a:latin typeface="Adobe Clean" panose="020B0503020404020204" pitchFamily="34" charset="0"/>
+              <a:rPr lang="ja-JP" sz="1100" b="1" dirty="0">
+                <a:latin typeface="Adobe Clean Han Regular" panose="020B0500000000000000" pitchFamily="34" charset="-128"/>
+                <a:ea typeface="Adobe Clean Han Regular" panose="020B0500000000000000" pitchFamily="34" charset="-128"/>
               </a:rPr>
-              <a:t>Accelerated Issue Prioritization</a:t>
+              <a:t>迅速な問題の優先度設定</a:t>
             </a:r>
           </a:p>
         </p:txBody>
@@ -11411,11 +10132,12 @@
               <a:defRPr/>
             </a:pPr>
             <a:r>
-              <a:rPr lang="en-US" sz="1000" dirty="0">
-                <a:latin typeface="Adobe Clean Light" panose="020B0303020404020204" pitchFamily="34" charset="0"/>
+              <a:rPr lang="ja-JP" sz="1000" dirty="0">
+                <a:latin typeface="Adobe Clean Han Light" panose="020B0300000000000000" pitchFamily="34" charset="-128"/>
+                <a:ea typeface="Adobe Clean Han Light" panose="020B0300000000000000" pitchFamily="34" charset="-128"/>
                 <a:cs typeface="Adobe Clean Light"/>
               </a:rPr>
-              <a:t>Receive higher prioritization on support case work through facilitated engagement with Engineering.</a:t>
+              <a:t>エンジニアリングとの連携が促進されてサポートケースの優先度が高くなります。</a:t>
             </a:r>
           </a:p>
         </p:txBody>
@@ -11539,7 +10261,7 @@
         </p:blipFill>
         <p:spPr>
           <a:xfrm>
-            <a:off x="1714742" y="4216922"/>
+            <a:off x="1670292" y="4216922"/>
             <a:ext cx="365760" cy="365760"/>
           </a:xfrm>
           <a:prstGeom prst="rect">
@@ -11578,7 +10300,7 @@
         </p:blipFill>
         <p:spPr>
           <a:xfrm>
-            <a:off x="4044715" y="4230343"/>
+            <a:off x="4095515" y="4230343"/>
             <a:ext cx="365760" cy="365760"/>
           </a:xfrm>
           <a:prstGeom prst="rect">
@@ -11600,8 +10322,8 @@
         </p:nvSpPr>
         <p:spPr>
           <a:xfrm>
-            <a:off x="430064" y="745300"/>
-            <a:ext cx="2011680" cy="0"/>
+            <a:off x="430064" y="745299"/>
+            <a:ext cx="2665540" cy="45719"/>
           </a:xfrm>
           <a:custGeom>
             <a:avLst/>
@@ -11630,7 +10352,10 @@
           <a:bodyPr wrap="square" lIns="0" tIns="0" rIns="0" bIns="0" rtlCol="0"/>
           <a:lstStyle/>
           <a:p>
-            <a:endParaRPr/>
+            <a:endParaRPr>
+              <a:latin typeface="Adobe Clean Han Regular" panose="020B0500000000000000" pitchFamily="34" charset="-128"/>
+              <a:ea typeface="Adobe Clean Han Regular" panose="020B0500000000000000" pitchFamily="34" charset="-128"/>
+            </a:endParaRPr>
           </a:p>
         </p:txBody>
       </p:sp>
@@ -11649,7 +10374,7 @@
         <p:spPr>
           <a:xfrm>
             <a:off x="3095604" y="2650593"/>
-            <a:ext cx="2148841" cy="276999"/>
+            <a:ext cx="2148841" cy="261610"/>
           </a:xfrm>
           <a:prstGeom prst="rect">
             <a:avLst/>
@@ -11663,10 +10388,11 @@
           <a:lstStyle/>
           <a:p>
             <a:r>
-              <a:rPr lang="en-US" sz="1200" b="1" dirty="0">
-                <a:latin typeface="Adobe Clean" panose="020B0503020404020204" pitchFamily="34" charset="0"/>
+              <a:rPr lang="ja-JP" sz="1100" b="1">
+                <a:latin typeface="Adobe Clean Han Regular" panose="020B0500000000000000" pitchFamily="34" charset="-128"/>
+                <a:ea typeface="Adobe Clean Han Regular" panose="020B0500000000000000" pitchFamily="34" charset="-128"/>
               </a:rPr>
-              <a:t>Proactive Case Monitoring</a:t>
+              <a:t>プロアクティブなケース監視</a:t>
             </a:r>
           </a:p>
         </p:txBody>
@@ -11686,7 +10412,7 @@
         <p:spPr>
           <a:xfrm>
             <a:off x="2761827" y="3033782"/>
-            <a:ext cx="2051550" cy="651460"/>
+            <a:ext cx="2051550" cy="805349"/>
           </a:xfrm>
           <a:prstGeom prst="rect">
             <a:avLst/>
@@ -11705,15 +10431,12 @@
               <a:defRPr/>
             </a:pPr>
             <a:r>
-              <a:rPr lang="en-US" sz="1000" dirty="0">
-                <a:latin typeface="Adobe Clean Light" panose="020B0303020404020204" pitchFamily="34" charset="0"/>
+              <a:rPr lang="ja-JP" sz="1000">
+                <a:latin typeface="Adobe Clean Han Light" panose="020B0300000000000000" pitchFamily="34" charset="-128"/>
+                <a:ea typeface="Adobe Clean Han Light" panose="020B0300000000000000" pitchFamily="34" charset="-128"/>
               </a:rPr>
-              <a:t>A designated point of contact within Adobe will actively monitor open cases and take proactive and preventive actions to ensure timely resolution.</a:t>
+              <a:t>アドビ内の専任連絡窓口が、適切なタイミングで解決できるように、オープン中のケースを積極的に監視し、プロアクティブで予防的なアクションを取ります。</a:t>
             </a:r>
-            <a:endParaRPr lang="en-US" sz="1000" dirty="0">
-              <a:latin typeface="Adobe Clean Light" panose="020B0303020404020204" pitchFamily="34" charset="0"/>
-              <a:cs typeface="Adobe Clean Light"/>
-            </a:endParaRPr>
           </a:p>
         </p:txBody>
       </p:sp>
@@ -11768,8 +10491,8 @@
         </p:nvSpPr>
         <p:spPr>
           <a:xfrm>
-            <a:off x="121146" y="9839613"/>
-            <a:ext cx="2245360" cy="133370"/>
+            <a:off x="121145" y="9839613"/>
+            <a:ext cx="3142881" cy="133370"/>
           </a:xfrm>
           <a:prstGeom prst="rect">
             <a:avLst/>
@@ -11790,40 +10513,11 @@
               </a:spcBef>
             </a:pPr>
             <a:r>
-              <a:rPr spc="-10" dirty="0"/>
-              <a:t>©202</a:t>
-            </a:r>
-            <a:r>
-              <a:rPr lang="en-US" spc="-10" dirty="0"/>
-              <a:t>2 </a:t>
-            </a:r>
-            <a:r>
-              <a:rPr spc="-5" dirty="0"/>
-              <a:t>Adobe. All</a:t>
-            </a:r>
-            <a:r>
-              <a:rPr spc="-10" dirty="0"/>
-              <a:t> Rights</a:t>
-            </a:r>
-            <a:r>
-              <a:rPr spc="-5" dirty="0"/>
-              <a:t> </a:t>
-            </a:r>
-            <a:r>
-              <a:rPr spc="-10" dirty="0"/>
-              <a:t>Reserved.</a:t>
-            </a:r>
-            <a:r>
-              <a:rPr spc="-5" dirty="0"/>
-              <a:t> Adobe</a:t>
-            </a:r>
-            <a:r>
-              <a:rPr spc="60" dirty="0"/>
-              <a:t> </a:t>
-            </a:r>
-            <a:r>
-              <a:rPr spc="-10" dirty="0"/>
-              <a:t>Confidential.</a:t>
+              <a:rPr lang="ja-JP" dirty="0">
+                <a:latin typeface="Adobe Clean Han Regular" panose="020B0500000000000000" pitchFamily="34" charset="-128"/>
+                <a:ea typeface="Adobe Clean Han Regular" panose="020B0500000000000000" pitchFamily="34" charset="-128"/>
+              </a:rPr>
+              <a:t>©2022 Adobe.All Rights Reserved.Adobe Confidential.</a:t>
             </a:r>
           </a:p>
         </p:txBody>
@@ -11885,49 +10579,16 @@
               </a:lnSpc>
             </a:pPr>
             <a:r>
-              <a:rPr sz="500" spc="-5">
+              <a:rPr lang="ja-JP" sz="500">
                 <a:solidFill>
                   <a:srgbClr val="6C6C6C"/>
                 </a:solidFill>
-                <a:latin typeface="Adobe Clean"/>
+                <a:latin typeface="Adobe Clean Han Regular" panose="020B0500000000000000" pitchFamily="34" charset="-128"/>
+                <a:ea typeface="Adobe Clean Han Regular" panose="020B0500000000000000" pitchFamily="34" charset="-128"/>
                 <a:cs typeface="Adobe Clean"/>
               </a:rPr>
-              <a:t>©2020 Adobe. All Rights Reserved. </a:t>
+              <a:t>©2020 Adobe.All Rights Reserved.Adobe Confidential.</a:t>
             </a:r>
-            <a:r>
-              <a:rPr sz="500">
-                <a:solidFill>
-                  <a:srgbClr val="6C6C6C"/>
-                </a:solidFill>
-                <a:latin typeface="Adobe Clean"/>
-                <a:cs typeface="Adobe Clean"/>
-              </a:rPr>
-              <a:t>Adobe</a:t>
-            </a:r>
-            <a:r>
-              <a:rPr sz="500" spc="5">
-                <a:solidFill>
-                  <a:srgbClr val="6C6C6C"/>
-                </a:solidFill>
-                <a:latin typeface="Adobe Clean"/>
-                <a:cs typeface="Adobe Clean"/>
-              </a:rPr>
-              <a:t> </a:t>
-            </a:r>
-            <a:r>
-              <a:rPr sz="500" spc="-5">
-                <a:solidFill>
-                  <a:srgbClr val="6C6C6C"/>
-                </a:solidFill>
-                <a:latin typeface="Adobe Clean"/>
-                <a:cs typeface="Adobe Clean"/>
-              </a:rPr>
-              <a:t>Confidential.</a:t>
-            </a:r>
-            <a:endParaRPr sz="500">
-              <a:latin typeface="Adobe Clean"/>
-              <a:cs typeface="Adobe Clean"/>
-            </a:endParaRPr>
           </a:p>
           <a:p>
             <a:pPr>
@@ -11939,7 +10600,8 @@
               </a:spcBef>
             </a:pPr>
             <a:endParaRPr sz="800">
-              <a:latin typeface="Adobe Clean"/>
+              <a:latin typeface="Adobe Clean Han Regular" panose="020B0500000000000000" pitchFamily="34" charset="-128"/>
+              <a:ea typeface="Adobe Clean Han Regular" panose="020B0500000000000000" pitchFamily="34" charset="-128"/>
               <a:cs typeface="Adobe Clean"/>
             </a:endParaRPr>
           </a:p>
@@ -11953,39 +10615,16 @@
               </a:spcBef>
             </a:pPr>
             <a:r>
-              <a:rPr sz="800" spc="-5">
+              <a:rPr lang="ja-JP" sz="800">
                 <a:solidFill>
                   <a:srgbClr val="6D6D6D"/>
                 </a:solidFill>
-                <a:latin typeface="Adobe Clean"/>
+                <a:latin typeface="Adobe Clean Han Regular" panose="020B0500000000000000" pitchFamily="34" charset="-128"/>
+                <a:ea typeface="Adobe Clean Han Regular" panose="020B0500000000000000" pitchFamily="34" charset="-128"/>
                 <a:cs typeface="Adobe Clean"/>
               </a:rPr>
-              <a:t>©2020 Adobe. All Rights Reserved. Adobe</a:t>
+              <a:t>©2020 Adobe.All Rights Reserved.Adobe Confidential.</a:t>
             </a:r>
-            <a:r>
-              <a:rPr sz="800" spc="75">
-                <a:solidFill>
-                  <a:srgbClr val="6D6D6D"/>
-                </a:solidFill>
-                <a:latin typeface="Adobe Clean"/>
-                <a:cs typeface="Adobe Clean"/>
-              </a:rPr>
-              <a:t> </a:t>
-            </a:r>
-            <a:r>
-              <a:rPr sz="800" spc="-5">
-                <a:solidFill>
-                  <a:srgbClr val="6D6D6D"/>
-                </a:solidFill>
-                <a:latin typeface="Adobe Clean"/>
-                <a:cs typeface="Adobe Clean"/>
-              </a:rPr>
-              <a:t>Confidential.</a:t>
-            </a:r>
-            <a:endParaRPr sz="800">
-              <a:latin typeface="Adobe Clean"/>
-              <a:cs typeface="Adobe Clean"/>
-            </a:endParaRPr>
           </a:p>
         </p:txBody>
       </p:sp>
@@ -12035,7 +10674,10 @@
           <a:bodyPr wrap="square" lIns="0" tIns="0" rIns="0" bIns="0" rtlCol="0"/>
           <a:lstStyle/>
           <a:p>
-            <a:endParaRPr/>
+            <a:endParaRPr>
+              <a:latin typeface="Adobe Clean Han Regular" panose="020B0500000000000000" pitchFamily="34" charset="-128"/>
+              <a:ea typeface="Adobe Clean Han Regular" panose="020B0500000000000000" pitchFamily="34" charset="-128"/>
+            </a:endParaRPr>
           </a:p>
         </p:txBody>
       </p:sp>
@@ -12069,19 +10711,16 @@
               </a:spcBef>
             </a:pPr>
             <a:r>
-              <a:rPr lang="en-US" sz="1400" b="1" spc="-15">
+              <a:rPr lang="ja-JP" sz="1400" b="1">
                 <a:solidFill>
                   <a:srgbClr val="020302"/>
                 </a:solidFill>
-                <a:latin typeface="Adobe Clean"/>
+                <a:latin typeface="Adobe Clean Han Regular" panose="020B0500000000000000" pitchFamily="34" charset="-128"/>
+                <a:ea typeface="Adobe Clean Han Regular" panose="020B0500000000000000" pitchFamily="34" charset="-128"/>
                 <a:cs typeface="Adobe Clean"/>
               </a:rPr>
-              <a:t>Resources</a:t>
+              <a:t>リソース</a:t>
             </a:r>
-            <a:endParaRPr sz="1400">
-              <a:latin typeface="Adobe Clean"/>
-              <a:cs typeface="Adobe Clean"/>
-            </a:endParaRPr>
           </a:p>
         </p:txBody>
       </p:sp>
@@ -12094,7 +10733,7 @@
         <p:spPr>
           <a:xfrm>
             <a:off x="6754821" y="9283729"/>
-            <a:ext cx="930275" cy="662305"/>
+            <a:ext cx="930275" cy="758541"/>
           </a:xfrm>
           <a:prstGeom prst="rect">
             <a:avLst/>
@@ -12115,19 +10754,16 @@
               </a:spcBef>
             </a:pPr>
             <a:r>
-              <a:rPr sz="800" spc="-15">
+              <a:rPr lang="ja-JP" sz="800">
                 <a:solidFill>
                   <a:srgbClr val="777879"/>
                 </a:solidFill>
-                <a:latin typeface="Adobe Clean"/>
+                <a:latin typeface="Adobe Clean Han Regular" panose="020B0500000000000000" pitchFamily="34" charset="-128"/>
+                <a:ea typeface="Adobe Clean Han Regular" panose="020B0500000000000000" pitchFamily="34" charset="-128"/>
                 <a:cs typeface="Adobe Clean"/>
               </a:rPr>
               <a:t>Adobe</a:t>
             </a:r>
-            <a:endParaRPr sz="800">
-              <a:latin typeface="Adobe Clean"/>
-              <a:cs typeface="Adobe Clean"/>
-            </a:endParaRPr>
           </a:p>
           <a:p>
             <a:pPr marL="12700">
@@ -12136,39 +10772,16 @@
               </a:lnSpc>
             </a:pPr>
             <a:r>
-              <a:rPr sz="800" spc="-15">
+              <a:rPr lang="ja-JP" sz="800">
                 <a:solidFill>
                   <a:srgbClr val="777879"/>
                 </a:solidFill>
-                <a:latin typeface="Adobe Clean"/>
+                <a:latin typeface="Adobe Clean Han Regular" panose="020B0500000000000000" pitchFamily="34" charset="-128"/>
+                <a:ea typeface="Adobe Clean Han Regular" panose="020B0500000000000000" pitchFamily="34" charset="-128"/>
                 <a:cs typeface="Adobe Clean"/>
               </a:rPr>
-              <a:t>345 Park</a:t>
+              <a:t>345 Park Avenue</a:t>
             </a:r>
-            <a:r>
-              <a:rPr sz="800" spc="-100">
-                <a:solidFill>
-                  <a:srgbClr val="777879"/>
-                </a:solidFill>
-                <a:latin typeface="Adobe Clean"/>
-                <a:cs typeface="Adobe Clean"/>
-              </a:rPr>
-              <a:t> </a:t>
-            </a:r>
-            <a:r>
-              <a:rPr sz="800" spc="-15">
-                <a:solidFill>
-                  <a:srgbClr val="777879"/>
-                </a:solidFill>
-                <a:latin typeface="Adobe Clean"/>
-                <a:cs typeface="Adobe Clean"/>
-              </a:rPr>
-              <a:t>Avenue</a:t>
-            </a:r>
-            <a:endParaRPr sz="800">
-              <a:latin typeface="Adobe Clean"/>
-              <a:cs typeface="Adobe Clean"/>
-            </a:endParaRPr>
           </a:p>
           <a:p>
             <a:pPr marL="12700">
@@ -12177,49 +10790,16 @@
               </a:lnSpc>
             </a:pPr>
             <a:r>
-              <a:rPr sz="800" spc="-10">
+              <a:rPr lang="ja-JP" sz="800">
                 <a:solidFill>
                   <a:srgbClr val="777879"/>
                 </a:solidFill>
-                <a:latin typeface="Adobe Clean"/>
+                <a:latin typeface="Adobe Clean Han Regular" panose="020B0500000000000000" pitchFamily="34" charset="-128"/>
+                <a:ea typeface="Adobe Clean Han Regular" panose="020B0500000000000000" pitchFamily="34" charset="-128"/>
                 <a:cs typeface="Adobe Clean"/>
               </a:rPr>
-              <a:t>San </a:t>
+              <a:t>San Jose, CA95110-2704</a:t>
             </a:r>
-            <a:r>
-              <a:rPr sz="800" spc="-15">
-                <a:solidFill>
-                  <a:srgbClr val="777879"/>
-                </a:solidFill>
-                <a:latin typeface="Adobe Clean"/>
-                <a:cs typeface="Adobe Clean"/>
-              </a:rPr>
-              <a:t>Jose,</a:t>
-            </a:r>
-            <a:r>
-              <a:rPr sz="800" spc="-140">
-                <a:solidFill>
-                  <a:srgbClr val="777879"/>
-                </a:solidFill>
-                <a:latin typeface="Adobe Clean"/>
-                <a:cs typeface="Adobe Clean"/>
-              </a:rPr>
-              <a:t> </a:t>
-            </a:r>
-            <a:r>
-              <a:rPr sz="800" spc="-20">
-                <a:solidFill>
-                  <a:srgbClr val="777879"/>
-                </a:solidFill>
-                <a:latin typeface="Adobe Clean"/>
-                <a:cs typeface="Adobe Clean"/>
-              </a:rPr>
-              <a:t>CA95110-2704</a:t>
-            </a:r>
-            <a:endParaRPr sz="800">
-              <a:latin typeface="Adobe Clean"/>
-              <a:cs typeface="Adobe Clean"/>
-            </a:endParaRPr>
           </a:p>
           <a:p>
             <a:pPr marL="12700">
@@ -12231,19 +10811,16 @@
               </a:spcBef>
             </a:pPr>
             <a:r>
-              <a:rPr sz="800" spc="-10">
+              <a:rPr lang="ja-JP" sz="800">
                 <a:solidFill>
                   <a:srgbClr val="777879"/>
                 </a:solidFill>
-                <a:latin typeface="Adobe Clean"/>
+                <a:latin typeface="Adobe Clean Han Regular" panose="020B0500000000000000" pitchFamily="34" charset="-128"/>
+                <a:ea typeface="Adobe Clean Han Regular" panose="020B0500000000000000" pitchFamily="34" charset="-128"/>
                 <a:cs typeface="Adobe Clean"/>
               </a:rPr>
               <a:t>USA</a:t>
             </a:r>
-            <a:endParaRPr sz="800">
-              <a:latin typeface="Adobe Clean"/>
-              <a:cs typeface="Adobe Clean"/>
-            </a:endParaRPr>
           </a:p>
           <a:p>
             <a:pPr marL="12700">
@@ -12255,7 +10832,7 @@
               </a:spcBef>
             </a:pPr>
             <a:r>
-              <a:rPr sz="800" u="sng" spc="-25">
+              <a:rPr lang="ja-JP" sz="800" u="sng">
                 <a:solidFill>
                   <a:srgbClr val="5F5F5F"/>
                 </a:solidFill>
@@ -12264,16 +10841,13 @@
                     <a:srgbClr val="0000FF"/>
                   </a:solidFill>
                 </a:uFill>
-                <a:latin typeface="Adobe Clean"/>
+                <a:latin typeface="Adobe Clean Han Regular" panose="020B0500000000000000" pitchFamily="34" charset="-128"/>
+                <a:ea typeface="Adobe Clean Han Regular" panose="020B0500000000000000" pitchFamily="34" charset="-128"/>
                 <a:cs typeface="Adobe Clean"/>
-                <a:hlinkClick r:id="rId4"/>
+                <a:hlinkClick r:id="rId3"/>
               </a:rPr>
               <a:t>www.adobe.com</a:t>
             </a:r>
-            <a:endParaRPr sz="800">
-              <a:latin typeface="Adobe Clean"/>
-              <a:cs typeface="Adobe Clean"/>
-            </a:endParaRPr>
           </a:p>
         </p:txBody>
       </p:sp>
@@ -12292,7 +10866,7 @@
             <a:avLst/>
           </a:prstGeom>
           <a:blipFill>
-            <a:blip r:embed="rId5" cstate="print"/>
+            <a:blip r:embed="rId4" cstate="print"/>
             <a:stretch>
               <a:fillRect/>
             </a:stretch>
@@ -12302,7 +10876,10 @@
           <a:bodyPr wrap="square" lIns="0" tIns="0" rIns="0" bIns="0" rtlCol="0"/>
           <a:lstStyle/>
           <a:p>
-            <a:endParaRPr/>
+            <a:endParaRPr>
+              <a:latin typeface="Adobe Clean Han Regular" panose="020B0500000000000000" pitchFamily="34" charset="-128"/>
+              <a:ea typeface="Adobe Clean Han Regular" panose="020B0500000000000000" pitchFamily="34" charset="-128"/>
+            </a:endParaRPr>
           </a:p>
         </p:txBody>
       </p:sp>
@@ -12385,7 +10962,10 @@
           <a:bodyPr wrap="square" lIns="0" tIns="0" rIns="0" bIns="0" rtlCol="0"/>
           <a:lstStyle/>
           <a:p>
-            <a:endParaRPr/>
+            <a:endParaRPr>
+              <a:latin typeface="Adobe Clean Han Regular" panose="020B0500000000000000" pitchFamily="34" charset="-128"/>
+              <a:ea typeface="Adobe Clean Han Regular" panose="020B0500000000000000" pitchFamily="34" charset="-128"/>
+            </a:endParaRPr>
           </a:p>
         </p:txBody>
       </p:sp>
@@ -12404,7 +10984,7 @@
             <a:avLst/>
           </a:prstGeom>
           <a:blipFill>
-            <a:blip r:embed="rId6" cstate="print"/>
+            <a:blip r:embed="rId5" cstate="print"/>
             <a:stretch>
               <a:fillRect/>
             </a:stretch>
@@ -12414,7 +10994,10 @@
           <a:bodyPr wrap="square" lIns="0" tIns="0" rIns="0" bIns="0" rtlCol="0"/>
           <a:lstStyle/>
           <a:p>
-            <a:endParaRPr/>
+            <a:endParaRPr>
+              <a:latin typeface="Adobe Clean Han Regular" panose="020B0500000000000000" pitchFamily="34" charset="-128"/>
+              <a:ea typeface="Adobe Clean Han Regular" panose="020B0500000000000000" pitchFamily="34" charset="-128"/>
+            </a:endParaRPr>
           </a:p>
         </p:txBody>
       </p:sp>
@@ -12426,8 +11009,8 @@
         </p:nvSpPr>
         <p:spPr>
           <a:xfrm>
-            <a:off x="75947" y="9437110"/>
-            <a:ext cx="5466715" cy="570865"/>
+            <a:off x="75947" y="9327382"/>
+            <a:ext cx="4980685" cy="717504"/>
           </a:xfrm>
           <a:prstGeom prst="rect">
             <a:avLst/>
@@ -12448,439 +11031,16 @@
               </a:spcBef>
             </a:pPr>
             <a:r>
-              <a:rPr sz="1100" i="1" spc="-10" dirty="0">
+              <a:rPr lang="ja-JP" sz="1100" i="1" dirty="0">
                 <a:solidFill>
                   <a:srgbClr val="777879"/>
                 </a:solidFill>
-                <a:latin typeface="AdobeClean-LightIt"/>
+                <a:latin typeface="Adobe Clean Han Regular" panose="020B0500000000000000" pitchFamily="34" charset="-128"/>
+                <a:ea typeface="Adobe Clean Han Regular" panose="020B0500000000000000" pitchFamily="34" charset="-128"/>
                 <a:cs typeface="AdobeClean-LightIt"/>
               </a:rPr>
-              <a:t>To</a:t>
+              <a:t>アドビサポートのサービスやお客様に最適なレベルについて詳しくは、専任アカウントマネージャー（NAM）またはカスタマーサクセスマネージャー（CSM）にお問い合わせください。</a:t>
             </a:r>
-            <a:r>
-              <a:rPr sz="1100" i="1" spc="-50" dirty="0">
-                <a:solidFill>
-                  <a:srgbClr val="777879"/>
-                </a:solidFill>
-                <a:latin typeface="AdobeClean-LightIt"/>
-                <a:cs typeface="AdobeClean-LightIt"/>
-              </a:rPr>
-              <a:t> </a:t>
-            </a:r>
-            <a:r>
-              <a:rPr sz="1100" i="1" spc="-15" dirty="0">
-                <a:solidFill>
-                  <a:srgbClr val="777879"/>
-                </a:solidFill>
-                <a:latin typeface="AdobeClean-LightIt"/>
-                <a:cs typeface="AdobeClean-LightIt"/>
-              </a:rPr>
-              <a:t>learn</a:t>
-            </a:r>
-            <a:r>
-              <a:rPr sz="1100" i="1" spc="-40" dirty="0">
-                <a:solidFill>
-                  <a:srgbClr val="777879"/>
-                </a:solidFill>
-                <a:latin typeface="AdobeClean-LightIt"/>
-                <a:cs typeface="AdobeClean-LightIt"/>
-              </a:rPr>
-              <a:t> </a:t>
-            </a:r>
-            <a:r>
-              <a:rPr sz="1100" i="1" spc="-15" dirty="0">
-                <a:solidFill>
-                  <a:srgbClr val="777879"/>
-                </a:solidFill>
-                <a:latin typeface="AdobeClean-LightIt"/>
-                <a:cs typeface="AdobeClean-LightIt"/>
-              </a:rPr>
-              <a:t>more</a:t>
-            </a:r>
-            <a:r>
-              <a:rPr sz="1100" i="1" spc="-45" dirty="0">
-                <a:solidFill>
-                  <a:srgbClr val="777879"/>
-                </a:solidFill>
-                <a:latin typeface="AdobeClean-LightIt"/>
-                <a:cs typeface="AdobeClean-LightIt"/>
-              </a:rPr>
-              <a:t> </a:t>
-            </a:r>
-            <a:r>
-              <a:rPr sz="1100" i="1" spc="-15" dirty="0">
-                <a:solidFill>
-                  <a:srgbClr val="777879"/>
-                </a:solidFill>
-                <a:latin typeface="AdobeClean-LightIt"/>
-                <a:cs typeface="AdobeClean-LightIt"/>
-              </a:rPr>
-              <a:t>about</a:t>
-            </a:r>
-            <a:r>
-              <a:rPr sz="1100" i="1" spc="-45" dirty="0">
-                <a:solidFill>
-                  <a:srgbClr val="777879"/>
-                </a:solidFill>
-                <a:latin typeface="AdobeClean-LightIt"/>
-                <a:cs typeface="AdobeClean-LightIt"/>
-              </a:rPr>
-              <a:t> </a:t>
-            </a:r>
-            <a:r>
-              <a:rPr sz="1100" i="1" spc="-15" dirty="0">
-                <a:solidFill>
-                  <a:srgbClr val="777879"/>
-                </a:solidFill>
-                <a:latin typeface="AdobeClean-LightIt"/>
-                <a:cs typeface="AdobeClean-LightIt"/>
-              </a:rPr>
-              <a:t>Adobe</a:t>
-            </a:r>
-            <a:r>
-              <a:rPr sz="1100" i="1" spc="-50" dirty="0">
-                <a:solidFill>
-                  <a:srgbClr val="777879"/>
-                </a:solidFill>
-                <a:latin typeface="AdobeClean-LightIt"/>
-                <a:cs typeface="AdobeClean-LightIt"/>
-              </a:rPr>
-              <a:t> </a:t>
-            </a:r>
-            <a:r>
-              <a:rPr sz="1100" i="1" spc="-15" dirty="0">
-                <a:solidFill>
-                  <a:srgbClr val="777879"/>
-                </a:solidFill>
-                <a:latin typeface="AdobeClean-LightIt"/>
-                <a:cs typeface="AdobeClean-LightIt"/>
-              </a:rPr>
-              <a:t>Support</a:t>
-            </a:r>
-            <a:r>
-              <a:rPr lang="en-US" sz="1100" i="1" spc="-15" dirty="0">
-                <a:solidFill>
-                  <a:srgbClr val="777879"/>
-                </a:solidFill>
-                <a:latin typeface="AdobeClean-LightIt"/>
-                <a:cs typeface="AdobeClean-LightIt"/>
-              </a:rPr>
-              <a:t> Offerings</a:t>
-            </a:r>
-            <a:r>
-              <a:rPr sz="1100" i="1" spc="-75" dirty="0">
-                <a:solidFill>
-                  <a:srgbClr val="777879"/>
-                </a:solidFill>
-                <a:latin typeface="AdobeClean-LightIt"/>
-                <a:cs typeface="AdobeClean-LightIt"/>
-              </a:rPr>
-              <a:t> </a:t>
-            </a:r>
-            <a:r>
-              <a:rPr sz="1100" i="1" spc="-15" dirty="0">
-                <a:solidFill>
-                  <a:srgbClr val="777879"/>
-                </a:solidFill>
-                <a:latin typeface="AdobeClean-LightIt"/>
-                <a:cs typeface="AdobeClean-LightIt"/>
-              </a:rPr>
-              <a:t>and</a:t>
-            </a:r>
-            <a:r>
-              <a:rPr sz="1100" i="1" spc="-50" dirty="0">
-                <a:solidFill>
-                  <a:srgbClr val="777879"/>
-                </a:solidFill>
-                <a:latin typeface="AdobeClean-LightIt"/>
-                <a:cs typeface="AdobeClean-LightIt"/>
-              </a:rPr>
-              <a:t> </a:t>
-            </a:r>
-            <a:r>
-              <a:rPr sz="1100" i="1" spc="-15" dirty="0">
-                <a:solidFill>
-                  <a:srgbClr val="777879"/>
-                </a:solidFill>
-                <a:latin typeface="AdobeClean-LightIt"/>
-                <a:cs typeface="AdobeClean-LightIt"/>
-              </a:rPr>
-              <a:t>the</a:t>
-            </a:r>
-            <a:r>
-              <a:rPr sz="1100" i="1" spc="-55" dirty="0">
-                <a:solidFill>
-                  <a:srgbClr val="777879"/>
-                </a:solidFill>
-                <a:latin typeface="AdobeClean-LightIt"/>
-                <a:cs typeface="AdobeClean-LightIt"/>
-              </a:rPr>
-              <a:t> </a:t>
-            </a:r>
-            <a:r>
-              <a:rPr sz="1100" i="1" spc="-15" dirty="0">
-                <a:solidFill>
-                  <a:srgbClr val="777879"/>
-                </a:solidFill>
-                <a:latin typeface="AdobeClean-LightIt"/>
-                <a:cs typeface="AdobeClean-LightIt"/>
-              </a:rPr>
-              <a:t>right</a:t>
-            </a:r>
-            <a:r>
-              <a:rPr sz="1100" i="1" spc="-95" dirty="0">
-                <a:solidFill>
-                  <a:srgbClr val="777879"/>
-                </a:solidFill>
-                <a:latin typeface="AdobeClean-LightIt"/>
-                <a:cs typeface="AdobeClean-LightIt"/>
-              </a:rPr>
-              <a:t> </a:t>
-            </a:r>
-            <a:r>
-              <a:rPr sz="1100" i="1" spc="-15" dirty="0">
-                <a:solidFill>
-                  <a:srgbClr val="777879"/>
-                </a:solidFill>
-                <a:latin typeface="AdobeClean-LightIt"/>
-                <a:cs typeface="AdobeClean-LightIt"/>
-              </a:rPr>
-              <a:t>level</a:t>
-            </a:r>
-            <a:r>
-              <a:rPr sz="1100" i="1" spc="-55" dirty="0">
-                <a:solidFill>
-                  <a:srgbClr val="777879"/>
-                </a:solidFill>
-                <a:latin typeface="AdobeClean-LightIt"/>
-                <a:cs typeface="AdobeClean-LightIt"/>
-              </a:rPr>
-              <a:t> </a:t>
-            </a:r>
-            <a:r>
-              <a:rPr sz="1100" i="1" spc="-15" dirty="0">
-                <a:solidFill>
-                  <a:srgbClr val="777879"/>
-                </a:solidFill>
-                <a:latin typeface="AdobeClean-LightIt"/>
-                <a:cs typeface="AdobeClean-LightIt"/>
-              </a:rPr>
-              <a:t>for</a:t>
-            </a:r>
-            <a:r>
-              <a:rPr sz="1100" i="1" spc="-85" dirty="0">
-                <a:solidFill>
-                  <a:srgbClr val="777879"/>
-                </a:solidFill>
-                <a:latin typeface="AdobeClean-LightIt"/>
-                <a:cs typeface="AdobeClean-LightIt"/>
-              </a:rPr>
-              <a:t> </a:t>
-            </a:r>
-            <a:r>
-              <a:rPr sz="1100" i="1" spc="-15" dirty="0">
-                <a:solidFill>
-                  <a:srgbClr val="777879"/>
-                </a:solidFill>
-                <a:latin typeface="AdobeClean-LightIt"/>
-                <a:cs typeface="AdobeClean-LightIt"/>
-              </a:rPr>
-              <a:t>you,</a:t>
-            </a:r>
-            <a:r>
-              <a:rPr sz="1100" i="1" spc="-65" dirty="0">
-                <a:solidFill>
-                  <a:srgbClr val="777879"/>
-                </a:solidFill>
-                <a:latin typeface="AdobeClean-LightIt"/>
-                <a:cs typeface="AdobeClean-LightIt"/>
-              </a:rPr>
-              <a:t> </a:t>
-            </a:r>
-            <a:r>
-              <a:rPr sz="1100" i="1" spc="-15" dirty="0">
-                <a:solidFill>
-                  <a:srgbClr val="777879"/>
-                </a:solidFill>
-                <a:latin typeface="AdobeClean-LightIt"/>
-                <a:cs typeface="AdobeClean-LightIt"/>
-              </a:rPr>
-              <a:t>contact</a:t>
-            </a:r>
-            <a:r>
-              <a:rPr sz="1100" i="1" spc="-85" dirty="0">
-                <a:solidFill>
-                  <a:srgbClr val="777879"/>
-                </a:solidFill>
-                <a:latin typeface="AdobeClean-LightIt"/>
-                <a:cs typeface="AdobeClean-LightIt"/>
-              </a:rPr>
-              <a:t> </a:t>
-            </a:r>
-            <a:r>
-              <a:rPr sz="1100" i="1" spc="-15" dirty="0">
-                <a:solidFill>
-                  <a:srgbClr val="777879"/>
-                </a:solidFill>
-                <a:latin typeface="AdobeClean-LightIt"/>
-                <a:cs typeface="AdobeClean-LightIt"/>
-              </a:rPr>
-              <a:t>your</a:t>
-            </a:r>
-            <a:r>
-              <a:rPr sz="1100" i="1" spc="-70" dirty="0">
-                <a:solidFill>
-                  <a:srgbClr val="777879"/>
-                </a:solidFill>
-                <a:latin typeface="AdobeClean-LightIt"/>
-                <a:cs typeface="AdobeClean-LightIt"/>
-              </a:rPr>
-              <a:t> </a:t>
-            </a:r>
-            <a:r>
-              <a:rPr sz="1100" i="1" spc="-15" dirty="0">
-                <a:solidFill>
-                  <a:srgbClr val="777879"/>
-                </a:solidFill>
-                <a:latin typeface="AdobeClean-LightIt"/>
-                <a:cs typeface="AdobeClean-LightIt"/>
-              </a:rPr>
-              <a:t>Named</a:t>
-            </a:r>
-            <a:r>
-              <a:rPr sz="1100" i="1" spc="-55" dirty="0">
-                <a:solidFill>
-                  <a:srgbClr val="777879"/>
-                </a:solidFill>
-                <a:latin typeface="AdobeClean-LightIt"/>
-                <a:cs typeface="AdobeClean-LightIt"/>
-              </a:rPr>
-              <a:t> </a:t>
-            </a:r>
-            <a:r>
-              <a:rPr sz="1100" i="1" spc="-25" dirty="0">
-                <a:solidFill>
-                  <a:srgbClr val="777879"/>
-                </a:solidFill>
-                <a:latin typeface="AdobeClean-LightIt"/>
-                <a:cs typeface="AdobeClean-LightIt"/>
-              </a:rPr>
-              <a:t>Account</a:t>
-            </a:r>
-            <a:r>
-              <a:rPr sz="1100" i="1" spc="-120" dirty="0">
-                <a:solidFill>
-                  <a:srgbClr val="777879"/>
-                </a:solidFill>
-                <a:latin typeface="AdobeClean-LightIt"/>
-                <a:cs typeface="AdobeClean-LightIt"/>
-              </a:rPr>
-              <a:t> </a:t>
-            </a:r>
-            <a:r>
-              <a:rPr sz="1100" i="1" spc="-20" dirty="0">
-                <a:solidFill>
-                  <a:srgbClr val="777879"/>
-                </a:solidFill>
-                <a:latin typeface="AdobeClean-LightIt"/>
-                <a:cs typeface="AdobeClean-LightIt"/>
-              </a:rPr>
-              <a:t>Manager </a:t>
-            </a:r>
-            <a:r>
-              <a:rPr sz="1100" i="1" spc="-15" dirty="0">
-                <a:solidFill>
-                  <a:srgbClr val="777879"/>
-                </a:solidFill>
-                <a:latin typeface="AdobeClean-LightIt"/>
-                <a:cs typeface="AdobeClean-LightIt"/>
-              </a:rPr>
-              <a:t>(NAM) </a:t>
-            </a:r>
-            <a:r>
-              <a:rPr sz="1100" i="1" spc="-10" dirty="0">
-                <a:solidFill>
-                  <a:srgbClr val="777879"/>
-                </a:solidFill>
-                <a:latin typeface="AdobeClean-LightIt"/>
-                <a:cs typeface="AdobeClean-LightIt"/>
-              </a:rPr>
-              <a:t>or </a:t>
-            </a:r>
-            <a:r>
-              <a:rPr sz="1100" i="1" spc="-15" dirty="0">
-                <a:solidFill>
-                  <a:srgbClr val="777879"/>
-                </a:solidFill>
-                <a:latin typeface="AdobeClean-LightIt"/>
-                <a:cs typeface="AdobeClean-LightIt"/>
-              </a:rPr>
-              <a:t>Customer </a:t>
-            </a:r>
-            <a:r>
-              <a:rPr sz="1100" i="1" spc="-20" dirty="0">
-                <a:solidFill>
-                  <a:srgbClr val="777879"/>
-                </a:solidFill>
-                <a:latin typeface="AdobeClean-LightIt"/>
-                <a:cs typeface="AdobeClean-LightIt"/>
-              </a:rPr>
-              <a:t>Success</a:t>
-            </a:r>
-            <a:r>
-              <a:rPr sz="1100" i="1" spc="-180" dirty="0">
-                <a:solidFill>
-                  <a:srgbClr val="777879"/>
-                </a:solidFill>
-                <a:latin typeface="AdobeClean-LightIt"/>
-                <a:cs typeface="AdobeClean-LightIt"/>
-              </a:rPr>
-              <a:t> </a:t>
-            </a:r>
-            <a:r>
-              <a:rPr sz="1100" i="1" spc="-15" dirty="0">
-                <a:solidFill>
-                  <a:srgbClr val="777879"/>
-                </a:solidFill>
-                <a:latin typeface="AdobeClean-LightIt"/>
-                <a:cs typeface="AdobeClean-LightIt"/>
-              </a:rPr>
-              <a:t>Manager</a:t>
-            </a:r>
-            <a:r>
-              <a:rPr lang="en-US" sz="1100" i="1" spc="-15" dirty="0">
-                <a:solidFill>
-                  <a:srgbClr val="777879"/>
-                </a:solidFill>
-                <a:latin typeface="AdobeClean-LightIt"/>
-                <a:cs typeface="AdobeClean-LightIt"/>
-              </a:rPr>
-              <a:t> </a:t>
-            </a:r>
-            <a:r>
-              <a:rPr sz="1100" i="1" spc="-15" dirty="0">
-                <a:solidFill>
-                  <a:srgbClr val="777879"/>
-                </a:solidFill>
-                <a:latin typeface="AdobeClean-LightIt"/>
-                <a:cs typeface="AdobeClean-LightIt"/>
-              </a:rPr>
-              <a:t>(CSM)</a:t>
-            </a:r>
-            <a:r>
-              <a:rPr lang="en-US" sz="1100" i="1" spc="-15" dirty="0">
-                <a:solidFill>
-                  <a:srgbClr val="777879"/>
-                </a:solidFill>
-                <a:latin typeface="AdobeClean-LightIt"/>
-                <a:cs typeface="AdobeClean-LightIt"/>
-              </a:rPr>
-              <a:t>.</a:t>
-            </a:r>
-            <a:endParaRPr sz="1100" dirty="0">
-              <a:latin typeface="AdobeClean-LightIt"/>
-              <a:cs typeface="AdobeClean-LightIt"/>
-            </a:endParaRPr>
           </a:p>
           <a:p>
             <a:pPr marL="34290">
@@ -12892,59 +11052,16 @@
               </a:spcBef>
             </a:pPr>
             <a:r>
-              <a:rPr sz="800" spc="-5" dirty="0">
+              <a:rPr lang="ja-JP" sz="800" dirty="0">
                 <a:solidFill>
                   <a:srgbClr val="6D6D6D"/>
                 </a:solidFill>
-                <a:latin typeface="Adobe Clean"/>
+                <a:latin typeface="Adobe Clean Han Regular" panose="020B0500000000000000" pitchFamily="34" charset="-128"/>
+                <a:ea typeface="Adobe Clean Han Regular" panose="020B0500000000000000" pitchFamily="34" charset="-128"/>
                 <a:cs typeface="Adobe Clean"/>
               </a:rPr>
-              <a:t>©202</a:t>
+              <a:t>©2022 Adobe.All Rights Reserved.Adobe Confidential.</a:t>
             </a:r>
-            <a:r>
-              <a:rPr lang="en-US" sz="800" spc="-5" dirty="0">
-                <a:solidFill>
-                  <a:srgbClr val="6D6D6D"/>
-                </a:solidFill>
-                <a:latin typeface="Adobe Clean"/>
-                <a:cs typeface="Adobe Clean"/>
-              </a:rPr>
-              <a:t>2</a:t>
-            </a:r>
-            <a:r>
-              <a:rPr sz="800" spc="-5" dirty="0">
-                <a:solidFill>
-                  <a:srgbClr val="6D6D6D"/>
-                </a:solidFill>
-                <a:latin typeface="Adobe Clean"/>
-                <a:cs typeface="Adobe Clean"/>
-              </a:rPr>
-              <a:t> Adobe. All Rights Reserved. Adobe</a:t>
-            </a:r>
-            <a:r>
-              <a:rPr sz="800" spc="75" dirty="0">
-                <a:solidFill>
-                  <a:srgbClr val="6D6D6D"/>
-                </a:solidFill>
-                <a:latin typeface="Adobe Clean"/>
-                <a:cs typeface="Adobe Clean"/>
-              </a:rPr>
-              <a:t> </a:t>
-            </a:r>
-            <a:r>
-              <a:rPr sz="800" spc="-5" dirty="0">
-                <a:solidFill>
-                  <a:srgbClr val="6D6D6D"/>
-                </a:solidFill>
-                <a:latin typeface="Adobe Clean"/>
-                <a:cs typeface="Adobe Clean"/>
-              </a:rPr>
-              <a:t>Confidential.</a:t>
-            </a:r>
-            <a:endParaRPr sz="800" dirty="0">
-              <a:latin typeface="Adobe Clean"/>
-              <a:cs typeface="Adobe Clean"/>
-            </a:endParaRPr>
           </a:p>
         </p:txBody>
       </p:sp>
@@ -12981,19 +11098,16 @@
               </a:spcBef>
             </a:pPr>
             <a:r>
-              <a:rPr lang="en-US" sz="1400" b="1" spc="-15" dirty="0">
+              <a:rPr lang="ja-JP" sz="1400" b="1" dirty="0">
                 <a:solidFill>
                   <a:srgbClr val="020302"/>
                 </a:solidFill>
-                <a:latin typeface="Adobe Clean"/>
+                <a:latin typeface="Adobe Clean Han Regular" panose="020B0500000000000000" pitchFamily="34" charset="-128"/>
+                <a:ea typeface="Adobe Clean Han Regular" panose="020B0500000000000000" pitchFamily="34" charset="-128"/>
                 <a:cs typeface="Adobe Clean"/>
               </a:rPr>
-              <a:t>Regional scope of Adobe Support, Local Hours Of Operation And Language Support</a:t>
+              <a:t>アドビサポートの対象地域、現地の営業時間、言語サポート</a:t>
             </a:r>
-            <a:endParaRPr lang="en-US" sz="1400" spc="-15" dirty="0">
-              <a:ea typeface="+mn-lt"/>
-              <a:cs typeface="+mn-lt"/>
-            </a:endParaRPr>
           </a:p>
           <a:p>
             <a:pPr lvl="0">
@@ -13002,13 +11116,14 @@
               </a:spcBef>
             </a:pPr>
             <a:r>
-              <a:rPr lang="en-US" sz="1000" spc="-15" dirty="0">
+              <a:rPr lang="ja-JP" sz="1000" dirty="0">
                 <a:solidFill>
                   <a:srgbClr val="1F1F1F"/>
                 </a:solidFill>
-                <a:latin typeface="AdobeClean-Light"/>
+                <a:latin typeface="Adobe Clean Han Light" panose="020B0300000000000000" pitchFamily="34" charset="-128"/>
+                <a:ea typeface="Adobe Clean Han Light" panose="020B0300000000000000" pitchFamily="34" charset="-128"/>
               </a:rPr>
-              <a:t>Adobe’s local business hours align to the customer’s billing region.</a:t>
+              <a:t>アドビの現地営業時間は、お客様の請求先の地域に準じます。</a:t>
             </a:r>
           </a:p>
         </p:txBody>
@@ -13028,7 +11143,7 @@
           <p:nvPr>
             <p:extLst>
               <p:ext uri="{D42A27DB-BD31-4B8C-83A1-F6EECF244321}">
-                <p14:modId xmlns:p14="http://schemas.microsoft.com/office/powerpoint/2010/main" val="576460587"/>
+                <p14:modId xmlns:p14="http://schemas.microsoft.com/office/powerpoint/2010/main" val="2124810819"/>
               </p:ext>
             </p:extLst>
           </p:nvPr>
@@ -13081,20 +11196,22 @@
                     <a:p>
                       <a:pPr algn="ctr"/>
                       <a:r>
-                        <a:rPr lang="en-US" sz="1100" dirty="0">
+                        <a:rPr lang="ja-JP" sz="1100" dirty="0">
                           <a:solidFill>
                             <a:schemeClr val="tx1"/>
                           </a:solidFill>
-                          <a:latin typeface="Adobe Clean" panose="020B0503020404020204" pitchFamily="34" charset="0"/>
+                          <a:latin typeface="Adobe Clean Han Regular" panose="020B0500000000000000" pitchFamily="34" charset="-128"/>
+                          <a:ea typeface="Adobe Clean Han Regular" panose="020B0500000000000000" pitchFamily="34" charset="-128"/>
                         </a:rPr>
-                        <a:t>Americas </a:t>
+                        <a:t>アメリカ</a:t>
                       </a:r>
                       <a:r>
-                        <a:rPr lang="en-US" sz="1100" baseline="30000" dirty="0">
+                        <a:rPr lang="ja-JP" sz="1100" baseline="30000" dirty="0">
                           <a:solidFill>
                             <a:schemeClr val="tx1"/>
                           </a:solidFill>
-                          <a:latin typeface="Adobe Clean" panose="020B0503020404020204" pitchFamily="34" charset="0"/>
+                          <a:latin typeface="Adobe Clean Han Regular" panose="020B0500000000000000" pitchFamily="34" charset="-128"/>
+                          <a:ea typeface="Adobe Clean Han Regular" panose="020B0500000000000000" pitchFamily="34" charset="-128"/>
                         </a:rPr>
                         <a:t>1</a:t>
                       </a:r>
@@ -13155,13 +11272,33 @@
                     <a:p>
                       <a:pPr algn="ctr"/>
                       <a:r>
-                        <a:rPr lang="en-US" sz="1100" dirty="0">
+                        <a:rPr lang="ja-JP" sz="1100" dirty="0">
                           <a:solidFill>
                             <a:schemeClr val="tx1"/>
                           </a:solidFill>
-                          <a:latin typeface="Adobe Clean" panose="020B0503020404020204" pitchFamily="34" charset="0"/>
+                          <a:latin typeface="Adobe Clean Han Regular" panose="020B0500000000000000" pitchFamily="34" charset="-128"/>
+                          <a:ea typeface="Adobe Clean Han Regular" panose="020B0500000000000000" pitchFamily="34" charset="-128"/>
                         </a:rPr>
-                        <a:t>Europe, Middle East &amp; Africa</a:t>
+                        <a:t>ヨーロッパ、中東、</a:t>
+                      </a:r>
+                      <a:br>
+                        <a:rPr lang="en-US" altLang="ja-JP" sz="1100" dirty="0">
+                          <a:solidFill>
+                            <a:schemeClr val="tx1"/>
+                          </a:solidFill>
+                          <a:latin typeface="Adobe Clean Han Regular" panose="020B0500000000000000" pitchFamily="34" charset="-128"/>
+                          <a:ea typeface="Adobe Clean Han Regular" panose="020B0500000000000000" pitchFamily="34" charset="-128"/>
+                        </a:rPr>
+                      </a:br>
+                      <a:r>
+                        <a:rPr lang="ja-JP" sz="1100" dirty="0">
+                          <a:solidFill>
+                            <a:schemeClr val="tx1"/>
+                          </a:solidFill>
+                          <a:latin typeface="Adobe Clean Han Regular" panose="020B0500000000000000" pitchFamily="34" charset="-128"/>
+                          <a:ea typeface="Adobe Clean Han Regular" panose="020B0500000000000000" pitchFamily="34" charset="-128"/>
+                        </a:rPr>
+                        <a:t>アフリカ</a:t>
                       </a:r>
                     </a:p>
                   </a:txBody>
@@ -13220,13 +11357,14 @@
                     <a:p>
                       <a:pPr algn="ctr"/>
                       <a:r>
-                        <a:rPr lang="en-US" sz="1100" dirty="0">
+                        <a:rPr lang="ja-JP" sz="1100">
                           <a:solidFill>
                             <a:schemeClr val="tx1"/>
                           </a:solidFill>
-                          <a:latin typeface="Adobe Clean" panose="020B0503020404020204" pitchFamily="34" charset="0"/>
+                          <a:latin typeface="Adobe Clean Han Regular" panose="020B0500000000000000" pitchFamily="34" charset="-128"/>
+                          <a:ea typeface="Adobe Clean Han Regular" panose="020B0500000000000000" pitchFamily="34" charset="-128"/>
                         </a:rPr>
-                        <a:t>Asia Pacific</a:t>
+                        <a:t>アジア太平洋</a:t>
                       </a:r>
                     </a:p>
                   </a:txBody>
@@ -13285,13 +11423,14 @@
                     <a:p>
                       <a:pPr algn="ctr"/>
                       <a:r>
-                        <a:rPr lang="en-US" sz="1100" dirty="0">
+                        <a:rPr lang="ja-JP" sz="1100">
                           <a:solidFill>
                             <a:schemeClr val="tx1"/>
                           </a:solidFill>
-                          <a:latin typeface="Adobe Clean" panose="020B0503020404020204" pitchFamily="34" charset="0"/>
+                          <a:latin typeface="Adobe Clean Han Regular" panose="020B0500000000000000" pitchFamily="34" charset="-128"/>
+                          <a:ea typeface="Adobe Clean Han Regular" panose="020B0500000000000000" pitchFamily="34" charset="-128"/>
                         </a:rPr>
-                        <a:t>Japan </a:t>
+                        <a:t>日本 </a:t>
                       </a:r>
                     </a:p>
                   </a:txBody>
@@ -13357,13 +11496,14 @@
                     <a:p>
                       <a:pPr algn="ctr"/>
                       <a:r>
-                        <a:rPr lang="en-US" sz="1100" dirty="0">
+                        <a:rPr lang="ja-JP" sz="1100">
                           <a:solidFill>
                             <a:schemeClr val="tx1"/>
                           </a:solidFill>
-                          <a:latin typeface="Adobe Clean" panose="020B0503020404020204" pitchFamily="34" charset="0"/>
+                          <a:latin typeface="Adobe Clean Han Regular" panose="020B0500000000000000" pitchFamily="34" charset="-128"/>
+                          <a:ea typeface="Adobe Clean Han Regular" panose="020B0500000000000000" pitchFamily="34" charset="-128"/>
                         </a:rPr>
-                        <a:t>24x7</a:t>
+                        <a:t>24 時間年中無休</a:t>
                       </a:r>
                     </a:p>
                   </a:txBody>
@@ -13422,13 +11562,14 @@
                     <a:p>
                       <a:pPr algn="ctr"/>
                       <a:r>
-                        <a:rPr lang="en-US" sz="1100" dirty="0">
+                        <a:rPr lang="ja-JP" sz="1100" dirty="0">
                           <a:solidFill>
                             <a:schemeClr val="tx1"/>
                           </a:solidFill>
-                          <a:latin typeface="Adobe Clean" panose="020B0503020404020204" pitchFamily="34" charset="0"/>
+                          <a:latin typeface="Adobe Clean Han Regular" panose="020B0500000000000000" pitchFamily="34" charset="-128"/>
+                          <a:ea typeface="Adobe Clean Han Regular" panose="020B0500000000000000" pitchFamily="34" charset="-128"/>
                         </a:rPr>
-                        <a:t>9 am – 5 pm</a:t>
+                        <a:t>午前 9:00 ～午後 5:00</a:t>
                       </a:r>
                     </a:p>
                   </a:txBody>
@@ -13487,13 +11628,14 @@
                     <a:p>
                       <a:pPr algn="ctr"/>
                       <a:r>
-                        <a:rPr lang="en-US" sz="1100" dirty="0">
+                        <a:rPr lang="ja-JP" sz="1100" dirty="0">
                           <a:solidFill>
                             <a:schemeClr val="tx1"/>
                           </a:solidFill>
-                          <a:latin typeface="Adobe Clean" panose="020B0503020404020204" pitchFamily="34" charset="0"/>
+                          <a:latin typeface="Adobe Clean Han Regular" panose="020B0500000000000000" pitchFamily="34" charset="-128"/>
+                          <a:ea typeface="Adobe Clean Han Regular" panose="020B0500000000000000" pitchFamily="34" charset="-128"/>
                         </a:rPr>
-                        <a:t>9 am – 5 pm</a:t>
+                        <a:t>午前 9:00 ～午後 5:00</a:t>
                       </a:r>
                     </a:p>
                   </a:txBody>
@@ -13552,13 +11694,14 @@
                     <a:p>
                       <a:pPr algn="ctr"/>
                       <a:r>
-                        <a:rPr lang="en-US" sz="1100" dirty="0">
+                        <a:rPr lang="ja-JP" sz="1100" dirty="0">
                           <a:solidFill>
                             <a:schemeClr val="tx1"/>
                           </a:solidFill>
-                          <a:latin typeface="Adobe Clean" panose="020B0503020404020204" pitchFamily="34" charset="0"/>
+                          <a:latin typeface="Adobe Clean Han Regular" panose="020B0500000000000000" pitchFamily="34" charset="-128"/>
+                          <a:ea typeface="Adobe Clean Han Regular" panose="020B0500000000000000" pitchFamily="34" charset="-128"/>
                         </a:rPr>
-                        <a:t>9 am – 5:30 pm</a:t>
+                        <a:t>午前 9:00 ～午後 5:30</a:t>
                       </a:r>
                     </a:p>
                   </a:txBody>
@@ -13622,7 +11765,7 @@
                     <a:bodyPr/>
                     <a:lstStyle/>
                     <a:p>
-                      <a:pPr marL="0" marR="0" lvl="0" indent="0" algn="ctr" defTabSz="914400" eaLnBrk="1" fontAlgn="auto" latinLnBrk="0" hangingPunct="1">
+                      <a:pPr marL="0" marR="0" lvl="0" indent="0" algn="l" defTabSz="914400" rtl="0" eaLnBrk="1" fontAlgn="auto" latinLnBrk="0" hangingPunct="1">
                         <a:lnSpc>
                           <a:spcPct val="100000"/>
                         </a:lnSpc>
@@ -13643,7 +11786,8 @@
                         <a:solidFill>
                           <a:schemeClr val="tx1"/>
                         </a:solidFill>
-                        <a:latin typeface="Adobe Clean" panose="020B0503020404020204" pitchFamily="34" charset="0"/>
+                        <a:latin typeface="Adobe Clean Han Regular" panose="020B0500000000000000" pitchFamily="34" charset="-128"/>
+                        <a:ea typeface="Adobe Clean Han Regular" panose="020B0500000000000000" pitchFamily="34" charset="-128"/>
                       </a:endParaRPr>
                     </a:p>
                     <a:p>
@@ -13665,22 +11809,24 @@
                         <a:defRPr/>
                       </a:pPr>
                       <a:r>
-                        <a:rPr lang="en-US" sz="1100" baseline="30000" dirty="0">
+                        <a:rPr lang="ja-JP" sz="1100" baseline="30000" dirty="0">
                           <a:solidFill>
                             <a:schemeClr val="tx1"/>
                           </a:solidFill>
-                          <a:latin typeface="Adobe Clean" panose="020B0503020404020204" pitchFamily="34" charset="0"/>
+                          <a:latin typeface="Adobe Clean Han Regular" panose="020B0500000000000000" pitchFamily="34" charset="-128"/>
+                          <a:ea typeface="Adobe Clean Han Regular" panose="020B0500000000000000" pitchFamily="34" charset="-128"/>
                         </a:rPr>
                         <a:t>1</a:t>
                       </a:r>
                       <a:r>
-                        <a:rPr lang="en-US" sz="1100" dirty="0">
+                        <a:rPr lang="ja-JP" sz="1100" dirty="0">
                           <a:solidFill>
                             <a:schemeClr val="tx1"/>
                           </a:solidFill>
-                          <a:latin typeface="Adobe Clean" panose="020B0503020404020204" pitchFamily="34" charset="0"/>
+                          <a:latin typeface="Adobe Clean Han Regular" panose="020B0500000000000000" pitchFamily="34" charset="-128"/>
+                          <a:ea typeface="Adobe Clean Han Regular" panose="020B0500000000000000" pitchFamily="34" charset="-128"/>
                         </a:rPr>
-                        <a:t>Americas Language support available in English only.</a:t>
+                        <a:t>アメリカでのサポートで対応している言語は、英語のみです。</a:t>
                       </a:r>
                     </a:p>
                   </a:txBody>
@@ -13977,7 +12123,10 @@
           <a:bodyPr wrap="square" lIns="0" tIns="0" rIns="0" bIns="0" rtlCol="0"/>
           <a:lstStyle/>
           <a:p>
-            <a:endParaRPr/>
+            <a:endParaRPr>
+              <a:latin typeface="Adobe Clean Han Regular" panose="020B0500000000000000" pitchFamily="34" charset="-128"/>
+              <a:ea typeface="Adobe Clean Han Regular" panose="020B0500000000000000" pitchFamily="34" charset="-128"/>
+            </a:endParaRPr>
           </a:p>
         </p:txBody>
       </p:sp>
@@ -13994,7 +12143,7 @@
           <p:nvPr/>
         </p:nvPicPr>
         <p:blipFill>
-          <a:blip r:embed="rId7" cstate="print"/>
+          <a:blip r:embed="rId6" cstate="print"/>
           <a:stretch>
             <a:fillRect/>
           </a:stretch>
@@ -14023,8 +12172,57 @@
         </p:nvSpPr>
         <p:spPr>
           <a:xfrm>
-            <a:off x="2840871" y="8528519"/>
-            <a:ext cx="810895" cy="385445"/>
+            <a:off x="2584450" y="8528519"/>
+            <a:ext cx="1341187" cy="203261"/>
+          </a:xfrm>
+          <a:prstGeom prst="rect">
+            <a:avLst/>
+          </a:prstGeom>
+        </p:spPr>
+        <p:txBody>
+          <a:bodyPr vert="horz" wrap="square" lIns="0" tIns="23495" rIns="0" bIns="0" rtlCol="0">
+            <a:spAutoFit/>
+          </a:bodyPr>
+          <a:lstStyle/>
+          <a:p>
+            <a:pPr marL="139065" marR="5080" indent="-139065" algn="ctr">
+              <a:lnSpc>
+                <a:spcPts val="1390"/>
+              </a:lnSpc>
+              <a:spcBef>
+                <a:spcPts val="185"/>
+              </a:spcBef>
+            </a:pPr>
+            <a:r>
+              <a:rPr lang="ja-JP" sz="1200" b="1" dirty="0">
+                <a:solidFill>
+                  <a:srgbClr val="FFFFFF"/>
+                </a:solidFill>
+                <a:latin typeface="Adobe Clean Han Regular" panose="020B0500000000000000" pitchFamily="34" charset="-128"/>
+                <a:ea typeface="Adobe Clean Han Regular" panose="020B0500000000000000" pitchFamily="34" charset="-128"/>
+                <a:cs typeface="Adobe Clean"/>
+              </a:rPr>
+              <a:t>卓越した専門知識</a:t>
+            </a:r>
+          </a:p>
+        </p:txBody>
+      </p:sp>
+      <p:sp>
+        <p:nvSpPr>
+          <p:cNvPr id="85" name="object 64">
+            <a:extLst>
+              <a:ext uri="{FF2B5EF4-FFF2-40B4-BE49-F238E27FC236}">
+                <a16:creationId xmlns:a16="http://schemas.microsoft.com/office/drawing/2014/main" id="{3921F04C-B61B-A948-947F-C33BBFF39A32}"/>
+              </a:ext>
+            </a:extLst>
+          </p:cNvPr>
+          <p:cNvSpPr txBox="1"/>
+          <p:nvPr/>
+        </p:nvSpPr>
+        <p:spPr>
+          <a:xfrm>
+            <a:off x="4467319" y="8541244"/>
+            <a:ext cx="1341187" cy="203261"/>
           </a:xfrm>
           <a:prstGeom prst="rect">
             <a:avLst/>
@@ -14045,181 +12243,16 @@
               </a:spcBef>
             </a:pPr>
             <a:r>
-              <a:rPr sz="1200" b="1" spc="-15">
+              <a:rPr lang="ja-JP" sz="1200" b="1" dirty="0">
                 <a:solidFill>
                   <a:srgbClr val="FFFFFF"/>
                 </a:solidFill>
-                <a:latin typeface="Adobe Clean"/>
+                <a:latin typeface="Adobe Clean Han Regular" panose="020B0500000000000000" pitchFamily="34" charset="-128"/>
+                <a:ea typeface="Adobe Clean Han Regular" panose="020B0500000000000000" pitchFamily="34" charset="-128"/>
                 <a:cs typeface="Adobe Clean"/>
               </a:rPr>
-              <a:t>U</a:t>
+              <a:t>迅速なサポート</a:t>
             </a:r>
-            <a:r>
-              <a:rPr sz="1200" b="1" spc="-20">
-                <a:solidFill>
-                  <a:srgbClr val="FFFFFF"/>
-                </a:solidFill>
-                <a:latin typeface="Adobe Clean"/>
-                <a:cs typeface="Adobe Clean"/>
-              </a:rPr>
-              <a:t>n</a:t>
-            </a:r>
-            <a:r>
-              <a:rPr sz="1200" b="1" spc="-25">
-                <a:solidFill>
-                  <a:srgbClr val="FFFFFF"/>
-                </a:solidFill>
-                <a:latin typeface="Adobe Clean"/>
-                <a:cs typeface="Adobe Clean"/>
-              </a:rPr>
-              <a:t>p</a:t>
-            </a:r>
-            <a:r>
-              <a:rPr sz="1200" b="1" spc="-15">
-                <a:solidFill>
-                  <a:srgbClr val="FFFFFF"/>
-                </a:solidFill>
-                <a:latin typeface="Adobe Clean"/>
-                <a:cs typeface="Adobe Clean"/>
-              </a:rPr>
-              <a:t>a</a:t>
-            </a:r>
-            <a:r>
-              <a:rPr sz="1200" b="1" spc="-25">
-                <a:solidFill>
-                  <a:srgbClr val="FFFFFF"/>
-                </a:solidFill>
-                <a:latin typeface="Adobe Clean"/>
-                <a:cs typeface="Adobe Clean"/>
-              </a:rPr>
-              <a:t>r</a:t>
-            </a:r>
-            <a:r>
-              <a:rPr sz="1200" b="1" spc="-15">
-                <a:solidFill>
-                  <a:srgbClr val="FFFFFF"/>
-                </a:solidFill>
-                <a:latin typeface="Adobe Clean"/>
-                <a:cs typeface="Adobe Clean"/>
-              </a:rPr>
-              <a:t>a</a:t>
-            </a:r>
-            <a:r>
-              <a:rPr sz="1200" b="1" spc="-30">
-                <a:solidFill>
-                  <a:srgbClr val="FFFFFF"/>
-                </a:solidFill>
-                <a:latin typeface="Adobe Clean"/>
-                <a:cs typeface="Adobe Clean"/>
-              </a:rPr>
-              <a:t>ll</a:t>
-            </a:r>
-            <a:r>
-              <a:rPr sz="1200" b="1" spc="-25">
-                <a:solidFill>
-                  <a:srgbClr val="FFFFFF"/>
-                </a:solidFill>
-                <a:latin typeface="Adobe Clean"/>
-                <a:cs typeface="Adobe Clean"/>
-              </a:rPr>
-              <a:t>e</a:t>
-            </a:r>
-            <a:r>
-              <a:rPr sz="1200" b="1" spc="-30">
-                <a:solidFill>
-                  <a:srgbClr val="FFFFFF"/>
-                </a:solidFill>
-                <a:latin typeface="Adobe Clean"/>
-                <a:cs typeface="Adobe Clean"/>
-              </a:rPr>
-              <a:t>l</a:t>
-            </a:r>
-            <a:r>
-              <a:rPr sz="1200" b="1" spc="-25">
-                <a:solidFill>
-                  <a:srgbClr val="FFFFFF"/>
-                </a:solidFill>
-                <a:latin typeface="Adobe Clean"/>
-                <a:cs typeface="Adobe Clean"/>
-              </a:rPr>
-              <a:t>e</a:t>
-            </a:r>
-            <a:r>
-              <a:rPr sz="1200" b="1">
-                <a:solidFill>
-                  <a:srgbClr val="FFFFFF"/>
-                </a:solidFill>
-                <a:latin typeface="Adobe Clean"/>
-                <a:cs typeface="Adobe Clean"/>
-              </a:rPr>
-              <a:t>d  </a:t>
-            </a:r>
-            <a:r>
-              <a:rPr sz="1200" b="1" spc="-25">
-                <a:solidFill>
-                  <a:srgbClr val="FFFFFF"/>
-                </a:solidFill>
-                <a:latin typeface="Adobe Clean"/>
-                <a:cs typeface="Adobe Clean"/>
-              </a:rPr>
-              <a:t>Expertise</a:t>
-            </a:r>
-            <a:endParaRPr sz="1200">
-              <a:latin typeface="Adobe Clean"/>
-              <a:cs typeface="Adobe Clean"/>
-            </a:endParaRPr>
-          </a:p>
-        </p:txBody>
-      </p:sp>
-      <p:sp>
-        <p:nvSpPr>
-          <p:cNvPr id="85" name="object 64">
-            <a:extLst>
-              <a:ext uri="{FF2B5EF4-FFF2-40B4-BE49-F238E27FC236}">
-                <a16:creationId xmlns:a16="http://schemas.microsoft.com/office/drawing/2014/main" id="{3921F04C-B61B-A948-947F-C33BBFF39A32}"/>
-              </a:ext>
-            </a:extLst>
-          </p:cNvPr>
-          <p:cNvSpPr txBox="1"/>
-          <p:nvPr/>
-        </p:nvSpPr>
-        <p:spPr>
-          <a:xfrm>
-            <a:off x="4732495" y="8541244"/>
-            <a:ext cx="810895" cy="382797"/>
-          </a:xfrm>
-          <a:prstGeom prst="rect">
-            <a:avLst/>
-          </a:prstGeom>
-        </p:spPr>
-        <p:txBody>
-          <a:bodyPr vert="horz" wrap="square" lIns="0" tIns="23495" rIns="0" bIns="0" rtlCol="0">
-            <a:spAutoFit/>
-          </a:bodyPr>
-          <a:lstStyle/>
-          <a:p>
-            <a:pPr marL="139065" marR="5080" indent="-139065">
-              <a:lnSpc>
-                <a:spcPts val="1390"/>
-              </a:lnSpc>
-              <a:spcBef>
-                <a:spcPts val="185"/>
-              </a:spcBef>
-            </a:pPr>
-            <a:r>
-              <a:rPr lang="en-US" sz="1200" b="1" spc="-15">
-                <a:solidFill>
-                  <a:srgbClr val="FFFFFF"/>
-                </a:solidFill>
-                <a:latin typeface="Adobe Clean"/>
-                <a:cs typeface="Adobe Clean"/>
-              </a:rPr>
-              <a:t>Accelerated Support</a:t>
-            </a:r>
-            <a:endParaRPr sz="1200">
-              <a:latin typeface="Adobe Clean"/>
-              <a:cs typeface="Adobe Clean"/>
-            </a:endParaRPr>
           </a:p>
         </p:txBody>
       </p:sp>
@@ -14237,8 +12270,8 @@
         </p:nvSpPr>
         <p:spPr>
           <a:xfrm>
-            <a:off x="6624119" y="8543943"/>
-            <a:ext cx="510540" cy="385445"/>
+            <a:off x="6102910" y="8543943"/>
+            <a:ext cx="1568906" cy="382797"/>
           </a:xfrm>
           <a:prstGeom prst="rect">
             <a:avLst/>
@@ -14250,7 +12283,7 @@
           </a:bodyPr>
           <a:lstStyle/>
           <a:p>
-            <a:pPr marL="50800" marR="5080" indent="-51435">
+            <a:pPr marL="50800" marR="5080" indent="-51435" algn="ctr">
               <a:lnSpc>
                 <a:spcPts val="1390"/>
               </a:lnSpc>
@@ -14259,109 +12292,37 @@
               </a:spcBef>
             </a:pPr>
             <a:r>
-              <a:rPr sz="1200" b="1" spc="-50">
+              <a:rPr lang="ja-JP" sz="1200" b="1" dirty="0">
                 <a:solidFill>
                   <a:srgbClr val="FFFFFF"/>
                 </a:solidFill>
-                <a:latin typeface="Adobe Clean"/>
+                <a:latin typeface="Adobe Clean Han Regular" panose="020B0500000000000000" pitchFamily="34" charset="-128"/>
+                <a:ea typeface="Adobe Clean Han Regular" panose="020B0500000000000000" pitchFamily="34" charset="-128"/>
                 <a:cs typeface="Adobe Clean"/>
               </a:rPr>
-              <a:t>S</a:t>
+              <a:t>戦略的</a:t>
             </a:r>
-            <a:r>
-              <a:rPr sz="1200" b="1" spc="-20">
+            <a:br>
+              <a:rPr lang="en-US" altLang="ja-JP" sz="1200" b="1" dirty="0">
                 <a:solidFill>
                   <a:srgbClr val="FFFFFF"/>
                 </a:solidFill>
-                <a:latin typeface="Adobe Clean"/>
+                <a:latin typeface="Adobe Clean Han Regular" panose="020B0500000000000000" pitchFamily="34" charset="-128"/>
+                <a:ea typeface="Adobe Clean Han Regular" panose="020B0500000000000000" pitchFamily="34" charset="-128"/>
                 <a:cs typeface="Adobe Clean"/>
               </a:rPr>
-              <a:t>t</a:t>
-            </a:r>
+            </a:br>
             <a:r>
-              <a:rPr sz="1200" b="1" spc="-75">
+              <a:rPr lang="ja-JP" sz="1200" b="1" dirty="0">
                 <a:solidFill>
                   <a:srgbClr val="FFFFFF"/>
                 </a:solidFill>
-                <a:latin typeface="Adobe Clean"/>
+                <a:latin typeface="Adobe Clean Han Regular" panose="020B0500000000000000" pitchFamily="34" charset="-128"/>
+                <a:ea typeface="Adobe Clean Han Regular" panose="020B0500000000000000" pitchFamily="34" charset="-128"/>
                 <a:cs typeface="Adobe Clean"/>
               </a:rPr>
-              <a:t>r</a:t>
+              <a:t>アドバイス</a:t>
             </a:r>
-            <a:r>
-              <a:rPr sz="1200" b="1" spc="-90">
-                <a:solidFill>
-                  <a:srgbClr val="FFFFFF"/>
-                </a:solidFill>
-                <a:latin typeface="Adobe Clean"/>
-                <a:cs typeface="Adobe Clean"/>
-              </a:rPr>
-              <a:t>a</a:t>
-            </a:r>
-            <a:r>
-              <a:rPr sz="1200" b="1" spc="-55">
-                <a:solidFill>
-                  <a:srgbClr val="FFFFFF"/>
-                </a:solidFill>
-                <a:latin typeface="Adobe Clean"/>
-                <a:cs typeface="Adobe Clean"/>
-              </a:rPr>
-              <a:t>t</a:t>
-            </a:r>
-            <a:r>
-              <a:rPr sz="1200" b="1" spc="-100">
-                <a:solidFill>
-                  <a:srgbClr val="FFFFFF"/>
-                </a:solidFill>
-                <a:latin typeface="Adobe Clean"/>
-                <a:cs typeface="Adobe Clean"/>
-              </a:rPr>
-              <a:t>e</a:t>
-            </a:r>
-            <a:r>
-              <a:rPr sz="1200" b="1" spc="-80">
-                <a:solidFill>
-                  <a:srgbClr val="FFFFFF"/>
-                </a:solidFill>
-                <a:latin typeface="Adobe Clean"/>
-                <a:cs typeface="Adobe Clean"/>
-              </a:rPr>
-              <a:t>g</a:t>
-            </a:r>
-            <a:r>
-              <a:rPr sz="1200" b="1" spc="-35">
-                <a:solidFill>
-                  <a:srgbClr val="FFFFFF"/>
-                </a:solidFill>
-                <a:latin typeface="Adobe Clean"/>
-                <a:cs typeface="Adobe Clean"/>
-              </a:rPr>
-              <a:t>i</a:t>
-            </a:r>
-            <a:r>
-              <a:rPr sz="1200" b="1">
-                <a:solidFill>
-                  <a:srgbClr val="FFFFFF"/>
-                </a:solidFill>
-                <a:latin typeface="Adobe Clean"/>
-                <a:cs typeface="Adobe Clean"/>
-              </a:rPr>
-              <a:t>c  </a:t>
-            </a:r>
-            <a:r>
-              <a:rPr sz="1200" b="1" spc="-45">
-                <a:solidFill>
-                  <a:srgbClr val="FFFFFF"/>
-                </a:solidFill>
-                <a:latin typeface="Adobe Clean"/>
-                <a:cs typeface="Adobe Clean"/>
-              </a:rPr>
-              <a:t>Advice</a:t>
-            </a:r>
-            <a:endParaRPr sz="1200">
-              <a:latin typeface="Adobe Clean"/>
-              <a:cs typeface="Adobe Clean"/>
-            </a:endParaRPr>
           </a:p>
         </p:txBody>
       </p:sp>
@@ -14380,14 +12341,14 @@
           <p:nvPr>
             <p:extLst>
               <p:ext uri="{D42A27DB-BD31-4B8C-83A1-F6EECF244321}">
-                <p14:modId xmlns:p14="http://schemas.microsoft.com/office/powerpoint/2010/main" val="1302639971"/>
+                <p14:modId xmlns:p14="http://schemas.microsoft.com/office/powerpoint/2010/main" val="2336624552"/>
               </p:ext>
             </p:extLst>
           </p:nvPr>
         </p:nvGraphicFramePr>
         <p:xfrm>
           <a:off x="194237" y="1272353"/>
-          <a:ext cx="7368291" cy="2473960"/>
+          <a:ext cx="7368291" cy="2778760"/>
         </p:xfrm>
         <a:graphic>
           <a:graphicData uri="http://schemas.openxmlformats.org/drawingml/2006/table">
@@ -14396,14 +12357,14 @@
                 <a:tableStyleId>{5C22544A-7EE6-4342-B048-85BDC9FD1C3A}</a:tableStyleId>
               </a:tblPr>
               <a:tblGrid>
-                <a:gridCol w="3691964">
+                <a:gridCol w="3666563">
                   <a:extLst>
                     <a:ext uri="{9D8B030D-6E8A-4147-A177-3AD203B41FA5}">
                       <a16:colId xmlns:a16="http://schemas.microsoft.com/office/drawing/2014/main" val="2364693614"/>
                     </a:ext>
                   </a:extLst>
                 </a:gridCol>
-                <a:gridCol w="3676327">
+                <a:gridCol w="3701728">
                   <a:extLst>
                     <a:ext uri="{9D8B030D-6E8A-4147-A177-3AD203B41FA5}">
                       <a16:colId xmlns:a16="http://schemas.microsoft.com/office/drawing/2014/main" val="1545335406"/>
@@ -14421,18 +12382,17 @@
                         <a:buNone/>
                       </a:pPr>
                       <a:r>
-                        <a:rPr lang="en-US" sz="1200" b="0" strike="noStrike" dirty="0">
+                        <a:rPr lang="ja-JP" sz="1200" b="0" strike="noStrike" dirty="0">
                           <a:solidFill>
                             <a:srgbClr val="5F5F5F"/>
                           </a:solidFill>
-                          <a:latin typeface="Adobe Clean"/>
-                          <a:ea typeface="+mn-ea"/>
+                          <a:latin typeface="Adobe Clean Han Regular" panose="020B0500000000000000" pitchFamily="34" charset="-128"/>
+                          <a:ea typeface="Adobe Clean Han Regular" panose="020B0500000000000000" pitchFamily="34" charset="-128"/>
                           <a:cs typeface="+mn-cs"/>
-                          <a:hlinkClick r:id="rId8"/>
+                          <a:hlinkClick r:id="rId7"/>
                         </a:rPr>
-                        <a:t>Enterprise Learn &amp; Support</a:t>
+                        <a:t>エンタープライズ版のラーニングとサポート</a:t>
                       </a:r>
-                      <a:endParaRPr lang="en-US"/>
                     </a:p>
                   </a:txBody>
                   <a:tcPr marL="47625" marR="47625" marT="0" marB="0" anchor="ctr">
@@ -14504,15 +12464,15 @@
                         <a:buNone/>
                       </a:pPr>
                       <a:r>
-                        <a:rPr lang="en-US" sz="1000" b="0" strike="noStrike" kern="1200" dirty="0">
+                        <a:rPr lang="ja-JP" sz="1000" b="0" strike="noStrike" dirty="0">
                           <a:solidFill>
                             <a:schemeClr val="tx1"/>
                           </a:solidFill>
-                          <a:latin typeface="Adobe Clean Light"/>
-                          <a:ea typeface="+mn-ea"/>
+                          <a:latin typeface="Adobe Clean Han Light" panose="020B0300000000000000" pitchFamily="34" charset="-128"/>
+                          <a:ea typeface="Adobe Clean Han Light" panose="020B0300000000000000" pitchFamily="34" charset="-128"/>
                           <a:cs typeface="+mn-cs"/>
                         </a:rPr>
-                        <a:t>Enterprise Learn &amp; Support is a place where Adobe customers can find self-help tutorials, product documentation, instructor-led training, community and support for select Adobe Creative Cloud and Document products.</a:t>
+                        <a:t>エンタープライズ版のラーニングとサポートは、アドビのお客様が、選択された Adobe Creative Cloud および Document 製品に対するセルフサービスのチュートリアル、製品ドキュメント、講師によるトレーニング、コミュニティおよびサポートを見つけることができる場所です。</a:t>
                       </a:r>
                     </a:p>
                   </a:txBody>
@@ -14594,15 +12554,14 @@
                         <a:defRPr/>
                       </a:pPr>
                       <a:r>
-                        <a:rPr lang="en-US" sz="1200" strike="noStrike" dirty="0">
+                        <a:rPr lang="ja-JP" sz="1200" strike="noStrike" dirty="0">
                           <a:solidFill>
                             <a:srgbClr val="5F5F5F"/>
                           </a:solidFill>
-                          <a:effectLst/>
-                          <a:latin typeface="Adobe Clean" panose="020B0503020404020204" pitchFamily="34" charset="0"/>
-                          <a:ea typeface="+mn-ea"/>
+                          <a:latin typeface="Adobe Clean Han Regular" panose="020B0500000000000000" pitchFamily="34" charset="-128"/>
+                          <a:ea typeface="Adobe Clean Han Regular" panose="020B0500000000000000" pitchFamily="34" charset="-128"/>
                           <a:cs typeface="+mn-cs"/>
-                          <a:hlinkClick r:id="rId9">
+                          <a:hlinkClick r:id="rId8">
                             <a:extLst>
                               <a:ext uri="{A12FA001-AC4F-418D-AE19-62706E023703}">
                                 <ahyp:hlinkClr xmlns:ahyp="http://schemas.microsoft.com/office/drawing/2018/hyperlinkcolor" val="tx"/>
@@ -14610,17 +12569,8 @@
                             </a:extLst>
                           </a:hlinkClick>
                         </a:rPr>
-                        <a:t>Adobe Support Community </a:t>
+                        <a:t>アドビサポートコミュニティ </a:t>
                       </a:r>
-                      <a:endParaRPr lang="en-US" sz="1200" strike="noStrike" dirty="0">
-                        <a:solidFill>
-                          <a:srgbClr val="5F5F5F"/>
-                        </a:solidFill>
-                        <a:effectLst/>
-                        <a:latin typeface="Adobe Clean" panose="020B0503020404020204" pitchFamily="34" charset="0"/>
-                        <a:ea typeface="+mn-ea"/>
-                        <a:cs typeface="+mn-cs"/>
-                      </a:endParaRPr>
                     </a:p>
                   </a:txBody>
                   <a:tcPr anchor="ctr">
@@ -14694,27 +12644,16 @@
                         <a:defRPr/>
                       </a:pPr>
                       <a:r>
-                        <a:rPr lang="en-US" sz="1000" strike="noStrike" kern="1200" dirty="0">
+                        <a:rPr lang="ja-JP" sz="1000" strike="noStrike" dirty="0">
                           <a:solidFill>
                             <a:schemeClr val="tx1"/>
                           </a:solidFill>
-                          <a:latin typeface="Adobe Clean Light" panose="020B0303020404020204" pitchFamily="34" charset="0"/>
-                          <a:ea typeface="+mn-ea"/>
+                          <a:latin typeface="Adobe Clean Han Light" panose="020B0300000000000000" pitchFamily="34" charset="-128"/>
+                          <a:ea typeface="Adobe Clean Han Light" panose="020B0300000000000000" pitchFamily="34" charset="-128"/>
                           <a:cs typeface="+mn-cs"/>
                         </a:rPr>
-                        <a:t>The Adobe Support Community is the place to ask questions, find answers, learn from experts and share your knowledge.</a:t>
+                        <a:t>アドビサポートコミュニティは、質問をしたり、回答を見つけたり、エキスパートから学んだり、お客様の知識を共有したりする場所です。</a:t>
                       </a:r>
-                      <a:endParaRPr lang="en-US" sz="1000" strike="noStrike" kern="1200" dirty="0">
-                        <a:solidFill>
-                          <a:schemeClr val="tx1"/>
-                        </a:solidFill>
-                        <a:highlight>
-                          <a:srgbClr val="FFFF00"/>
-                        </a:highlight>
-                        <a:latin typeface="Adobe Clean Light" panose="020B0303020404020204" pitchFamily="34" charset="0"/>
-                        <a:ea typeface="+mn-ea"/>
-                        <a:cs typeface="+mn-cs"/>
-                      </a:endParaRPr>
                     </a:p>
                   </a:txBody>
                   <a:tcPr anchor="ctr">
@@ -14795,15 +12734,14 @@
                         <a:defRPr/>
                       </a:pPr>
                       <a:r>
-                        <a:rPr lang="en-US" sz="1200" dirty="0">
+                        <a:rPr lang="ja-JP" sz="1200">
                           <a:solidFill>
                             <a:srgbClr val="5F5F5F"/>
                           </a:solidFill>
-                          <a:effectLst/>
-                          <a:latin typeface="Adobe Clean" panose="020B0503020404020204" pitchFamily="34" charset="0"/>
-                          <a:ea typeface="+mn-ea"/>
+                          <a:latin typeface="Adobe Clean Han Regular" panose="020B0500000000000000" pitchFamily="34" charset="-128"/>
+                          <a:ea typeface="Adobe Clean Han Regular" panose="020B0500000000000000" pitchFamily="34" charset="-128"/>
                           <a:cs typeface="+mn-cs"/>
-                          <a:hlinkClick r:id="rId10">
+                          <a:hlinkClick r:id="rId9">
                             <a:extLst>
                               <a:ext uri="{A12FA001-AC4F-418D-AE19-62706E023703}">
                                 <ahyp:hlinkClr xmlns:ahyp="http://schemas.microsoft.com/office/drawing/2018/hyperlinkcolor" val="tx"/>
@@ -14811,17 +12749,8 @@
                             </a:extLst>
                           </a:hlinkClick>
                         </a:rPr>
-                        <a:t>Production Issues &amp; System Outages</a:t>
+                        <a:t>本番環境の問題とシステム障害</a:t>
                       </a:r>
-                      <a:endParaRPr lang="en-US" sz="1200" dirty="0">
-                        <a:solidFill>
-                          <a:srgbClr val="5F5F5F"/>
-                        </a:solidFill>
-                        <a:effectLst/>
-                        <a:latin typeface="Adobe Clean" panose="020B0503020404020204" pitchFamily="34" charset="0"/>
-                        <a:ea typeface="+mn-ea"/>
-                        <a:cs typeface="+mn-cs"/>
-                      </a:endParaRPr>
                     </a:p>
                   </a:txBody>
                   <a:tcPr anchor="ctr">
@@ -14895,15 +12824,15 @@
                         <a:defRPr/>
                       </a:pPr>
                       <a:r>
-                        <a:rPr lang="en-US" sz="1000" kern="1200" dirty="0">
+                        <a:rPr lang="ja-JP" sz="1000" dirty="0">
                           <a:solidFill>
                             <a:schemeClr val="tx1"/>
                           </a:solidFill>
-                          <a:latin typeface="Adobe Clean Light" panose="020B0303020404020204" pitchFamily="34" charset="0"/>
-                          <a:ea typeface="+mn-ea"/>
+                          <a:latin typeface="Adobe Clean Han Light" panose="020B0300000000000000" pitchFamily="34" charset="-128"/>
+                          <a:ea typeface="Adobe Clean Han Light" panose="020B0300000000000000" pitchFamily="34" charset="-128"/>
                           <a:cs typeface="+mn-cs"/>
                         </a:rPr>
-                        <a:t>Status.adobe.com conveys the health information of all Adobe products and services that are deployed in multi-tenant environments. Customers can choose their subscription preferences to get email notifications whenever Adobe creates, updates or resolves a product event. This can include scheduled maintenance or service issues of varying levels of severity. </a:t>
+                        <a:t>status.adobe.com では、マルチテナント環境にデプロイされたすべてのアドビ製品およびサービスのシステムステータス情報が表示されます。お客様は、アドビが製品イベントを作成、更新、解決した際に電子メール通知を受け取るようサブスクリプション設定を選択できます。イベントには、定期的なメンテナンスや、様々な重大度レベルの問題が含まれています。 </a:t>
                       </a:r>
                     </a:p>
                   </a:txBody>
@@ -14985,15 +12914,14 @@
                         <a:defRPr/>
                       </a:pPr>
                       <a:r>
-                        <a:rPr lang="en-US" sz="1200" dirty="0">
+                        <a:rPr lang="ja-JP" sz="1200">
                           <a:solidFill>
                             <a:srgbClr val="5F5F5F"/>
                           </a:solidFill>
-                          <a:effectLst/>
-                          <a:latin typeface="Adobe Clean" panose="020B0503020404020204" pitchFamily="34" charset="0"/>
-                          <a:ea typeface="+mn-ea"/>
+                          <a:latin typeface="Adobe Clean Han Regular" panose="020B0500000000000000" pitchFamily="34" charset="-128"/>
+                          <a:ea typeface="Adobe Clean Han Regular" panose="020B0500000000000000" pitchFamily="34" charset="-128"/>
                           <a:cs typeface="+mn-cs"/>
-                          <a:hlinkClick r:id="rId11">
+                          <a:hlinkClick r:id="rId10">
                             <a:extLst>
                               <a:ext uri="{A12FA001-AC4F-418D-AE19-62706E023703}">
                                 <ahyp:hlinkClr xmlns:ahyp="http://schemas.microsoft.com/office/drawing/2018/hyperlinkcolor" val="tx"/>
@@ -15001,17 +12929,8 @@
                             </a:extLst>
                           </a:hlinkClick>
                         </a:rPr>
-                        <a:t>Terms and Conditions</a:t>
+                        <a:t>利用条件</a:t>
                       </a:r>
-                      <a:endParaRPr lang="en-US" sz="1200" dirty="0">
-                        <a:solidFill>
-                          <a:srgbClr val="5F5F5F"/>
-                        </a:solidFill>
-                        <a:effectLst/>
-                        <a:latin typeface="Adobe Clean" panose="020B0503020404020204" pitchFamily="34" charset="0"/>
-                        <a:ea typeface="+mn-ea"/>
-                        <a:cs typeface="+mn-cs"/>
-                      </a:endParaRPr>
                     </a:p>
                   </a:txBody>
                   <a:tcPr anchor="ctr">
@@ -15068,15 +12987,15 @@
                     <a:lstStyle/>
                     <a:p>
                       <a:r>
-                        <a:rPr lang="en-US" sz="1000" kern="1200" dirty="0">
+                        <a:rPr lang="ja-JP" sz="1000" dirty="0">
                           <a:solidFill>
                             <a:schemeClr val="tx1"/>
                           </a:solidFill>
-                          <a:latin typeface="Adobe Clean Light" panose="020B0303020404020204" pitchFamily="34" charset="0"/>
-                          <a:ea typeface="+mn-ea"/>
+                          <a:latin typeface="Adobe Clean Han Light" panose="020B0300000000000000" pitchFamily="34" charset="-128"/>
+                          <a:ea typeface="Adobe Clean Han Light" panose="020B0300000000000000" pitchFamily="34" charset="-128"/>
                           <a:cs typeface="+mn-cs"/>
                         </a:rPr>
-                        <a:t>Terms and conditions detailing Support Services offerings.</a:t>
+                        <a:t>提供するサポートサービスについて詳しく説明されています。</a:t>
                       </a:r>
                     </a:p>
                   </a:txBody>
@@ -15153,13 +13072,13 @@
           <p:nvPr/>
         </p:nvPicPr>
         <p:blipFill>
-          <a:blip r:embed="rId12">
+          <a:blip r:embed="rId11">
             <a:extLst>
               <a:ext uri="{28A0092B-C50C-407E-A947-70E740481C1C}">
                 <a14:useLocalDpi xmlns:a14="http://schemas.microsoft.com/office/drawing/2010/main" val="0"/>
               </a:ext>
               <a:ext uri="{96DAC541-7B7A-43D3-8B79-37D633B846F1}">
-                <asvg:svgBlip xmlns:asvg="http://schemas.microsoft.com/office/drawing/2016/SVG/main" r:embed="rId13"/>
+                <asvg:svgBlip xmlns:asvg="http://schemas.microsoft.com/office/drawing/2016/SVG/main" r:embed="rId12"/>
               </a:ext>
             </a:extLst>
           </a:blip>
@@ -15192,13 +13111,13 @@
           <p:nvPr/>
         </p:nvPicPr>
         <p:blipFill>
-          <a:blip r:embed="rId14">
+          <a:blip r:embed="rId13">
             <a:extLst>
               <a:ext uri="{28A0092B-C50C-407E-A947-70E740481C1C}">
                 <a14:useLocalDpi xmlns:a14="http://schemas.microsoft.com/office/drawing/2010/main" val="0"/>
               </a:ext>
               <a:ext uri="{96DAC541-7B7A-43D3-8B79-37D633B846F1}">
-                <asvg:svgBlip xmlns:asvg="http://schemas.microsoft.com/office/drawing/2016/SVG/main" r:embed="rId15"/>
+                <asvg:svgBlip xmlns:asvg="http://schemas.microsoft.com/office/drawing/2016/SVG/main" r:embed="rId14"/>
               </a:ext>
             </a:extLst>
           </a:blip>
@@ -15231,13 +13150,13 @@
           <p:nvPr/>
         </p:nvPicPr>
         <p:blipFill>
-          <a:blip r:embed="rId16">
+          <a:blip r:embed="rId15">
             <a:extLst>
               <a:ext uri="{28A0092B-C50C-407E-A947-70E740481C1C}">
                 <a14:useLocalDpi xmlns:a14="http://schemas.microsoft.com/office/drawing/2010/main" val="0"/>
               </a:ext>
               <a:ext uri="{96DAC541-7B7A-43D3-8B79-37D633B846F1}">
-                <asvg:svgBlip xmlns:asvg="http://schemas.microsoft.com/office/drawing/2016/SVG/main" r:embed="rId17"/>
+                <asvg:svgBlip xmlns:asvg="http://schemas.microsoft.com/office/drawing/2016/SVG/main" r:embed="rId16"/>
               </a:ext>
             </a:extLst>
           </a:blip>
@@ -15299,7 +13218,10 @@
           <a:bodyPr wrap="square" lIns="0" tIns="0" rIns="0" bIns="0" rtlCol="0"/>
           <a:lstStyle/>
           <a:p>
-            <a:endParaRPr/>
+            <a:endParaRPr>
+              <a:latin typeface="Adobe Clean Han Regular" panose="020B0500000000000000" pitchFamily="34" charset="-128"/>
+              <a:ea typeface="Adobe Clean Han Regular" panose="020B0500000000000000" pitchFamily="34" charset="-128"/>
+            </a:endParaRPr>
           </a:p>
         </p:txBody>
       </p:sp>
@@ -15313,11 +13235,6 @@
   <p:clrMapOvr>
     <a:masterClrMapping/>
   </p:clrMapOvr>
-  <p:extLst>
-    <p:ext uri="{6950BFC3-D8DA-4A85-94F7-54DA5524770B}">
-      <p188:commentRel xmlns:p188="http://schemas.microsoft.com/office/powerpoint/2018/8/main" r:id="rId3"/>
-    </p:ext>
-  </p:extLst>
 </p:sld>
 </file>
 
@@ -15365,71 +13282,13 @@
     <a:fontScheme name="Office">
       <a:majorFont>
         <a:latin typeface="Calibri"/>
-        <a:ea typeface=""/>
+        <a:ea typeface="MS Mincho"/>
         <a:cs typeface=""/>
-        <a:font script="Jpan" typeface="ＭＳ Ｐゴシック"/>
-        <a:font script="Hang" typeface="맑은 고딕"/>
-        <a:font script="Hans" typeface="宋体"/>
-        <a:font script="Hant" typeface="新細明體"/>
-        <a:font script="Arab" typeface="Times New Roman"/>
-        <a:font script="Hebr" typeface="Times New Roman"/>
-        <a:font script="Thai" typeface="Angsana New"/>
-        <a:font script="Ethi" typeface="Nyala"/>
-        <a:font script="Beng" typeface="Vrinda"/>
-        <a:font script="Gujr" typeface="Shruti"/>
-        <a:font script="Khmr" typeface="MoolBoran"/>
-        <a:font script="Knda" typeface="Tunga"/>
-        <a:font script="Guru" typeface="Raavi"/>
-        <a:font script="Cans" typeface="Euphemia"/>
-        <a:font script="Cher" typeface="Plantagenet Cherokee"/>
-        <a:font script="Yiii" typeface="Microsoft Yi Baiti"/>
-        <a:font script="Tibt" typeface="Microsoft Himalaya"/>
-        <a:font script="Thaa" typeface="MV Boli"/>
-        <a:font script="Deva" typeface="Mangal"/>
-        <a:font script="Telu" typeface="Gautami"/>
-        <a:font script="Taml" typeface="Latha"/>
-        <a:font script="Syrc" typeface="Estrangelo Edessa"/>
-        <a:font script="Orya" typeface="Kalinga"/>
-        <a:font script="Mlym" typeface="Kartika"/>
-        <a:font script="Laoo" typeface="DokChampa"/>
-        <a:font script="Sinh" typeface="Iskoola Pota"/>
-        <a:font script="Mong" typeface="Mongolian Baiti"/>
-        <a:font script="Viet" typeface="Times New Roman"/>
-        <a:font script="Uigh" typeface="Microsoft Uighur"/>
       </a:majorFont>
       <a:minorFont>
         <a:latin typeface="Calibri"/>
-        <a:ea typeface=""/>
+        <a:ea typeface="MS Mincho"/>
         <a:cs typeface=""/>
-        <a:font script="Jpan" typeface="ＭＳ Ｐゴシック"/>
-        <a:font script="Hang" typeface="맑은 고딕"/>
-        <a:font script="Hans" typeface="宋体"/>
-        <a:font script="Hant" typeface="新細明體"/>
-        <a:font script="Arab" typeface="Arial"/>
-        <a:font script="Hebr" typeface="Arial"/>
-        <a:font script="Thai" typeface="Cordia New"/>
-        <a:font script="Ethi" typeface="Nyala"/>
-        <a:font script="Beng" typeface="Vrinda"/>
-        <a:font script="Gujr" typeface="Shruti"/>
-        <a:font script="Khmr" typeface="DaunPenh"/>
-        <a:font script="Knda" typeface="Tunga"/>
-        <a:font script="Guru" typeface="Raavi"/>
-        <a:font script="Cans" typeface="Euphemia"/>
-        <a:font script="Cher" typeface="Plantagenet Cherokee"/>
-        <a:font script="Yiii" typeface="Microsoft Yi Baiti"/>
-        <a:font script="Tibt" typeface="Microsoft Himalaya"/>
-        <a:font script="Thaa" typeface="MV Boli"/>
-        <a:font script="Deva" typeface="Mangal"/>
-        <a:font script="Telu" typeface="Gautami"/>
-        <a:font script="Taml" typeface="Latha"/>
-        <a:font script="Syrc" typeface="Estrangelo Edessa"/>
-        <a:font script="Orya" typeface="Kalinga"/>
-        <a:font script="Mlym" typeface="Kartika"/>
-        <a:font script="Laoo" typeface="DokChampa"/>
-        <a:font script="Sinh" typeface="Iskoola Pota"/>
-        <a:font script="Mong" typeface="Mongolian Baiti"/>
-        <a:font script="Viet" typeface="Arial"/>
-        <a:font script="Uigh" typeface="Microsoft Uighur"/>
       </a:minorFont>
     </a:fontScheme>
     <a:fmtScheme name="Office">
@@ -15648,107 +13507,13 @@
     <a:fontScheme name="Office">
       <a:majorFont>
         <a:latin typeface="Calibri Light" panose="020F0302020204030204"/>
-        <a:ea typeface=""/>
+        <a:ea typeface="MS Mincho"/>
         <a:cs typeface=""/>
-        <a:font script="Jpan" typeface="游ゴシック Light"/>
-        <a:font script="Hang" typeface="맑은 고딕"/>
-        <a:font script="Hans" typeface="等线 Light"/>
-        <a:font script="Hant" typeface="新細明體"/>
-        <a:font script="Arab" typeface="Times New Roman"/>
-        <a:font script="Hebr" typeface="Times New Roman"/>
-        <a:font script="Thai" typeface="Angsana New"/>
-        <a:font script="Ethi" typeface="Nyala"/>
-        <a:font script="Beng" typeface="Vrinda"/>
-        <a:font script="Gujr" typeface="Shruti"/>
-        <a:font script="Khmr" typeface="MoolBoran"/>
-        <a:font script="Knda" typeface="Tunga"/>
-        <a:font script="Guru" typeface="Raavi"/>
-        <a:font script="Cans" typeface="Euphemia"/>
-        <a:font script="Cher" typeface="Plantagenet Cherokee"/>
-        <a:font script="Yiii" typeface="Microsoft Yi Baiti"/>
-        <a:font script="Tibt" typeface="Microsoft Himalaya"/>
-        <a:font script="Thaa" typeface="MV Boli"/>
-        <a:font script="Deva" typeface="Mangal"/>
-        <a:font script="Telu" typeface="Gautami"/>
-        <a:font script="Taml" typeface="Latha"/>
-        <a:font script="Syrc" typeface="Estrangelo Edessa"/>
-        <a:font script="Orya" typeface="Kalinga"/>
-        <a:font script="Mlym" typeface="Kartika"/>
-        <a:font script="Laoo" typeface="DokChampa"/>
-        <a:font script="Sinh" typeface="Iskoola Pota"/>
-        <a:font script="Mong" typeface="Mongolian Baiti"/>
-        <a:font script="Viet" typeface="Times New Roman"/>
-        <a:font script="Uigh" typeface="Microsoft Uighur"/>
-        <a:font script="Geor" typeface="Sylfaen"/>
-        <a:font script="Armn" typeface="Arial"/>
-        <a:font script="Bugi" typeface="Leelawadee UI"/>
-        <a:font script="Bopo" typeface="Microsoft JhengHei"/>
-        <a:font script="Java" typeface="Javanese Text"/>
-        <a:font script="Lisu" typeface="Segoe UI"/>
-        <a:font script="Mymr" typeface="Myanmar Text"/>
-        <a:font script="Nkoo" typeface="Ebrima"/>
-        <a:font script="Olck" typeface="Nirmala UI"/>
-        <a:font script="Osma" typeface="Ebrima"/>
-        <a:font script="Phag" typeface="Phagspa"/>
-        <a:font script="Syrn" typeface="Estrangelo Edessa"/>
-        <a:font script="Syrj" typeface="Estrangelo Edessa"/>
-        <a:font script="Syre" typeface="Estrangelo Edessa"/>
-        <a:font script="Sora" typeface="Nirmala UI"/>
-        <a:font script="Tale" typeface="Microsoft Tai Le"/>
-        <a:font script="Talu" typeface="Microsoft New Tai Lue"/>
-        <a:font script="Tfng" typeface="Ebrima"/>
       </a:majorFont>
       <a:minorFont>
         <a:latin typeface="Calibri" panose="020F0502020204030204"/>
-        <a:ea typeface=""/>
+        <a:ea typeface="MS Mincho"/>
         <a:cs typeface=""/>
-        <a:font script="Jpan" typeface="游ゴシック"/>
-        <a:font script="Hang" typeface="맑은 고딕"/>
-        <a:font script="Hans" typeface="等线"/>
-        <a:font script="Hant" typeface="新細明體"/>
-        <a:font script="Arab" typeface="Arial"/>
-        <a:font script="Hebr" typeface="Arial"/>
-        <a:font script="Thai" typeface="Cordia New"/>
-        <a:font script="Ethi" typeface="Nyala"/>
-        <a:font script="Beng" typeface="Vrinda"/>
-        <a:font script="Gujr" typeface="Shruti"/>
-        <a:font script="Khmr" typeface="DaunPenh"/>
-        <a:font script="Knda" typeface="Tunga"/>
-        <a:font script="Guru" typeface="Raavi"/>
-        <a:font script="Cans" typeface="Euphemia"/>
-        <a:font script="Cher" typeface="Plantagenet Cherokee"/>
-        <a:font script="Yiii" typeface="Microsoft Yi Baiti"/>
-        <a:font script="Tibt" typeface="Microsoft Himalaya"/>
-        <a:font script="Thaa" typeface="MV Boli"/>
-        <a:font script="Deva" typeface="Mangal"/>
-        <a:font script="Telu" typeface="Gautami"/>
-        <a:font script="Taml" typeface="Latha"/>
-        <a:font script="Syrc" typeface="Estrangelo Edessa"/>
-        <a:font script="Orya" typeface="Kalinga"/>
-        <a:font script="Mlym" typeface="Kartika"/>
-        <a:font script="Laoo" typeface="DokChampa"/>
-        <a:font script="Sinh" typeface="Iskoola Pota"/>
-        <a:font script="Mong" typeface="Mongolian Baiti"/>
-        <a:font script="Viet" typeface="Arial"/>
-        <a:font script="Uigh" typeface="Microsoft Uighur"/>
-        <a:font script="Geor" typeface="Sylfaen"/>
-        <a:font script="Armn" typeface="Arial"/>
-        <a:font script="Bugi" typeface="Leelawadee UI"/>
-        <a:font script="Bopo" typeface="Microsoft JhengHei"/>
-        <a:font script="Java" typeface="Javanese Text"/>
-        <a:font script="Lisu" typeface="Segoe UI"/>
-        <a:font script="Mymr" typeface="Myanmar Text"/>
-        <a:font script="Nkoo" typeface="Ebrima"/>
-        <a:font script="Olck" typeface="Nirmala UI"/>
-        <a:font script="Osma" typeface="Ebrima"/>
-        <a:font script="Phag" typeface="Phagspa"/>
-        <a:font script="Syrn" typeface="Estrangelo Edessa"/>
-        <a:font script="Syrj" typeface="Estrangelo Edessa"/>
-        <a:font script="Syre" typeface="Estrangelo Edessa"/>
-        <a:font script="Sora" typeface="Nirmala UI"/>
-        <a:font script="Tale" typeface="Microsoft Tai Le"/>
-        <a:font script="Talu" typeface="Microsoft New Tai Lue"/>
-        <a:font script="Tfng" typeface="Ebrima"/>
       </a:minorFont>
     </a:fontScheme>
     <a:fmtScheme name="Office">
@@ -15909,12 +13674,6 @@
 </file>
 
 <file path=customXml/item2.xml><?xml version="1.0" encoding="utf-8"?>
-<p:properties xmlns:p="http://schemas.microsoft.com/office/2006/metadata/properties" xmlns:xsi="http://www.w3.org/2001/XMLSchema-instance" xmlns:pc="http://schemas.microsoft.com/office/infopath/2007/PartnerControls">
-  <documentManagement/>
-</p:properties>
-</file>
-
-<file path=customXml/item3.xml><?xml version="1.0" encoding="utf-8"?>
 <ct:contentTypeSchema xmlns:ct="http://schemas.microsoft.com/office/2006/metadata/contentType" xmlns:ma="http://schemas.microsoft.com/office/2006/metadata/properties/metaAttributes" ct:_="" ma:_="" ma:contentTypeName="Document" ma:contentTypeID="0x0101009423269C2B3A1A408FE719AA0C68584E" ma:contentTypeVersion="12" ma:contentTypeDescription="Create a new document." ma:contentTypeScope="" ma:versionID="bb0e62b6784238cdabe687d3bb80e52e">
   <xsd:schema xmlns:xsd="http://www.w3.org/2001/XMLSchema" xmlns:xs="http://www.w3.org/2001/XMLSchema" xmlns:p="http://schemas.microsoft.com/office/2006/metadata/properties" xmlns:ns2="01e63850-2818-4a9f-a0cd-2d4201ad5cd5" xmlns:ns3="281057cd-4f7e-4aa3-94a7-05201549cd15" targetNamespace="http://schemas.microsoft.com/office/2006/metadata/properties" ma:root="true" ma:fieldsID="8056aed6c30138b1a2c5f47f967a193a" ns2:_="" ns3:_="">
     <xsd:import namespace="01e63850-2818-4a9f-a0cd-2d4201ad5cd5"/>
@@ -16131,6 +13890,12 @@
 </ct:contentTypeSchema>
 </file>
 
+<file path=customXml/item3.xml><?xml version="1.0" encoding="utf-8"?>
+<p:properties xmlns:p="http://schemas.microsoft.com/office/2006/metadata/properties" xmlns:xsi="http://www.w3.org/2001/XMLSchema-instance" xmlns:pc="http://schemas.microsoft.com/office/infopath/2007/PartnerControls">
+  <documentManagement/>
+</p:properties>
+</file>
+
 <file path=customXml/itemProps1.xml><?xml version="1.0" encoding="utf-8"?>
 <ds:datastoreItem xmlns:ds="http://schemas.openxmlformats.org/officeDocument/2006/customXml" ds:itemID="{941989CE-20BB-4A6A-A33F-71A1AE469C3E}">
   <ds:schemaRefs>
@@ -16140,23 +13905,6 @@
 </file>
 
 <file path=customXml/itemProps2.xml><?xml version="1.0" encoding="utf-8"?>
-<ds:datastoreItem xmlns:ds="http://schemas.openxmlformats.org/officeDocument/2006/customXml" ds:itemID="{ED4099BE-EDEC-4FF1-8378-446617236015}">
-  <ds:schemaRefs>
-    <ds:schemaRef ds:uri="http://schemas.openxmlformats.org/package/2006/metadata/core-properties"/>
-    <ds:schemaRef ds:uri="01e63850-2818-4a9f-a0cd-2d4201ad5cd5"/>
-    <ds:schemaRef ds:uri="http://www.w3.org/XML/1998/namespace"/>
-    <ds:schemaRef ds:uri="http://purl.org/dc/elements/1.1/"/>
-    <ds:schemaRef ds:uri="http://schemas.microsoft.com/office/2006/metadata/properties"/>
-    <ds:schemaRef ds:uri="http://purl.org/dc/dcmitype/"/>
-    <ds:schemaRef ds:uri="http://schemas.microsoft.com/office/2006/documentManagement/types"/>
-    <ds:schemaRef ds:uri="http://schemas.microsoft.com/office/infopath/2007/PartnerControls"/>
-    <ds:schemaRef ds:uri="281057cd-4f7e-4aa3-94a7-05201549cd15"/>
-    <ds:schemaRef ds:uri="http://purl.org/dc/terms/"/>
-  </ds:schemaRefs>
-</ds:datastoreItem>
-</file>
-
-<file path=customXml/itemProps3.xml><?xml version="1.0" encoding="utf-8"?>
 <ds:datastoreItem xmlns:ds="http://schemas.openxmlformats.org/officeDocument/2006/customXml" ds:itemID="{C688342C-4DFE-4E47-A40D-C772A567C924}">
   <ds:schemaRefs>
     <ds:schemaRef ds:uri="http://schemas.microsoft.com/office/2006/metadata/contentType"/>
@@ -16173,4 +13921,21 @@
     <ds:schemaRef ds:uri="http://schemas.microsoft.com/internal/obd"/>
   </ds:schemaRefs>
 </ds:datastoreItem>
+</file>
+
+<file path=customXml/itemProps3.xml><?xml version="1.0" encoding="utf-8"?>
+<ds:datastoreItem xmlns:ds="http://schemas.openxmlformats.org/officeDocument/2006/customXml" ds:itemID="{ED4099BE-EDEC-4FF1-8378-446617236015}">
+  <ds:schemaRefs>
+    <ds:schemaRef ds:uri="http://schemas.openxmlformats.org/package/2006/metadata/core-properties"/>
+    <ds:schemaRef ds:uri="01e63850-2818-4a9f-a0cd-2d4201ad5cd5"/>
+    <ds:schemaRef ds:uri="http://www.w3.org/XML/1998/namespace"/>
+    <ds:schemaRef ds:uri="http://purl.org/dc/elements/1.1/"/>
+    <ds:schemaRef ds:uri="http://schemas.microsoft.com/office/2006/metadata/properties"/>
+    <ds:schemaRef ds:uri="http://purl.org/dc/dcmitype/"/>
+    <ds:schemaRef ds:uri="http://schemas.microsoft.com/office/2006/documentManagement/types"/>
+    <ds:schemaRef ds:uri="http://schemas.microsoft.com/office/infopath/2007/PartnerControls"/>
+    <ds:schemaRef ds:uri="281057cd-4f7e-4aa3-94a7-05201549cd15"/>
+    <ds:schemaRef ds:uri="http://purl.org/dc/terms/"/>
+  </ds:schemaRefs>
+</ds:datastoreItem>
 </file>